--- a/TaiLieu/SlideBaoCao.pptx
+++ b/TaiLieu/SlideBaoCao.pptx
@@ -4,9 +4,26 @@
   <p:sldMasterIdLst>
     <p:sldMasterId id="2147483689" r:id="rId1"/>
   </p:sldMasterIdLst>
+  <p:notesMasterIdLst>
+    <p:notesMasterId r:id="rId18"/>
+  </p:notesMasterIdLst>
   <p:sldIdLst>
     <p:sldId id="256" r:id="rId2"/>
     <p:sldId id="257" r:id="rId3"/>
+    <p:sldId id="258" r:id="rId4"/>
+    <p:sldId id="259" r:id="rId5"/>
+    <p:sldId id="260" r:id="rId6"/>
+    <p:sldId id="265" r:id="rId7"/>
+    <p:sldId id="262" r:id="rId8"/>
+    <p:sldId id="266" r:id="rId9"/>
+    <p:sldId id="267" r:id="rId10"/>
+    <p:sldId id="268" r:id="rId11"/>
+    <p:sldId id="269" r:id="rId12"/>
+    <p:sldId id="270" r:id="rId13"/>
+    <p:sldId id="271" r:id="rId14"/>
+    <p:sldId id="272" r:id="rId15"/>
+    <p:sldId id="261" r:id="rId16"/>
+    <p:sldId id="273" r:id="rId17"/>
   </p:sldIdLst>
   <p:sldSz cx="12192000" cy="6858000"/>
   <p:notesSz cx="6858000" cy="9144000"/>
@@ -105,7 +122,362 @@
       </a:defRPr>
     </a:lvl9pPr>
   </p:defaultTextStyle>
+  <p:extLst>
+    <p:ext uri="{EFAFB233-063F-42B5-8137-9DF3F51BA10A}">
+      <p15:sldGuideLst xmlns:p15="http://schemas.microsoft.com/office/powerpoint/2012/main"/>
+    </p:ext>
+  </p:extLst>
 </p:presentation>
+</file>
+
+<file path=ppt/notesMasters/notesMaster1.xml><?xml version="1.0" encoding="utf-8"?>
+<p:notesMaster xmlns:a="http://schemas.openxmlformats.org/drawingml/2006/main" xmlns:r="http://schemas.openxmlformats.org/officeDocument/2006/relationships" xmlns:p="http://schemas.openxmlformats.org/presentationml/2006/main">
+  <p:cSld>
+    <p:bg>
+      <p:bgRef idx="1001">
+        <a:schemeClr val="bg1"/>
+      </p:bgRef>
+    </p:bg>
+    <p:spTree>
+      <p:nvGrpSpPr>
+        <p:cNvPr id="1" name=""/>
+        <p:cNvGrpSpPr/>
+        <p:nvPr/>
+      </p:nvGrpSpPr>
+      <p:grpSpPr>
+        <a:xfrm>
+          <a:off x="0" y="0"/>
+          <a:ext cx="0" cy="0"/>
+          <a:chOff x="0" y="0"/>
+          <a:chExt cx="0" cy="0"/>
+        </a:xfrm>
+      </p:grpSpPr>
+      <p:sp>
+        <p:nvSpPr>
+          <p:cNvPr id="2" name="Header Placeholder 1"/>
+          <p:cNvSpPr>
+            <a:spLocks noGrp="1"/>
+          </p:cNvSpPr>
+          <p:nvPr>
+            <p:ph type="hdr" sz="quarter"/>
+          </p:nvPr>
+        </p:nvSpPr>
+        <p:spPr>
+          <a:xfrm>
+            <a:off x="0" y="0"/>
+            <a:ext cx="2971800" cy="458788"/>
+          </a:xfrm>
+          <a:prstGeom prst="rect">
+            <a:avLst/>
+          </a:prstGeom>
+        </p:spPr>
+        <p:txBody>
+          <a:bodyPr vert="horz" lIns="91440" tIns="45720" rIns="91440" bIns="45720" rtlCol="0"/>
+          <a:lstStyle>
+            <a:lvl1pPr algn="l">
+              <a:defRPr sz="1200"/>
+            </a:lvl1pPr>
+          </a:lstStyle>
+          <a:p>
+            <a:endParaRPr lang="en-US"/>
+          </a:p>
+        </p:txBody>
+      </p:sp>
+      <p:sp>
+        <p:nvSpPr>
+          <p:cNvPr id="3" name="Date Placeholder 2"/>
+          <p:cNvSpPr>
+            <a:spLocks noGrp="1"/>
+          </p:cNvSpPr>
+          <p:nvPr>
+            <p:ph type="dt" idx="1"/>
+          </p:nvPr>
+        </p:nvSpPr>
+        <p:spPr>
+          <a:xfrm>
+            <a:off x="3884613" y="0"/>
+            <a:ext cx="2971800" cy="458788"/>
+          </a:xfrm>
+          <a:prstGeom prst="rect">
+            <a:avLst/>
+          </a:prstGeom>
+        </p:spPr>
+        <p:txBody>
+          <a:bodyPr vert="horz" lIns="91440" tIns="45720" rIns="91440" bIns="45720" rtlCol="0"/>
+          <a:lstStyle>
+            <a:lvl1pPr algn="r">
+              <a:defRPr sz="1200"/>
+            </a:lvl1pPr>
+          </a:lstStyle>
+          <a:p>
+            <a:fld id="{5F51932D-E798-4053-8C88-0F6ADB748415}" type="datetimeFigureOut">
+              <a:rPr lang="en-US" smtClean="0"/>
+              <a:t>7/11/2020</a:t>
+            </a:fld>
+            <a:endParaRPr lang="en-US"/>
+          </a:p>
+        </p:txBody>
+      </p:sp>
+      <p:sp>
+        <p:nvSpPr>
+          <p:cNvPr id="4" name="Slide Image Placeholder 3"/>
+          <p:cNvSpPr>
+            <a:spLocks noGrp="1" noRot="1" noChangeAspect="1"/>
+          </p:cNvSpPr>
+          <p:nvPr>
+            <p:ph type="sldImg" idx="2"/>
+          </p:nvPr>
+        </p:nvSpPr>
+        <p:spPr>
+          <a:xfrm>
+            <a:off x="685800" y="1143000"/>
+            <a:ext cx="5486400" cy="3086100"/>
+          </a:xfrm>
+          <a:prstGeom prst="rect">
+            <a:avLst/>
+          </a:prstGeom>
+          <a:noFill/>
+          <a:ln w="12700">
+            <a:solidFill>
+              <a:prstClr val="black"/>
+            </a:solidFill>
+          </a:ln>
+        </p:spPr>
+        <p:txBody>
+          <a:bodyPr vert="horz" lIns="91440" tIns="45720" rIns="91440" bIns="45720" rtlCol="0" anchor="ctr"/>
+          <a:lstStyle/>
+          <a:p>
+            <a:endParaRPr lang="en-US"/>
+          </a:p>
+        </p:txBody>
+      </p:sp>
+      <p:sp>
+        <p:nvSpPr>
+          <p:cNvPr id="5" name="Notes Placeholder 4"/>
+          <p:cNvSpPr>
+            <a:spLocks noGrp="1"/>
+          </p:cNvSpPr>
+          <p:nvPr>
+            <p:ph type="body" sz="quarter" idx="3"/>
+          </p:nvPr>
+        </p:nvSpPr>
+        <p:spPr>
+          <a:xfrm>
+            <a:off x="685800" y="4400550"/>
+            <a:ext cx="5486400" cy="3600450"/>
+          </a:xfrm>
+          <a:prstGeom prst="rect">
+            <a:avLst/>
+          </a:prstGeom>
+        </p:spPr>
+        <p:txBody>
+          <a:bodyPr vert="horz" lIns="91440" tIns="45720" rIns="91440" bIns="45720" rtlCol="0"/>
+          <a:lstStyle/>
+          <a:p>
+            <a:pPr lvl="0"/>
+            <a:r>
+              <a:rPr lang="en-US" smtClean="0"/>
+              <a:t>Edit Master text styles</a:t>
+            </a:r>
+          </a:p>
+          <a:p>
+            <a:pPr lvl="1"/>
+            <a:r>
+              <a:rPr lang="en-US" smtClean="0"/>
+              <a:t>Second level</a:t>
+            </a:r>
+          </a:p>
+          <a:p>
+            <a:pPr lvl="2"/>
+            <a:r>
+              <a:rPr lang="en-US" smtClean="0"/>
+              <a:t>Third level</a:t>
+            </a:r>
+          </a:p>
+          <a:p>
+            <a:pPr lvl="3"/>
+            <a:r>
+              <a:rPr lang="en-US" smtClean="0"/>
+              <a:t>Fourth level</a:t>
+            </a:r>
+          </a:p>
+          <a:p>
+            <a:pPr lvl="4"/>
+            <a:r>
+              <a:rPr lang="en-US" smtClean="0"/>
+              <a:t>Fifth level</a:t>
+            </a:r>
+            <a:endParaRPr lang="en-US"/>
+          </a:p>
+        </p:txBody>
+      </p:sp>
+      <p:sp>
+        <p:nvSpPr>
+          <p:cNvPr id="6" name="Footer Placeholder 5"/>
+          <p:cNvSpPr>
+            <a:spLocks noGrp="1"/>
+          </p:cNvSpPr>
+          <p:nvPr>
+            <p:ph type="ftr" sz="quarter" idx="4"/>
+          </p:nvPr>
+        </p:nvSpPr>
+        <p:spPr>
+          <a:xfrm>
+            <a:off x="0" y="8685213"/>
+            <a:ext cx="2971800" cy="458787"/>
+          </a:xfrm>
+          <a:prstGeom prst="rect">
+            <a:avLst/>
+          </a:prstGeom>
+        </p:spPr>
+        <p:txBody>
+          <a:bodyPr vert="horz" lIns="91440" tIns="45720" rIns="91440" bIns="45720" rtlCol="0" anchor="b"/>
+          <a:lstStyle>
+            <a:lvl1pPr algn="l">
+              <a:defRPr sz="1200"/>
+            </a:lvl1pPr>
+          </a:lstStyle>
+          <a:p>
+            <a:endParaRPr lang="en-US"/>
+          </a:p>
+        </p:txBody>
+      </p:sp>
+      <p:sp>
+        <p:nvSpPr>
+          <p:cNvPr id="7" name="Slide Number Placeholder 6"/>
+          <p:cNvSpPr>
+            <a:spLocks noGrp="1"/>
+          </p:cNvSpPr>
+          <p:nvPr>
+            <p:ph type="sldNum" sz="quarter" idx="5"/>
+          </p:nvPr>
+        </p:nvSpPr>
+        <p:spPr>
+          <a:xfrm>
+            <a:off x="3884613" y="8685213"/>
+            <a:ext cx="2971800" cy="458787"/>
+          </a:xfrm>
+          <a:prstGeom prst="rect">
+            <a:avLst/>
+          </a:prstGeom>
+        </p:spPr>
+        <p:txBody>
+          <a:bodyPr vert="horz" lIns="91440" tIns="45720" rIns="91440" bIns="45720" rtlCol="0" anchor="b"/>
+          <a:lstStyle>
+            <a:lvl1pPr algn="r">
+              <a:defRPr sz="1200"/>
+            </a:lvl1pPr>
+          </a:lstStyle>
+          <a:p>
+            <a:fld id="{D1756BFC-9FD4-466B-A9CC-674915D7C530}" type="slidenum">
+              <a:rPr lang="en-US" smtClean="0"/>
+              <a:t>‹#›</a:t>
+            </a:fld>
+            <a:endParaRPr lang="en-US"/>
+          </a:p>
+        </p:txBody>
+      </p:sp>
+    </p:spTree>
+    <p:extLst>
+      <p:ext uri="{BB962C8B-B14F-4D97-AF65-F5344CB8AC3E}">
+        <p14:creationId xmlns:p14="http://schemas.microsoft.com/office/powerpoint/2010/main" val="2905542915"/>
+      </p:ext>
+    </p:extLst>
+  </p:cSld>
+  <p:clrMap bg1="lt1" tx1="dk1" bg2="lt2" tx2="dk2" accent1="accent1" accent2="accent2" accent3="accent3" accent4="accent4" accent5="accent5" accent6="accent6" hlink="hlink" folHlink="folHlink"/>
+  <p:notesStyle>
+    <a:lvl1pPr marL="0" algn="l" defTabSz="914400" rtl="0" eaLnBrk="1" latinLnBrk="0" hangingPunct="1">
+      <a:defRPr sz="1200" kern="1200">
+        <a:solidFill>
+          <a:schemeClr val="tx1"/>
+        </a:solidFill>
+        <a:latin typeface="+mn-lt"/>
+        <a:ea typeface="+mn-ea"/>
+        <a:cs typeface="+mn-cs"/>
+      </a:defRPr>
+    </a:lvl1pPr>
+    <a:lvl2pPr marL="457200" algn="l" defTabSz="914400" rtl="0" eaLnBrk="1" latinLnBrk="0" hangingPunct="1">
+      <a:defRPr sz="1200" kern="1200">
+        <a:solidFill>
+          <a:schemeClr val="tx1"/>
+        </a:solidFill>
+        <a:latin typeface="+mn-lt"/>
+        <a:ea typeface="+mn-ea"/>
+        <a:cs typeface="+mn-cs"/>
+      </a:defRPr>
+    </a:lvl2pPr>
+    <a:lvl3pPr marL="914400" algn="l" defTabSz="914400" rtl="0" eaLnBrk="1" latinLnBrk="0" hangingPunct="1">
+      <a:defRPr sz="1200" kern="1200">
+        <a:solidFill>
+          <a:schemeClr val="tx1"/>
+        </a:solidFill>
+        <a:latin typeface="+mn-lt"/>
+        <a:ea typeface="+mn-ea"/>
+        <a:cs typeface="+mn-cs"/>
+      </a:defRPr>
+    </a:lvl3pPr>
+    <a:lvl4pPr marL="1371600" algn="l" defTabSz="914400" rtl="0" eaLnBrk="1" latinLnBrk="0" hangingPunct="1">
+      <a:defRPr sz="1200" kern="1200">
+        <a:solidFill>
+          <a:schemeClr val="tx1"/>
+        </a:solidFill>
+        <a:latin typeface="+mn-lt"/>
+        <a:ea typeface="+mn-ea"/>
+        <a:cs typeface="+mn-cs"/>
+      </a:defRPr>
+    </a:lvl4pPr>
+    <a:lvl5pPr marL="1828800" algn="l" defTabSz="914400" rtl="0" eaLnBrk="1" latinLnBrk="0" hangingPunct="1">
+      <a:defRPr sz="1200" kern="1200">
+        <a:solidFill>
+          <a:schemeClr val="tx1"/>
+        </a:solidFill>
+        <a:latin typeface="+mn-lt"/>
+        <a:ea typeface="+mn-ea"/>
+        <a:cs typeface="+mn-cs"/>
+      </a:defRPr>
+    </a:lvl5pPr>
+    <a:lvl6pPr marL="2286000" algn="l" defTabSz="914400" rtl="0" eaLnBrk="1" latinLnBrk="0" hangingPunct="1">
+      <a:defRPr sz="1200" kern="1200">
+        <a:solidFill>
+          <a:schemeClr val="tx1"/>
+        </a:solidFill>
+        <a:latin typeface="+mn-lt"/>
+        <a:ea typeface="+mn-ea"/>
+        <a:cs typeface="+mn-cs"/>
+      </a:defRPr>
+    </a:lvl6pPr>
+    <a:lvl7pPr marL="2743200" algn="l" defTabSz="914400" rtl="0" eaLnBrk="1" latinLnBrk="0" hangingPunct="1">
+      <a:defRPr sz="1200" kern="1200">
+        <a:solidFill>
+          <a:schemeClr val="tx1"/>
+        </a:solidFill>
+        <a:latin typeface="+mn-lt"/>
+        <a:ea typeface="+mn-ea"/>
+        <a:cs typeface="+mn-cs"/>
+      </a:defRPr>
+    </a:lvl7pPr>
+    <a:lvl8pPr marL="3200400" algn="l" defTabSz="914400" rtl="0" eaLnBrk="1" latinLnBrk="0" hangingPunct="1">
+      <a:defRPr sz="1200" kern="1200">
+        <a:solidFill>
+          <a:schemeClr val="tx1"/>
+        </a:solidFill>
+        <a:latin typeface="+mn-lt"/>
+        <a:ea typeface="+mn-ea"/>
+        <a:cs typeface="+mn-cs"/>
+      </a:defRPr>
+    </a:lvl8pPr>
+    <a:lvl9pPr marL="3657600" algn="l" defTabSz="914400" rtl="0" eaLnBrk="1" latinLnBrk="0" hangingPunct="1">
+      <a:defRPr sz="1200" kern="1200">
+        <a:solidFill>
+          <a:schemeClr val="tx1"/>
+        </a:solidFill>
+        <a:latin typeface="+mn-lt"/>
+        <a:ea typeface="+mn-ea"/>
+        <a:cs typeface="+mn-cs"/>
+      </a:defRPr>
+    </a:lvl9pPr>
+  </p:notesStyle>
+</p:notesMaster>
 </file>
 
 <file path=ppt/slideLayouts/slideLayout1.xml><?xml version="1.0" encoding="utf-8"?>
@@ -828,9 +1200,9 @@
           <a:bodyPr/>
           <a:lstStyle/>
           <a:p>
-            <a:fld id="{ADB50D3F-7882-4E99-880D-FCAF4D350D70}" type="datetimeFigureOut">
-              <a:rPr lang="en-US" smtClean="0"/>
-              <a:t>7/8/2020</a:t>
+            <a:fld id="{BFCBA0DC-BADB-497E-B1C6-D50750446231}" type="datetime1">
+              <a:rPr lang="en-US" smtClean="0"/>
+              <a:t>7/11/2020</a:t>
             </a:fld>
             <a:endParaRPr lang="en-US"/>
           </a:p>
@@ -851,6 +1223,10 @@
           <a:bodyPr/>
           <a:lstStyle/>
           <a:p>
+            <a:r>
+              <a:rPr lang="en-US" smtClean="0"/>
+              <a:t>Nhóm 39 - Tìm Hiểu Công Nghệ WPF Và Viết Ứng Dụng Học Tiếng Anh Cho Trẻ Em</a:t>
+            </a:r>
             <a:endParaRPr lang="en-US"/>
           </a:p>
         </p:txBody>
@@ -1079,9 +1455,9 @@
           <a:bodyPr/>
           <a:lstStyle/>
           <a:p>
-            <a:fld id="{ADB50D3F-7882-4E99-880D-FCAF4D350D70}" type="datetimeFigureOut">
-              <a:rPr lang="en-US" smtClean="0"/>
-              <a:t>7/8/2020</a:t>
+            <a:fld id="{CFF92EC0-EEA2-47EF-B462-78474DE3D170}" type="datetime1">
+              <a:rPr lang="en-US" smtClean="0"/>
+              <a:t>7/11/2020</a:t>
             </a:fld>
             <a:endParaRPr lang="en-US"/>
           </a:p>
@@ -1102,6 +1478,10 @@
           <a:bodyPr/>
           <a:lstStyle/>
           <a:p>
+            <a:r>
+              <a:rPr lang="en-US" smtClean="0"/>
+              <a:t>Nhóm 39 - Tìm Hiểu Công Nghệ WPF Và Viết Ứng Dụng Học Tiếng Anh Cho Trẻ Em</a:t>
+            </a:r>
             <a:endParaRPr lang="en-US"/>
           </a:p>
         </p:txBody>
@@ -1393,9 +1773,9 @@
           <a:bodyPr/>
           <a:lstStyle/>
           <a:p>
-            <a:fld id="{ADB50D3F-7882-4E99-880D-FCAF4D350D70}" type="datetimeFigureOut">
-              <a:rPr lang="en-US" smtClean="0"/>
-              <a:t>7/8/2020</a:t>
+            <a:fld id="{7A575CAF-413E-4FE5-A11B-7E8C8E221800}" type="datetime1">
+              <a:rPr lang="en-US" smtClean="0"/>
+              <a:t>7/11/2020</a:t>
             </a:fld>
             <a:endParaRPr lang="en-US"/>
           </a:p>
@@ -1416,6 +1796,10 @@
           <a:bodyPr/>
           <a:lstStyle/>
           <a:p>
+            <a:r>
+              <a:rPr lang="en-US" smtClean="0"/>
+              <a:t>Nhóm 39 - Tìm Hiểu Công Nghệ WPF Và Viết Ứng Dụng Học Tiếng Anh Cho Trẻ Em</a:t>
+            </a:r>
             <a:endParaRPr lang="en-US"/>
           </a:p>
         </p:txBody>
@@ -1734,9 +2118,9 @@
           <a:bodyPr/>
           <a:lstStyle/>
           <a:p>
-            <a:fld id="{ADB50D3F-7882-4E99-880D-FCAF4D350D70}" type="datetimeFigureOut">
-              <a:rPr lang="en-US" smtClean="0"/>
-              <a:t>7/8/2020</a:t>
+            <a:fld id="{C88C467A-79A4-4DB0-A592-35CB09FA2EF6}" type="datetime1">
+              <a:rPr lang="en-US" smtClean="0"/>
+              <a:t>7/11/2020</a:t>
             </a:fld>
             <a:endParaRPr lang="en-US"/>
           </a:p>
@@ -1757,6 +2141,10 @@
           <a:bodyPr/>
           <a:lstStyle/>
           <a:p>
+            <a:r>
+              <a:rPr lang="en-US" smtClean="0"/>
+              <a:t>Nhóm 39 - Tìm Hiểu Công Nghệ WPF Và Viết Ứng Dụng Học Tiếng Anh Cho Trẻ Em</a:t>
+            </a:r>
             <a:endParaRPr lang="en-US"/>
           </a:p>
         </p:txBody>
@@ -2048,9 +2436,9 @@
           <a:bodyPr/>
           <a:lstStyle/>
           <a:p>
-            <a:fld id="{ADB50D3F-7882-4E99-880D-FCAF4D350D70}" type="datetimeFigureOut">
-              <a:rPr lang="en-US" smtClean="0"/>
-              <a:t>7/8/2020</a:t>
+            <a:fld id="{93B180A0-368C-4D08-A488-8EC535701574}" type="datetime1">
+              <a:rPr lang="en-US" smtClean="0"/>
+              <a:t>7/11/2020</a:t>
             </a:fld>
             <a:endParaRPr lang="en-US"/>
           </a:p>
@@ -2071,6 +2459,10 @@
           <a:bodyPr/>
           <a:lstStyle/>
           <a:p>
+            <a:r>
+              <a:rPr lang="en-US" smtClean="0"/>
+              <a:t>Nhóm 39 - Tìm Hiểu Công Nghệ WPF Và Viết Ứng Dụng Học Tiếng Anh Cho Trẻ Em</a:t>
+            </a:r>
             <a:endParaRPr lang="en-US"/>
           </a:p>
         </p:txBody>
@@ -2441,9 +2833,9 @@
           <a:bodyPr/>
           <a:lstStyle/>
           <a:p>
-            <a:fld id="{ADB50D3F-7882-4E99-880D-FCAF4D350D70}" type="datetimeFigureOut">
-              <a:rPr lang="en-US" smtClean="0"/>
-              <a:t>7/8/2020</a:t>
+            <a:fld id="{6DED1400-42B7-4CA4-B7E2-B51DCD1AB549}" type="datetime1">
+              <a:rPr lang="en-US" smtClean="0"/>
+              <a:t>7/11/2020</a:t>
             </a:fld>
             <a:endParaRPr lang="en-US"/>
           </a:p>
@@ -2464,6 +2856,10 @@
           <a:bodyPr/>
           <a:lstStyle/>
           <a:p>
+            <a:r>
+              <a:rPr lang="en-US" smtClean="0"/>
+              <a:t>Nhóm 39 - Tìm Hiểu Công Nghệ WPF Và Viết Ứng Dụng Học Tiếng Anh Cho Trẻ Em</a:t>
+            </a:r>
             <a:endParaRPr lang="en-US"/>
           </a:p>
         </p:txBody>
@@ -2611,9 +3007,9 @@
           <a:bodyPr/>
           <a:lstStyle/>
           <a:p>
-            <a:fld id="{ADB50D3F-7882-4E99-880D-FCAF4D350D70}" type="datetimeFigureOut">
-              <a:rPr lang="en-US" smtClean="0"/>
-              <a:t>7/8/2020</a:t>
+            <a:fld id="{A8DD3E81-933C-40A0-ADDB-6369594AF0F4}" type="datetime1">
+              <a:rPr lang="en-US" smtClean="0"/>
+              <a:t>7/11/2020</a:t>
             </a:fld>
             <a:endParaRPr lang="en-US"/>
           </a:p>
@@ -2634,6 +3030,10 @@
           <a:bodyPr/>
           <a:lstStyle/>
           <a:p>
+            <a:r>
+              <a:rPr lang="en-US" smtClean="0"/>
+              <a:t>Nhóm 39 - Tìm Hiểu Công Nghệ WPF Và Viết Ứng Dụng Học Tiếng Anh Cho Trẻ Em</a:t>
+            </a:r>
             <a:endParaRPr lang="en-US"/>
           </a:p>
         </p:txBody>
@@ -2791,9 +3191,9 @@
           <a:bodyPr/>
           <a:lstStyle/>
           <a:p>
-            <a:fld id="{ADB50D3F-7882-4E99-880D-FCAF4D350D70}" type="datetimeFigureOut">
-              <a:rPr lang="en-US" smtClean="0"/>
-              <a:t>7/8/2020</a:t>
+            <a:fld id="{081C94F9-1E91-4128-9C02-86A196BD0077}" type="datetime1">
+              <a:rPr lang="en-US" smtClean="0"/>
+              <a:t>7/11/2020</a:t>
             </a:fld>
             <a:endParaRPr lang="en-US"/>
           </a:p>
@@ -2814,6 +3214,10 @@
           <a:bodyPr/>
           <a:lstStyle/>
           <a:p>
+            <a:r>
+              <a:rPr lang="en-US" smtClean="0"/>
+              <a:t>Nhóm 39 - Tìm Hiểu Công Nghệ WPF Và Viết Ứng Dụng Học Tiếng Anh Cho Trẻ Em</a:t>
+            </a:r>
             <a:endParaRPr lang="en-US"/>
           </a:p>
         </p:txBody>
@@ -2967,9 +3371,9 @@
           <a:bodyPr/>
           <a:lstStyle/>
           <a:p>
-            <a:fld id="{ADB50D3F-7882-4E99-880D-FCAF4D350D70}" type="datetimeFigureOut">
-              <a:rPr lang="en-US" smtClean="0"/>
-              <a:t>7/8/2020</a:t>
+            <a:fld id="{F6D08C80-8649-495E-910F-E2B22617B000}" type="datetime1">
+              <a:rPr lang="en-US" smtClean="0"/>
+              <a:t>7/11/2020</a:t>
             </a:fld>
             <a:endParaRPr lang="en-US"/>
           </a:p>
@@ -2990,6 +3394,10 @@
           <a:bodyPr/>
           <a:lstStyle/>
           <a:p>
+            <a:r>
+              <a:rPr lang="en-US" smtClean="0"/>
+              <a:t>Nhóm 39 - Tìm Hiểu Công Nghệ WPF Và Viết Ứng Dụng Học Tiếng Anh Cho Trẻ Em</a:t>
+            </a:r>
             <a:endParaRPr lang="en-US"/>
           </a:p>
         </p:txBody>
@@ -3214,9 +3622,9 @@
           <a:bodyPr/>
           <a:lstStyle/>
           <a:p>
-            <a:fld id="{ADB50D3F-7882-4E99-880D-FCAF4D350D70}" type="datetimeFigureOut">
-              <a:rPr lang="en-US" smtClean="0"/>
-              <a:t>7/8/2020</a:t>
+            <a:fld id="{2244ABCD-EE05-47F8-832F-7197473D9ACC}" type="datetime1">
+              <a:rPr lang="en-US" smtClean="0"/>
+              <a:t>7/11/2020</a:t>
             </a:fld>
             <a:endParaRPr lang="en-US"/>
           </a:p>
@@ -3237,6 +3645,10 @@
           <a:bodyPr/>
           <a:lstStyle/>
           <a:p>
+            <a:r>
+              <a:rPr lang="en-US" smtClean="0"/>
+              <a:t>Nhóm 39 - Tìm Hiểu Công Nghệ WPF Và Viết Ứng Dụng Học Tiếng Anh Cho Trẻ Em</a:t>
+            </a:r>
             <a:endParaRPr lang="en-US"/>
           </a:p>
         </p:txBody>
@@ -3446,9 +3858,9 @@
           <a:bodyPr/>
           <a:lstStyle/>
           <a:p>
-            <a:fld id="{ADB50D3F-7882-4E99-880D-FCAF4D350D70}" type="datetimeFigureOut">
-              <a:rPr lang="en-US" smtClean="0"/>
-              <a:t>7/8/2020</a:t>
+            <a:fld id="{EEA28BAC-FD4B-4E48-8332-9CEE8C19EC61}" type="datetime1">
+              <a:rPr lang="en-US" smtClean="0"/>
+              <a:t>7/11/2020</a:t>
             </a:fld>
             <a:endParaRPr lang="en-US"/>
           </a:p>
@@ -3469,6 +3881,10 @@
           <a:bodyPr/>
           <a:lstStyle/>
           <a:p>
+            <a:r>
+              <a:rPr lang="en-US" smtClean="0"/>
+              <a:t>Nhóm 39 - Tìm Hiểu Công Nghệ WPF Và Viết Ứng Dụng Học Tiếng Anh Cho Trẻ Em</a:t>
+            </a:r>
             <a:endParaRPr lang="en-US"/>
           </a:p>
         </p:txBody>
@@ -3820,9 +4236,9 @@
           <a:bodyPr/>
           <a:lstStyle/>
           <a:p>
-            <a:fld id="{ADB50D3F-7882-4E99-880D-FCAF4D350D70}" type="datetimeFigureOut">
-              <a:rPr lang="en-US" smtClean="0"/>
-              <a:t>7/8/2020</a:t>
+            <a:fld id="{760895D1-290A-4DB5-B84C-F3E3AB86A94F}" type="datetime1">
+              <a:rPr lang="en-US" smtClean="0"/>
+              <a:t>7/11/2020</a:t>
             </a:fld>
             <a:endParaRPr lang="en-US"/>
           </a:p>
@@ -3843,6 +4259,10 @@
           <a:bodyPr/>
           <a:lstStyle/>
           <a:p>
+            <a:r>
+              <a:rPr lang="en-US" smtClean="0"/>
+              <a:t>Nhóm 39 - Tìm Hiểu Công Nghệ WPF Và Viết Ứng Dụng Học Tiếng Anh Cho Trẻ Em</a:t>
+            </a:r>
             <a:endParaRPr lang="en-US"/>
           </a:p>
         </p:txBody>
@@ -3943,9 +4363,9 @@
           <a:bodyPr/>
           <a:lstStyle/>
           <a:p>
-            <a:fld id="{ADB50D3F-7882-4E99-880D-FCAF4D350D70}" type="datetimeFigureOut">
-              <a:rPr lang="en-US" smtClean="0"/>
-              <a:t>7/8/2020</a:t>
+            <a:fld id="{C3364E61-4181-453F-9466-00F0C006DD0F}" type="datetime1">
+              <a:rPr lang="en-US" smtClean="0"/>
+              <a:t>7/11/2020</a:t>
             </a:fld>
             <a:endParaRPr lang="en-US"/>
           </a:p>
@@ -3966,6 +4386,10 @@
           <a:bodyPr/>
           <a:lstStyle/>
           <a:p>
+            <a:r>
+              <a:rPr lang="en-US" smtClean="0"/>
+              <a:t>Nhóm 39 - Tìm Hiểu Công Nghệ WPF Và Viết Ứng Dụng Học Tiếng Anh Cho Trẻ Em</a:t>
+            </a:r>
             <a:endParaRPr lang="en-US"/>
           </a:p>
         </p:txBody>
@@ -4038,9 +4462,9 @@
           <a:bodyPr/>
           <a:lstStyle/>
           <a:p>
-            <a:fld id="{ADB50D3F-7882-4E99-880D-FCAF4D350D70}" type="datetimeFigureOut">
-              <a:rPr lang="en-US" smtClean="0"/>
-              <a:t>7/8/2020</a:t>
+            <a:fld id="{E8078F98-5491-448E-BA2A-35024F3BAFFC}" type="datetime1">
+              <a:rPr lang="en-US" smtClean="0"/>
+              <a:t>7/11/2020</a:t>
             </a:fld>
             <a:endParaRPr lang="en-US"/>
           </a:p>
@@ -4061,6 +4485,10 @@
           <a:bodyPr/>
           <a:lstStyle/>
           <a:p>
+            <a:r>
+              <a:rPr lang="en-US" smtClean="0"/>
+              <a:t>Nhóm 39 - Tìm Hiểu Công Nghệ WPF Và Viết Ứng Dụng Học Tiếng Anh Cho Trẻ Em</a:t>
+            </a:r>
             <a:endParaRPr lang="en-US"/>
           </a:p>
         </p:txBody>
@@ -4293,9 +4721,9 @@
           <a:bodyPr/>
           <a:lstStyle/>
           <a:p>
-            <a:fld id="{ADB50D3F-7882-4E99-880D-FCAF4D350D70}" type="datetimeFigureOut">
-              <a:rPr lang="en-US" smtClean="0"/>
-              <a:t>7/8/2020</a:t>
+            <a:fld id="{83041E76-7076-4E21-8BBF-FD02780E9E4A}" type="datetime1">
+              <a:rPr lang="en-US" smtClean="0"/>
+              <a:t>7/11/2020</a:t>
             </a:fld>
             <a:endParaRPr lang="en-US"/>
           </a:p>
@@ -4316,6 +4744,10 @@
           <a:bodyPr/>
           <a:lstStyle/>
           <a:p>
+            <a:r>
+              <a:rPr lang="en-US" smtClean="0"/>
+              <a:t>Nhóm 39 - Tìm Hiểu Công Nghệ WPF Và Viết Ứng Dụng Học Tiếng Anh Cho Trẻ Em</a:t>
+            </a:r>
             <a:endParaRPr lang="en-US"/>
           </a:p>
         </p:txBody>
@@ -4556,9 +4988,9 @@
           <a:bodyPr/>
           <a:lstStyle/>
           <a:p>
-            <a:fld id="{ADB50D3F-7882-4E99-880D-FCAF4D350D70}" type="datetimeFigureOut">
-              <a:rPr lang="en-US" smtClean="0"/>
-              <a:t>7/8/2020</a:t>
+            <a:fld id="{77500096-F819-456F-B02D-A54D62228E57}" type="datetime1">
+              <a:rPr lang="en-US" smtClean="0"/>
+              <a:t>7/11/2020</a:t>
             </a:fld>
             <a:endParaRPr lang="en-US"/>
           </a:p>
@@ -4579,6 +5011,10 @@
           <a:bodyPr/>
           <a:lstStyle/>
           <a:p>
+            <a:r>
+              <a:rPr lang="en-US" smtClean="0"/>
+              <a:t>Nhóm 39 - Tìm Hiểu Công Nghệ WPF Và Viết Ứng Dụng Học Tiếng Anh Cho Trẻ Em</a:t>
+            </a:r>
             <a:endParaRPr lang="en-US"/>
           </a:p>
         </p:txBody>
@@ -5299,9 +5735,9 @@
             </a:lvl1pPr>
           </a:lstStyle>
           <a:p>
-            <a:fld id="{ADB50D3F-7882-4E99-880D-FCAF4D350D70}" type="datetimeFigureOut">
-              <a:rPr lang="en-US" smtClean="0"/>
-              <a:t>7/8/2020</a:t>
+            <a:fld id="{7018EA3C-4979-4229-8225-2F3A41370703}" type="datetime1">
+              <a:rPr lang="en-US" smtClean="0"/>
+              <a:t>7/11/2020</a:t>
             </a:fld>
             <a:endParaRPr lang="en-US"/>
           </a:p>
@@ -5340,6 +5776,10 @@
             </a:lvl1pPr>
           </a:lstStyle>
           <a:p>
+            <a:r>
+              <a:rPr lang="en-US" smtClean="0"/>
+              <a:t>Nhóm 39 - Tìm Hiểu Công Nghệ WPF Và Viết Ứng Dụng Học Tiếng Anh Cho Trẻ Em</a:t>
+            </a:r>
             <a:endParaRPr lang="en-US"/>
           </a:p>
         </p:txBody>
@@ -5409,6 +5849,7 @@
     <p:sldLayoutId id="2147483704" r:id="rId15"/>
     <p:sldLayoutId id="2147483705" r:id="rId16"/>
   </p:sldLayoutIdLst>
+  <p:hf hdr="0" dt="0"/>
   <p:txStyles>
     <p:titleStyle>
       <a:lvl1pPr algn="l" defTabSz="457200" rtl="0" eaLnBrk="1" latinLnBrk="0" hangingPunct="1">
@@ -5811,6 +6252,14 @@
 <file path=ppt/slides/slide1.xml><?xml version="1.0" encoding="utf-8"?>
 <p:sld xmlns:a="http://schemas.openxmlformats.org/drawingml/2006/main" xmlns:r="http://schemas.openxmlformats.org/officeDocument/2006/relationships" xmlns:p="http://schemas.openxmlformats.org/presentationml/2006/main">
   <p:cSld>
+    <p:bg>
+      <p:bgPr>
+        <a:solidFill>
+          <a:schemeClr val="bg1"/>
+        </a:solidFill>
+        <a:effectLst/>
+      </p:bgPr>
+    </p:bg>
     <p:spTree>
       <p:nvGrpSpPr>
         <p:cNvPr id="1" name=""/>
@@ -5885,7 +6334,7 @@
         </p:nvSpPr>
         <p:spPr>
           <a:xfrm>
-            <a:off x="389467" y="4901733"/>
+            <a:off x="414867" y="4685833"/>
             <a:ext cx="7763933" cy="1283167"/>
           </a:xfrm>
         </p:spPr>
@@ -5897,131 +6346,375 @@
           <a:p>
             <a:pPr algn="l"/>
             <a:r>
-              <a:rPr lang="en-US" dirty="0" err="1" smtClean="0"/>
+              <a:rPr lang="en-US" b="1" dirty="0" err="1" smtClean="0">
+                <a:solidFill>
+                  <a:schemeClr val="tx1"/>
+                </a:solidFill>
+                <a:latin typeface="Times New Roman" panose="02020603050405020304" pitchFamily="18" charset="0"/>
+                <a:cs typeface="Times New Roman" panose="02020603050405020304" pitchFamily="18" charset="0"/>
+              </a:rPr>
               <a:t>Giảng</a:t>
             </a:r>
             <a:r>
+              <a:rPr lang="en-US" b="1" dirty="0" smtClean="0">
+                <a:solidFill>
+                  <a:schemeClr val="tx1"/>
+                </a:solidFill>
+                <a:latin typeface="Times New Roman" panose="02020603050405020304" pitchFamily="18" charset="0"/>
+                <a:cs typeface="Times New Roman" panose="02020603050405020304" pitchFamily="18" charset="0"/>
+              </a:rPr>
+              <a:t> </a:t>
+            </a:r>
+            <a:r>
+              <a:rPr lang="en-US" b="1" dirty="0" err="1" smtClean="0">
+                <a:solidFill>
+                  <a:schemeClr val="tx1"/>
+                </a:solidFill>
+                <a:latin typeface="Times New Roman" panose="02020603050405020304" pitchFamily="18" charset="0"/>
+                <a:cs typeface="Times New Roman" panose="02020603050405020304" pitchFamily="18" charset="0"/>
+              </a:rPr>
+              <a:t>viên</a:t>
+            </a:r>
+            <a:r>
+              <a:rPr lang="en-US" b="1" dirty="0" smtClean="0">
+                <a:solidFill>
+                  <a:schemeClr val="tx1"/>
+                </a:solidFill>
+                <a:latin typeface="Times New Roman" panose="02020603050405020304" pitchFamily="18" charset="0"/>
+                <a:cs typeface="Times New Roman" panose="02020603050405020304" pitchFamily="18" charset="0"/>
+              </a:rPr>
+              <a:t> </a:t>
+            </a:r>
+            <a:r>
+              <a:rPr lang="en-US" b="1" dirty="0" err="1" smtClean="0">
+                <a:solidFill>
+                  <a:schemeClr val="tx1"/>
+                </a:solidFill>
+                <a:latin typeface="Times New Roman" panose="02020603050405020304" pitchFamily="18" charset="0"/>
+                <a:cs typeface="Times New Roman" panose="02020603050405020304" pitchFamily="18" charset="0"/>
+              </a:rPr>
+              <a:t>hướng</a:t>
+            </a:r>
+            <a:r>
+              <a:rPr lang="en-US" b="1" dirty="0" smtClean="0">
+                <a:solidFill>
+                  <a:schemeClr val="tx1"/>
+                </a:solidFill>
+                <a:latin typeface="Times New Roman" panose="02020603050405020304" pitchFamily="18" charset="0"/>
+                <a:cs typeface="Times New Roman" panose="02020603050405020304" pitchFamily="18" charset="0"/>
+              </a:rPr>
+              <a:t> </a:t>
+            </a:r>
+            <a:r>
+              <a:rPr lang="en-US" b="1" dirty="0" err="1" smtClean="0">
+                <a:solidFill>
+                  <a:schemeClr val="tx1"/>
+                </a:solidFill>
+                <a:latin typeface="Times New Roman" panose="02020603050405020304" pitchFamily="18" charset="0"/>
+                <a:cs typeface="Times New Roman" panose="02020603050405020304" pitchFamily="18" charset="0"/>
+              </a:rPr>
+              <a:t>dẫn</a:t>
+            </a:r>
+            <a:r>
+              <a:rPr lang="en-US" b="1" dirty="0" smtClean="0">
+                <a:solidFill>
+                  <a:schemeClr val="tx1"/>
+                </a:solidFill>
+                <a:latin typeface="Times New Roman" panose="02020603050405020304" pitchFamily="18" charset="0"/>
+                <a:cs typeface="Times New Roman" panose="02020603050405020304" pitchFamily="18" charset="0"/>
+              </a:rPr>
+              <a:t>: </a:t>
+            </a:r>
+            <a:r>
+              <a:rPr lang="en-US" b="1" dirty="0" err="1" smtClean="0">
+                <a:solidFill>
+                  <a:schemeClr val="tx1"/>
+                </a:solidFill>
+                <a:latin typeface="Times New Roman" panose="02020603050405020304" pitchFamily="18" charset="0"/>
+                <a:cs typeface="Times New Roman" panose="02020603050405020304" pitchFamily="18" charset="0"/>
+              </a:rPr>
+              <a:t>Châu</a:t>
+            </a:r>
+            <a:r>
+              <a:rPr lang="en-US" b="1" dirty="0" smtClean="0">
+                <a:solidFill>
+                  <a:schemeClr val="tx1"/>
+                </a:solidFill>
+                <a:latin typeface="Times New Roman" panose="02020603050405020304" pitchFamily="18" charset="0"/>
+                <a:cs typeface="Times New Roman" panose="02020603050405020304" pitchFamily="18" charset="0"/>
+              </a:rPr>
+              <a:t> </a:t>
+            </a:r>
+            <a:r>
+              <a:rPr lang="en-US" b="1" dirty="0" err="1" smtClean="0">
+                <a:solidFill>
+                  <a:schemeClr val="tx1"/>
+                </a:solidFill>
+                <a:latin typeface="Times New Roman" panose="02020603050405020304" pitchFamily="18" charset="0"/>
+                <a:cs typeface="Times New Roman" panose="02020603050405020304" pitchFamily="18" charset="0"/>
+              </a:rPr>
+              <a:t>Thị</a:t>
+            </a:r>
+            <a:r>
+              <a:rPr lang="en-US" b="1" dirty="0" smtClean="0">
+                <a:solidFill>
+                  <a:schemeClr val="tx1"/>
+                </a:solidFill>
+                <a:latin typeface="Times New Roman" panose="02020603050405020304" pitchFamily="18" charset="0"/>
+                <a:cs typeface="Times New Roman" panose="02020603050405020304" pitchFamily="18" charset="0"/>
+              </a:rPr>
+              <a:t> </a:t>
+            </a:r>
+            <a:r>
+              <a:rPr lang="en-US" b="1" dirty="0" err="1" smtClean="0">
+                <a:solidFill>
+                  <a:schemeClr val="tx1"/>
+                </a:solidFill>
+                <a:latin typeface="Times New Roman" panose="02020603050405020304" pitchFamily="18" charset="0"/>
+                <a:cs typeface="Times New Roman" panose="02020603050405020304" pitchFamily="18" charset="0"/>
+              </a:rPr>
+              <a:t>Bảo</a:t>
+            </a:r>
+            <a:r>
+              <a:rPr lang="en-US" b="1" dirty="0" smtClean="0">
+                <a:solidFill>
+                  <a:schemeClr val="tx1"/>
+                </a:solidFill>
+                <a:latin typeface="Times New Roman" panose="02020603050405020304" pitchFamily="18" charset="0"/>
+                <a:cs typeface="Times New Roman" panose="02020603050405020304" pitchFamily="18" charset="0"/>
+              </a:rPr>
+              <a:t> </a:t>
+            </a:r>
+            <a:r>
+              <a:rPr lang="en-US" b="1" dirty="0" err="1" smtClean="0">
+                <a:solidFill>
+                  <a:schemeClr val="tx1"/>
+                </a:solidFill>
+                <a:latin typeface="Times New Roman" panose="02020603050405020304" pitchFamily="18" charset="0"/>
+                <a:cs typeface="Times New Roman" panose="02020603050405020304" pitchFamily="18" charset="0"/>
+              </a:rPr>
+              <a:t>Hà</a:t>
+            </a:r>
+            <a:endParaRPr lang="en-US" b="1" dirty="0" smtClean="0">
+              <a:solidFill>
+                <a:schemeClr val="tx1"/>
+              </a:solidFill>
+              <a:latin typeface="Times New Roman" panose="02020603050405020304" pitchFamily="18" charset="0"/>
+              <a:cs typeface="Times New Roman" panose="02020603050405020304" pitchFamily="18" charset="0"/>
+            </a:endParaRPr>
+          </a:p>
+          <a:p>
+            <a:pPr algn="l"/>
+            <a:r>
+              <a:rPr lang="en-US" b="1" dirty="0" err="1" smtClean="0">
+                <a:solidFill>
+                  <a:schemeClr val="tx1"/>
+                </a:solidFill>
+                <a:latin typeface="Times New Roman" panose="02020603050405020304" pitchFamily="18" charset="0"/>
+                <a:cs typeface="Times New Roman" panose="02020603050405020304" pitchFamily="18" charset="0"/>
+              </a:rPr>
+              <a:t>Sinh</a:t>
+            </a:r>
+            <a:r>
+              <a:rPr lang="en-US" b="1" dirty="0" smtClean="0">
+                <a:solidFill>
+                  <a:schemeClr val="tx1"/>
+                </a:solidFill>
+                <a:latin typeface="Times New Roman" panose="02020603050405020304" pitchFamily="18" charset="0"/>
+                <a:cs typeface="Times New Roman" panose="02020603050405020304" pitchFamily="18" charset="0"/>
+              </a:rPr>
+              <a:t> </a:t>
+            </a:r>
+            <a:r>
+              <a:rPr lang="en-US" b="1" dirty="0" err="1" smtClean="0">
+                <a:solidFill>
+                  <a:schemeClr val="tx1"/>
+                </a:solidFill>
+                <a:latin typeface="Times New Roman" panose="02020603050405020304" pitchFamily="18" charset="0"/>
+                <a:cs typeface="Times New Roman" panose="02020603050405020304" pitchFamily="18" charset="0"/>
+              </a:rPr>
+              <a:t>viên</a:t>
+            </a:r>
+            <a:r>
+              <a:rPr lang="en-US" b="1" dirty="0" smtClean="0">
+                <a:solidFill>
+                  <a:schemeClr val="tx1"/>
+                </a:solidFill>
+                <a:latin typeface="Times New Roman" panose="02020603050405020304" pitchFamily="18" charset="0"/>
+                <a:cs typeface="Times New Roman" panose="02020603050405020304" pitchFamily="18" charset="0"/>
+              </a:rPr>
+              <a:t> </a:t>
+            </a:r>
+            <a:r>
+              <a:rPr lang="en-US" b="1" dirty="0" err="1" smtClean="0">
+                <a:solidFill>
+                  <a:schemeClr val="tx1"/>
+                </a:solidFill>
+                <a:latin typeface="Times New Roman" panose="02020603050405020304" pitchFamily="18" charset="0"/>
+                <a:cs typeface="Times New Roman" panose="02020603050405020304" pitchFamily="18" charset="0"/>
+              </a:rPr>
+              <a:t>thực</a:t>
+            </a:r>
+            <a:r>
+              <a:rPr lang="en-US" b="1" dirty="0" smtClean="0">
+                <a:solidFill>
+                  <a:schemeClr val="tx1"/>
+                </a:solidFill>
+                <a:latin typeface="Times New Roman" panose="02020603050405020304" pitchFamily="18" charset="0"/>
+                <a:cs typeface="Times New Roman" panose="02020603050405020304" pitchFamily="18" charset="0"/>
+              </a:rPr>
+              <a:t> </a:t>
+            </a:r>
+            <a:r>
+              <a:rPr lang="en-US" b="1" dirty="0" err="1" smtClean="0">
+                <a:solidFill>
+                  <a:schemeClr val="tx1"/>
+                </a:solidFill>
+                <a:latin typeface="Times New Roman" panose="02020603050405020304" pitchFamily="18" charset="0"/>
+                <a:cs typeface="Times New Roman" panose="02020603050405020304" pitchFamily="18" charset="0"/>
+              </a:rPr>
+              <a:t>hiện</a:t>
+            </a:r>
+            <a:r>
+              <a:rPr lang="en-US" b="1" dirty="0" smtClean="0">
+                <a:solidFill>
+                  <a:schemeClr val="tx1"/>
+                </a:solidFill>
+                <a:latin typeface="Times New Roman" panose="02020603050405020304" pitchFamily="18" charset="0"/>
+                <a:cs typeface="Times New Roman" panose="02020603050405020304" pitchFamily="18" charset="0"/>
+              </a:rPr>
+              <a:t>: </a:t>
+            </a:r>
+            <a:r>
+              <a:rPr lang="en-US" b="1" dirty="0" err="1" smtClean="0">
+                <a:solidFill>
+                  <a:schemeClr val="tx1"/>
+                </a:solidFill>
+                <a:latin typeface="Times New Roman" panose="02020603050405020304" pitchFamily="18" charset="0"/>
+                <a:cs typeface="Times New Roman" panose="02020603050405020304" pitchFamily="18" charset="0"/>
+              </a:rPr>
+              <a:t>Hoàng</a:t>
+            </a:r>
+            <a:r>
+              <a:rPr lang="en-US" b="1" dirty="0" smtClean="0">
+                <a:solidFill>
+                  <a:schemeClr val="tx1"/>
+                </a:solidFill>
+                <a:latin typeface="Times New Roman" panose="02020603050405020304" pitchFamily="18" charset="0"/>
+                <a:cs typeface="Times New Roman" panose="02020603050405020304" pitchFamily="18" charset="0"/>
+              </a:rPr>
+              <a:t> </a:t>
+            </a:r>
+            <a:r>
+              <a:rPr lang="en-US" b="1" dirty="0" err="1" smtClean="0">
+                <a:solidFill>
+                  <a:schemeClr val="tx1"/>
+                </a:solidFill>
+                <a:latin typeface="Times New Roman" panose="02020603050405020304" pitchFamily="18" charset="0"/>
+                <a:cs typeface="Times New Roman" panose="02020603050405020304" pitchFamily="18" charset="0"/>
+              </a:rPr>
+              <a:t>Hữu</a:t>
+            </a:r>
+            <a:r>
+              <a:rPr lang="en-US" b="1" dirty="0" smtClean="0">
+                <a:solidFill>
+                  <a:schemeClr val="tx1"/>
+                </a:solidFill>
+                <a:latin typeface="Times New Roman" panose="02020603050405020304" pitchFamily="18" charset="0"/>
+                <a:cs typeface="Times New Roman" panose="02020603050405020304" pitchFamily="18" charset="0"/>
+              </a:rPr>
+              <a:t> </a:t>
+            </a:r>
+            <a:r>
+              <a:rPr lang="en-US" b="1" dirty="0" err="1" smtClean="0">
+                <a:solidFill>
+                  <a:schemeClr val="tx1"/>
+                </a:solidFill>
+                <a:latin typeface="Times New Roman" panose="02020603050405020304" pitchFamily="18" charset="0"/>
+                <a:cs typeface="Times New Roman" panose="02020603050405020304" pitchFamily="18" charset="0"/>
+              </a:rPr>
+              <a:t>Cương</a:t>
+            </a:r>
+            <a:r>
+              <a:rPr lang="en-US" b="1" dirty="0" smtClean="0">
+                <a:solidFill>
+                  <a:schemeClr val="tx1"/>
+                </a:solidFill>
+                <a:latin typeface="Times New Roman" panose="02020603050405020304" pitchFamily="18" charset="0"/>
+                <a:cs typeface="Times New Roman" panose="02020603050405020304" pitchFamily="18" charset="0"/>
+              </a:rPr>
+              <a:t>  - 16048731</a:t>
+            </a:r>
+            <a:endParaRPr lang="en-US" b="1" dirty="0" smtClean="0">
+              <a:solidFill>
+                <a:schemeClr val="tx1"/>
+              </a:solidFill>
+              <a:latin typeface="Times New Roman" panose="02020603050405020304" pitchFamily="18" charset="0"/>
+              <a:cs typeface="Times New Roman" panose="02020603050405020304" pitchFamily="18" charset="0"/>
+            </a:endParaRPr>
+          </a:p>
+          <a:p>
+            <a:pPr algn="l"/>
+            <a:r>
+              <a:rPr lang="en-US" b="1" dirty="0" smtClean="0">
+                <a:solidFill>
+                  <a:schemeClr val="tx1"/>
+                </a:solidFill>
+                <a:latin typeface="Times New Roman" panose="02020603050405020304" pitchFamily="18" charset="0"/>
+                <a:cs typeface="Times New Roman" panose="02020603050405020304" pitchFamily="18" charset="0"/>
+              </a:rPr>
+              <a:t>				    Phan </a:t>
+            </a:r>
+            <a:r>
+              <a:rPr lang="en-US" b="1" dirty="0" err="1" smtClean="0">
+                <a:solidFill>
+                  <a:schemeClr val="tx1"/>
+                </a:solidFill>
+                <a:latin typeface="Times New Roman" panose="02020603050405020304" pitchFamily="18" charset="0"/>
+                <a:cs typeface="Times New Roman" panose="02020603050405020304" pitchFamily="18" charset="0"/>
+              </a:rPr>
+              <a:t>Hữu</a:t>
+            </a:r>
+            <a:r>
+              <a:rPr lang="en-US" b="1" dirty="0" smtClean="0">
+                <a:solidFill>
+                  <a:schemeClr val="tx1"/>
+                </a:solidFill>
+                <a:latin typeface="Times New Roman" panose="02020603050405020304" pitchFamily="18" charset="0"/>
+                <a:cs typeface="Times New Roman" panose="02020603050405020304" pitchFamily="18" charset="0"/>
+              </a:rPr>
+              <a:t> </a:t>
+            </a:r>
+            <a:r>
+              <a:rPr lang="en-US" b="1" dirty="0" err="1" smtClean="0">
+                <a:solidFill>
+                  <a:schemeClr val="tx1"/>
+                </a:solidFill>
+                <a:latin typeface="Times New Roman" panose="02020603050405020304" pitchFamily="18" charset="0"/>
+                <a:cs typeface="Times New Roman" panose="02020603050405020304" pitchFamily="18" charset="0"/>
+              </a:rPr>
+              <a:t>Quý</a:t>
+            </a:r>
+            <a:r>
+              <a:rPr lang="en-US" b="1" dirty="0" smtClean="0">
+                <a:solidFill>
+                  <a:schemeClr val="tx1"/>
+                </a:solidFill>
+                <a:latin typeface="Times New Roman" panose="02020603050405020304" pitchFamily="18" charset="0"/>
+                <a:cs typeface="Times New Roman" panose="02020603050405020304" pitchFamily="18" charset="0"/>
+              </a:rPr>
+              <a:t> - 16073931   </a:t>
+            </a:r>
+            <a:r>
+              <a:rPr lang="en-US" dirty="0" smtClean="0">
+                <a:latin typeface="Times New Roman" panose="02020603050405020304" pitchFamily="18" charset="0"/>
+                <a:cs typeface="Times New Roman" panose="02020603050405020304" pitchFamily="18" charset="0"/>
+              </a:rPr>
+              <a:t>	</a:t>
+            </a:r>
+            <a:r>
               <a:rPr lang="en-US" dirty="0" smtClean="0"/>
-              <a:t> </a:t>
-            </a:r>
-            <a:r>
-              <a:rPr lang="en-US" dirty="0" err="1" smtClean="0"/>
-              <a:t>viên</a:t>
-            </a:r>
-            <a:r>
-              <a:rPr lang="en-US" dirty="0" smtClean="0"/>
-              <a:t> </a:t>
-            </a:r>
-            <a:r>
-              <a:rPr lang="en-US" dirty="0" err="1" smtClean="0"/>
-              <a:t>hướng</a:t>
-            </a:r>
-            <a:r>
-              <a:rPr lang="en-US" dirty="0" smtClean="0"/>
-              <a:t> </a:t>
-            </a:r>
-            <a:r>
-              <a:rPr lang="en-US" dirty="0" err="1" smtClean="0"/>
-              <a:t>dẫn</a:t>
-            </a:r>
-            <a:r>
-              <a:rPr lang="en-US" dirty="0" smtClean="0"/>
-              <a:t>: </a:t>
-            </a:r>
-            <a:r>
-              <a:rPr lang="en-US" dirty="0" err="1" smtClean="0"/>
-              <a:t>Châu</a:t>
-            </a:r>
-            <a:r>
-              <a:rPr lang="en-US" dirty="0" smtClean="0"/>
-              <a:t> </a:t>
-            </a:r>
-            <a:r>
-              <a:rPr lang="en-US" dirty="0" err="1" smtClean="0"/>
-              <a:t>Thị</a:t>
-            </a:r>
-            <a:r>
-              <a:rPr lang="en-US" dirty="0" smtClean="0"/>
-              <a:t> </a:t>
-            </a:r>
-            <a:r>
-              <a:rPr lang="en-US" dirty="0" err="1" smtClean="0"/>
-              <a:t>Bảo</a:t>
-            </a:r>
-            <a:r>
-              <a:rPr lang="en-US" dirty="0" smtClean="0"/>
-              <a:t> </a:t>
-            </a:r>
-            <a:r>
-              <a:rPr lang="en-US" dirty="0" err="1" smtClean="0"/>
-              <a:t>Hà</a:t>
-            </a:r>
-            <a:endParaRPr lang="en-US" dirty="0" smtClean="0"/>
-          </a:p>
-          <a:p>
-            <a:pPr algn="l"/>
-            <a:r>
-              <a:rPr lang="en-US" dirty="0" err="1" smtClean="0"/>
-              <a:t>Sinh</a:t>
-            </a:r>
-            <a:r>
-              <a:rPr lang="en-US" dirty="0" smtClean="0"/>
-              <a:t> </a:t>
-            </a:r>
-            <a:r>
-              <a:rPr lang="en-US" dirty="0" err="1" smtClean="0"/>
-              <a:t>viên</a:t>
-            </a:r>
-            <a:r>
-              <a:rPr lang="en-US" dirty="0" smtClean="0"/>
-              <a:t> </a:t>
-            </a:r>
-            <a:r>
-              <a:rPr lang="en-US" dirty="0" err="1" smtClean="0"/>
-              <a:t>thực</a:t>
-            </a:r>
-            <a:r>
-              <a:rPr lang="en-US" dirty="0" smtClean="0"/>
-              <a:t> </a:t>
-            </a:r>
-            <a:r>
-              <a:rPr lang="en-US" dirty="0" err="1" smtClean="0"/>
-              <a:t>hiện</a:t>
-            </a:r>
-            <a:r>
-              <a:rPr lang="en-US" dirty="0" smtClean="0"/>
-              <a:t>: </a:t>
-            </a:r>
-            <a:r>
-              <a:rPr lang="en-US" dirty="0" err="1" smtClean="0"/>
-              <a:t>Hoàng</a:t>
-            </a:r>
-            <a:r>
-              <a:rPr lang="en-US" dirty="0" smtClean="0"/>
-              <a:t> </a:t>
-            </a:r>
-            <a:r>
-              <a:rPr lang="en-US" dirty="0" err="1" smtClean="0"/>
-              <a:t>Hữu</a:t>
-            </a:r>
-            <a:r>
-              <a:rPr lang="en-US" dirty="0" smtClean="0"/>
-              <a:t> Cương-16048731</a:t>
-            </a:r>
-          </a:p>
-          <a:p>
-            <a:pPr algn="l"/>
-            <a:r>
-              <a:rPr lang="en-US" dirty="0" smtClean="0"/>
-              <a:t>				    Phan </a:t>
-            </a:r>
-            <a:r>
-              <a:rPr lang="en-US" dirty="0" err="1" smtClean="0"/>
-              <a:t>Hữu</a:t>
-            </a:r>
-            <a:r>
-              <a:rPr lang="en-US" dirty="0" smtClean="0"/>
-              <a:t> Quý-16073931   	   </a:t>
+              <a:t>   </a:t>
             </a:r>
             <a:endParaRPr lang="en-US" dirty="0"/>
           </a:p>
@@ -6037,7 +6730,7 @@
         </p:nvSpPr>
         <p:spPr>
           <a:xfrm>
-            <a:off x="1354664" y="0"/>
+            <a:off x="1354664" y="106972"/>
             <a:ext cx="8017933" cy="1168874"/>
           </a:xfrm>
           <a:prstGeom prst="rect">
@@ -6170,7 +6863,7 @@
         </p:blipFill>
         <p:spPr bwMode="auto">
           <a:xfrm>
-            <a:off x="4132365" y="1275846"/>
+            <a:off x="3967265" y="1234421"/>
             <a:ext cx="2462530" cy="1123315"/>
           </a:xfrm>
           <a:prstGeom prst="rect">
@@ -6183,6 +6876,52 @@
           <a:effectLst/>
         </p:spPr>
       </p:pic>
+      <p:sp>
+        <p:nvSpPr>
+          <p:cNvPr id="4" name="Footer Placeholder 3"/>
+          <p:cNvSpPr>
+            <a:spLocks noGrp="1"/>
+          </p:cNvSpPr>
+          <p:nvPr>
+            <p:ph type="ftr" sz="quarter" idx="11"/>
+          </p:nvPr>
+        </p:nvSpPr>
+        <p:spPr/>
+        <p:txBody>
+          <a:bodyPr/>
+          <a:lstStyle/>
+          <a:p>
+            <a:r>
+              <a:rPr lang="en-US" smtClean="0"/>
+              <a:t>Nhóm 39 - Tìm Hiểu Công Nghệ WPF Và Viết Ứng Dụng Học Tiếng Anh Cho Trẻ Em</a:t>
+            </a:r>
+            <a:endParaRPr lang="en-US"/>
+          </a:p>
+        </p:txBody>
+      </p:sp>
+      <p:sp>
+        <p:nvSpPr>
+          <p:cNvPr id="5" name="Slide Number Placeholder 4"/>
+          <p:cNvSpPr>
+            <a:spLocks noGrp="1"/>
+          </p:cNvSpPr>
+          <p:nvPr>
+            <p:ph type="sldNum" sz="quarter" idx="12"/>
+          </p:nvPr>
+        </p:nvSpPr>
+        <p:spPr/>
+        <p:txBody>
+          <a:bodyPr/>
+          <a:lstStyle/>
+          <a:p>
+            <a:fld id="{A47909FA-8428-4BA7-99A7-864F51E2F064}" type="slidenum">
+              <a:rPr lang="en-US" smtClean="0"/>
+              <a:t>1</a:t>
+            </a:fld>
+            <a:endParaRPr lang="en-US"/>
+          </a:p>
+        </p:txBody>
+      </p:sp>
     </p:spTree>
     <p:extLst>
       <p:ext uri="{BB962C8B-B14F-4D97-AF65-F5344CB8AC3E}">
@@ -6193,6 +6932,3347 @@
   <p:clrMapOvr>
     <a:masterClrMapping/>
   </p:clrMapOvr>
+  <p:timing>
+    <p:tnLst>
+      <p:par>
+        <p:cTn id="1" dur="indefinite" restart="never" nodeType="tmRoot"/>
+      </p:par>
+    </p:tnLst>
+  </p:timing>
+</p:sld>
+</file>
+
+<file path=ppt/slides/slide10.xml><?xml version="1.0" encoding="utf-8"?>
+<p:sld xmlns:a="http://schemas.openxmlformats.org/drawingml/2006/main" xmlns:r="http://schemas.openxmlformats.org/officeDocument/2006/relationships" xmlns:p="http://schemas.openxmlformats.org/presentationml/2006/main">
+  <p:cSld>
+    <p:spTree>
+      <p:nvGrpSpPr>
+        <p:cNvPr id="1" name=""/>
+        <p:cNvGrpSpPr/>
+        <p:nvPr/>
+      </p:nvGrpSpPr>
+      <p:grpSpPr>
+        <a:xfrm>
+          <a:off x="0" y="0"/>
+          <a:ext cx="0" cy="0"/>
+          <a:chOff x="0" y="0"/>
+          <a:chExt cx="0" cy="0"/>
+        </a:xfrm>
+      </p:grpSpPr>
+      <p:sp>
+        <p:nvSpPr>
+          <p:cNvPr id="8" name="Title 1"/>
+          <p:cNvSpPr>
+            <a:spLocks noGrp="1"/>
+          </p:cNvSpPr>
+          <p:nvPr>
+            <p:ph type="title"/>
+          </p:nvPr>
+        </p:nvSpPr>
+        <p:spPr>
+          <a:xfrm>
+            <a:off x="527358" y="252417"/>
+            <a:ext cx="8596668" cy="1320800"/>
+          </a:xfrm>
+        </p:spPr>
+        <p:txBody>
+          <a:bodyPr>
+            <a:normAutofit/>
+          </a:bodyPr>
+          <a:lstStyle/>
+          <a:p>
+            <a:r>
+              <a:rPr lang="en-US" sz="4400" b="1" dirty="0" smtClean="0">
+                <a:latin typeface="Times New Roman" panose="02020603050405020304" pitchFamily="18" charset="0"/>
+                <a:cs typeface="Times New Roman" panose="02020603050405020304" pitchFamily="18" charset="0"/>
+              </a:rPr>
+              <a:t>III. NỘI </a:t>
+            </a:r>
+            <a:r>
+              <a:rPr lang="en-US" sz="4400" b="1" dirty="0" smtClean="0">
+                <a:latin typeface="Times New Roman" panose="02020603050405020304" pitchFamily="18" charset="0"/>
+                <a:cs typeface="Times New Roman" panose="02020603050405020304" pitchFamily="18" charset="0"/>
+              </a:rPr>
+              <a:t>DUNG THỰC HIỆN</a:t>
+            </a:r>
+            <a:endParaRPr lang="en-US" sz="4400" b="1" dirty="0">
+              <a:latin typeface="Times New Roman" panose="02020603050405020304" pitchFamily="18" charset="0"/>
+              <a:cs typeface="Times New Roman" panose="02020603050405020304" pitchFamily="18" charset="0"/>
+            </a:endParaRPr>
+          </a:p>
+        </p:txBody>
+      </p:sp>
+      <p:sp>
+        <p:nvSpPr>
+          <p:cNvPr id="4" name="Content Placeholder 2"/>
+          <p:cNvSpPr>
+            <a:spLocks noGrp="1"/>
+          </p:cNvSpPr>
+          <p:nvPr>
+            <p:ph idx="1"/>
+          </p:nvPr>
+        </p:nvSpPr>
+        <p:spPr>
+          <a:xfrm>
+            <a:off x="4825692" y="5632850"/>
+            <a:ext cx="2515215" cy="433383"/>
+          </a:xfrm>
+        </p:spPr>
+        <p:txBody>
+          <a:bodyPr>
+            <a:normAutofit/>
+          </a:bodyPr>
+          <a:lstStyle/>
+          <a:p>
+            <a:pPr marL="0" indent="0">
+              <a:buNone/>
+            </a:pPr>
+            <a:r>
+              <a:rPr lang="en-US" dirty="0" smtClean="0">
+                <a:latin typeface="Times New Roman" panose="02020603050405020304" pitchFamily="18" charset="0"/>
+                <a:cs typeface="Times New Roman" panose="02020603050405020304" pitchFamily="18" charset="0"/>
+              </a:rPr>
+              <a:t>Activity Sorting</a:t>
+            </a:r>
+            <a:endParaRPr lang="en-US" dirty="0">
+              <a:latin typeface="Times New Roman" panose="02020603050405020304" pitchFamily="18" charset="0"/>
+              <a:cs typeface="Times New Roman" panose="02020603050405020304" pitchFamily="18" charset="0"/>
+            </a:endParaRPr>
+          </a:p>
+        </p:txBody>
+      </p:sp>
+      <p:pic>
+        <p:nvPicPr>
+          <p:cNvPr id="5" name="Picture 4"/>
+          <p:cNvPicPr/>
+          <p:nvPr/>
+        </p:nvPicPr>
+        <p:blipFill>
+          <a:blip r:embed="rId2"/>
+          <a:stretch>
+            <a:fillRect/>
+          </a:stretch>
+        </p:blipFill>
+        <p:spPr>
+          <a:xfrm>
+            <a:off x="1935965" y="1016316"/>
+            <a:ext cx="7338037" cy="4546283"/>
+          </a:xfrm>
+          <a:prstGeom prst="rect">
+            <a:avLst/>
+          </a:prstGeom>
+        </p:spPr>
+      </p:pic>
+      <p:sp>
+        <p:nvSpPr>
+          <p:cNvPr id="2" name="Footer Placeholder 1"/>
+          <p:cNvSpPr>
+            <a:spLocks noGrp="1"/>
+          </p:cNvSpPr>
+          <p:nvPr>
+            <p:ph type="ftr" sz="quarter" idx="11"/>
+          </p:nvPr>
+        </p:nvSpPr>
+        <p:spPr>
+          <a:xfrm>
+            <a:off x="527358" y="6119017"/>
+            <a:ext cx="6297612" cy="365125"/>
+          </a:xfrm>
+        </p:spPr>
+        <p:txBody>
+          <a:bodyPr/>
+          <a:lstStyle/>
+          <a:p>
+            <a:r>
+              <a:rPr lang="en-US" dirty="0" err="1" smtClean="0"/>
+              <a:t>Nhóm</a:t>
+            </a:r>
+            <a:r>
+              <a:rPr lang="en-US" dirty="0" smtClean="0"/>
+              <a:t> 39 - </a:t>
+            </a:r>
+            <a:r>
+              <a:rPr lang="en-US" dirty="0" err="1" smtClean="0"/>
+              <a:t>Tìm</a:t>
+            </a:r>
+            <a:r>
+              <a:rPr lang="en-US" dirty="0" smtClean="0"/>
+              <a:t> </a:t>
+            </a:r>
+            <a:r>
+              <a:rPr lang="en-US" dirty="0" err="1" smtClean="0"/>
+              <a:t>Hiểu</a:t>
+            </a:r>
+            <a:r>
+              <a:rPr lang="en-US" dirty="0" smtClean="0"/>
+              <a:t> </a:t>
+            </a:r>
+            <a:r>
+              <a:rPr lang="en-US" dirty="0" err="1" smtClean="0"/>
+              <a:t>Công</a:t>
+            </a:r>
+            <a:r>
+              <a:rPr lang="en-US" dirty="0" smtClean="0"/>
+              <a:t> </a:t>
+            </a:r>
+            <a:r>
+              <a:rPr lang="en-US" dirty="0" err="1" smtClean="0"/>
+              <a:t>Nghệ</a:t>
+            </a:r>
+            <a:r>
+              <a:rPr lang="en-US" dirty="0" smtClean="0"/>
+              <a:t> WPF </a:t>
+            </a:r>
+            <a:r>
+              <a:rPr lang="en-US" dirty="0" err="1" smtClean="0"/>
+              <a:t>Và</a:t>
+            </a:r>
+            <a:r>
+              <a:rPr lang="en-US" dirty="0" smtClean="0"/>
+              <a:t> </a:t>
+            </a:r>
+            <a:r>
+              <a:rPr lang="en-US" dirty="0" err="1" smtClean="0"/>
+              <a:t>Viết</a:t>
+            </a:r>
+            <a:r>
+              <a:rPr lang="en-US" dirty="0" smtClean="0"/>
+              <a:t> </a:t>
+            </a:r>
+            <a:r>
+              <a:rPr lang="en-US" dirty="0" err="1" smtClean="0"/>
+              <a:t>Ứng</a:t>
+            </a:r>
+            <a:r>
+              <a:rPr lang="en-US" dirty="0" smtClean="0"/>
+              <a:t> </a:t>
+            </a:r>
+            <a:r>
+              <a:rPr lang="en-US" dirty="0" err="1" smtClean="0"/>
+              <a:t>Dụng</a:t>
+            </a:r>
+            <a:r>
+              <a:rPr lang="en-US" dirty="0" smtClean="0"/>
+              <a:t> </a:t>
+            </a:r>
+            <a:r>
+              <a:rPr lang="en-US" dirty="0" err="1" smtClean="0"/>
+              <a:t>Học</a:t>
+            </a:r>
+            <a:r>
+              <a:rPr lang="en-US" dirty="0" smtClean="0"/>
+              <a:t> </a:t>
+            </a:r>
+            <a:r>
+              <a:rPr lang="en-US" dirty="0" err="1" smtClean="0"/>
+              <a:t>Tiếng</a:t>
+            </a:r>
+            <a:r>
+              <a:rPr lang="en-US" dirty="0" smtClean="0"/>
+              <a:t> </a:t>
+            </a:r>
+            <a:r>
+              <a:rPr lang="en-US" dirty="0" err="1" smtClean="0"/>
+              <a:t>Anh</a:t>
+            </a:r>
+            <a:r>
+              <a:rPr lang="en-US" dirty="0" smtClean="0"/>
+              <a:t> Cho </a:t>
+            </a:r>
+            <a:r>
+              <a:rPr lang="en-US" dirty="0" err="1" smtClean="0"/>
+              <a:t>Trẻ</a:t>
+            </a:r>
+            <a:r>
+              <a:rPr lang="en-US" dirty="0" smtClean="0"/>
+              <a:t> </a:t>
+            </a:r>
+            <a:r>
+              <a:rPr lang="en-US" dirty="0" err="1" smtClean="0"/>
+              <a:t>Em</a:t>
+            </a:r>
+            <a:endParaRPr lang="en-US" dirty="0"/>
+          </a:p>
+        </p:txBody>
+      </p:sp>
+      <p:sp>
+        <p:nvSpPr>
+          <p:cNvPr id="3" name="Slide Number Placeholder 2"/>
+          <p:cNvSpPr>
+            <a:spLocks noGrp="1"/>
+          </p:cNvSpPr>
+          <p:nvPr>
+            <p:ph type="sldNum" sz="quarter" idx="12"/>
+          </p:nvPr>
+        </p:nvSpPr>
+        <p:spPr/>
+        <p:txBody>
+          <a:bodyPr/>
+          <a:lstStyle/>
+          <a:p>
+            <a:fld id="{A47909FA-8428-4BA7-99A7-864F51E2F064}" type="slidenum">
+              <a:rPr lang="en-US" smtClean="0"/>
+              <a:t>10</a:t>
+            </a:fld>
+            <a:endParaRPr lang="en-US"/>
+          </a:p>
+        </p:txBody>
+      </p:sp>
+    </p:spTree>
+    <p:extLst>
+      <p:ext uri="{BB962C8B-B14F-4D97-AF65-F5344CB8AC3E}">
+        <p14:creationId xmlns:p14="http://schemas.microsoft.com/office/powerpoint/2010/main" val="1061745434"/>
+      </p:ext>
+    </p:extLst>
+  </p:cSld>
+  <p:clrMapOvr>
+    <a:masterClrMapping/>
+  </p:clrMapOvr>
+  <p:timing>
+    <p:tnLst>
+      <p:par>
+        <p:cTn id="1" dur="indefinite" restart="never" nodeType="tmRoot"/>
+      </p:par>
+    </p:tnLst>
+  </p:timing>
+</p:sld>
+</file>
+
+<file path=ppt/slides/slide11.xml><?xml version="1.0" encoding="utf-8"?>
+<p:sld xmlns:a="http://schemas.openxmlformats.org/drawingml/2006/main" xmlns:r="http://schemas.openxmlformats.org/officeDocument/2006/relationships" xmlns:p="http://schemas.openxmlformats.org/presentationml/2006/main">
+  <p:cSld>
+    <p:spTree>
+      <p:nvGrpSpPr>
+        <p:cNvPr id="1" name=""/>
+        <p:cNvGrpSpPr/>
+        <p:nvPr/>
+      </p:nvGrpSpPr>
+      <p:grpSpPr>
+        <a:xfrm>
+          <a:off x="0" y="0"/>
+          <a:ext cx="0" cy="0"/>
+          <a:chOff x="0" y="0"/>
+          <a:chExt cx="0" cy="0"/>
+        </a:xfrm>
+      </p:grpSpPr>
+      <p:sp>
+        <p:nvSpPr>
+          <p:cNvPr id="8" name="Title 1"/>
+          <p:cNvSpPr>
+            <a:spLocks noGrp="1"/>
+          </p:cNvSpPr>
+          <p:nvPr>
+            <p:ph type="title"/>
+          </p:nvPr>
+        </p:nvSpPr>
+        <p:spPr>
+          <a:xfrm>
+            <a:off x="677334" y="341317"/>
+            <a:ext cx="8596668" cy="1320800"/>
+          </a:xfrm>
+        </p:spPr>
+        <p:txBody>
+          <a:bodyPr>
+            <a:normAutofit/>
+          </a:bodyPr>
+          <a:lstStyle/>
+          <a:p>
+            <a:r>
+              <a:rPr lang="en-US" sz="4400" b="1" dirty="0" smtClean="0">
+                <a:latin typeface="Times New Roman" panose="02020603050405020304" pitchFamily="18" charset="0"/>
+                <a:cs typeface="Times New Roman" panose="02020603050405020304" pitchFamily="18" charset="0"/>
+              </a:rPr>
+              <a:t>III. NỘI </a:t>
+            </a:r>
+            <a:r>
+              <a:rPr lang="en-US" sz="4400" b="1" dirty="0" smtClean="0">
+                <a:latin typeface="Times New Roman" panose="02020603050405020304" pitchFamily="18" charset="0"/>
+                <a:cs typeface="Times New Roman" panose="02020603050405020304" pitchFamily="18" charset="0"/>
+              </a:rPr>
+              <a:t>DUNG THỰC HIỆN</a:t>
+            </a:r>
+            <a:endParaRPr lang="en-US" sz="4400" b="1" dirty="0">
+              <a:latin typeface="Times New Roman" panose="02020603050405020304" pitchFamily="18" charset="0"/>
+              <a:cs typeface="Times New Roman" panose="02020603050405020304" pitchFamily="18" charset="0"/>
+            </a:endParaRPr>
+          </a:p>
+        </p:txBody>
+      </p:sp>
+      <p:sp>
+        <p:nvSpPr>
+          <p:cNvPr id="4" name="Content Placeholder 2"/>
+          <p:cNvSpPr>
+            <a:spLocks noGrp="1"/>
+          </p:cNvSpPr>
+          <p:nvPr>
+            <p:ph idx="1"/>
+          </p:nvPr>
+        </p:nvSpPr>
+        <p:spPr>
+          <a:xfrm>
+            <a:off x="4257940" y="5524500"/>
+            <a:ext cx="2515215" cy="433383"/>
+          </a:xfrm>
+        </p:spPr>
+        <p:txBody>
+          <a:bodyPr>
+            <a:normAutofit/>
+          </a:bodyPr>
+          <a:lstStyle/>
+          <a:p>
+            <a:pPr marL="0" indent="0">
+              <a:buNone/>
+            </a:pPr>
+            <a:r>
+              <a:rPr lang="en-US" dirty="0" smtClean="0">
+                <a:latin typeface="Times New Roman" panose="02020603050405020304" pitchFamily="18" charset="0"/>
+                <a:cs typeface="Times New Roman" panose="02020603050405020304" pitchFamily="18" charset="0"/>
+              </a:rPr>
+              <a:t>Activity Multiple Choice</a:t>
+            </a:r>
+            <a:endParaRPr lang="en-US" dirty="0">
+              <a:latin typeface="Times New Roman" panose="02020603050405020304" pitchFamily="18" charset="0"/>
+              <a:cs typeface="Times New Roman" panose="02020603050405020304" pitchFamily="18" charset="0"/>
+            </a:endParaRPr>
+          </a:p>
+        </p:txBody>
+      </p:sp>
+      <p:pic>
+        <p:nvPicPr>
+          <p:cNvPr id="6" name="Picture 5"/>
+          <p:cNvPicPr/>
+          <p:nvPr/>
+        </p:nvPicPr>
+        <p:blipFill>
+          <a:blip r:embed="rId2"/>
+          <a:stretch>
+            <a:fillRect/>
+          </a:stretch>
+        </p:blipFill>
+        <p:spPr>
+          <a:xfrm>
+            <a:off x="1821665" y="1103317"/>
+            <a:ext cx="6941335" cy="4421183"/>
+          </a:xfrm>
+          <a:prstGeom prst="rect">
+            <a:avLst/>
+          </a:prstGeom>
+        </p:spPr>
+      </p:pic>
+      <p:sp>
+        <p:nvSpPr>
+          <p:cNvPr id="2" name="Footer Placeholder 1"/>
+          <p:cNvSpPr>
+            <a:spLocks noGrp="1"/>
+          </p:cNvSpPr>
+          <p:nvPr>
+            <p:ph type="ftr" sz="quarter" idx="11"/>
+          </p:nvPr>
+        </p:nvSpPr>
+        <p:spPr/>
+        <p:txBody>
+          <a:bodyPr/>
+          <a:lstStyle/>
+          <a:p>
+            <a:r>
+              <a:rPr lang="en-US" smtClean="0"/>
+              <a:t>Nhóm 39 - Tìm Hiểu Công Nghệ WPF Và Viết Ứng Dụng Học Tiếng Anh Cho Trẻ Em</a:t>
+            </a:r>
+            <a:endParaRPr lang="en-US"/>
+          </a:p>
+        </p:txBody>
+      </p:sp>
+      <p:sp>
+        <p:nvSpPr>
+          <p:cNvPr id="3" name="Slide Number Placeholder 2"/>
+          <p:cNvSpPr>
+            <a:spLocks noGrp="1"/>
+          </p:cNvSpPr>
+          <p:nvPr>
+            <p:ph type="sldNum" sz="quarter" idx="12"/>
+          </p:nvPr>
+        </p:nvSpPr>
+        <p:spPr/>
+        <p:txBody>
+          <a:bodyPr/>
+          <a:lstStyle/>
+          <a:p>
+            <a:fld id="{A47909FA-8428-4BA7-99A7-864F51E2F064}" type="slidenum">
+              <a:rPr lang="en-US" smtClean="0"/>
+              <a:t>11</a:t>
+            </a:fld>
+            <a:endParaRPr lang="en-US"/>
+          </a:p>
+        </p:txBody>
+      </p:sp>
+    </p:spTree>
+    <p:extLst>
+      <p:ext uri="{BB962C8B-B14F-4D97-AF65-F5344CB8AC3E}">
+        <p14:creationId xmlns:p14="http://schemas.microsoft.com/office/powerpoint/2010/main" val="3201106346"/>
+      </p:ext>
+    </p:extLst>
+  </p:cSld>
+  <p:clrMapOvr>
+    <a:masterClrMapping/>
+  </p:clrMapOvr>
+  <p:timing>
+    <p:tnLst>
+      <p:par>
+        <p:cTn id="1" dur="indefinite" restart="never" nodeType="tmRoot"/>
+      </p:par>
+    </p:tnLst>
+  </p:timing>
+</p:sld>
+</file>
+
+<file path=ppt/slides/slide12.xml><?xml version="1.0" encoding="utf-8"?>
+<p:sld xmlns:a="http://schemas.openxmlformats.org/drawingml/2006/main" xmlns:r="http://schemas.openxmlformats.org/officeDocument/2006/relationships" xmlns:p="http://schemas.openxmlformats.org/presentationml/2006/main">
+  <p:cSld>
+    <p:spTree>
+      <p:nvGrpSpPr>
+        <p:cNvPr id="1" name=""/>
+        <p:cNvGrpSpPr/>
+        <p:nvPr/>
+      </p:nvGrpSpPr>
+      <p:grpSpPr>
+        <a:xfrm>
+          <a:off x="0" y="0"/>
+          <a:ext cx="0" cy="0"/>
+          <a:chOff x="0" y="0"/>
+          <a:chExt cx="0" cy="0"/>
+        </a:xfrm>
+      </p:grpSpPr>
+      <p:sp>
+        <p:nvSpPr>
+          <p:cNvPr id="7" name="Title 1"/>
+          <p:cNvSpPr>
+            <a:spLocks noGrp="1"/>
+          </p:cNvSpPr>
+          <p:nvPr>
+            <p:ph type="title"/>
+          </p:nvPr>
+        </p:nvSpPr>
+        <p:spPr>
+          <a:xfrm>
+            <a:off x="550334" y="270855"/>
+            <a:ext cx="8596668" cy="1320800"/>
+          </a:xfrm>
+        </p:spPr>
+        <p:txBody>
+          <a:bodyPr>
+            <a:normAutofit/>
+          </a:bodyPr>
+          <a:lstStyle/>
+          <a:p>
+            <a:r>
+              <a:rPr lang="en-US" sz="4400" b="1" dirty="0" smtClean="0">
+                <a:latin typeface="Times New Roman" panose="02020603050405020304" pitchFamily="18" charset="0"/>
+                <a:cs typeface="Times New Roman" panose="02020603050405020304" pitchFamily="18" charset="0"/>
+              </a:rPr>
+              <a:t>III. NỘI </a:t>
+            </a:r>
+            <a:r>
+              <a:rPr lang="en-US" sz="4400" b="1" dirty="0" smtClean="0">
+                <a:latin typeface="Times New Roman" panose="02020603050405020304" pitchFamily="18" charset="0"/>
+                <a:cs typeface="Times New Roman" panose="02020603050405020304" pitchFamily="18" charset="0"/>
+              </a:rPr>
+              <a:t>DUNG THỰC HIỆN</a:t>
+            </a:r>
+            <a:endParaRPr lang="en-US" sz="4400" b="1" dirty="0">
+              <a:latin typeface="Times New Roman" panose="02020603050405020304" pitchFamily="18" charset="0"/>
+              <a:cs typeface="Times New Roman" panose="02020603050405020304" pitchFamily="18" charset="0"/>
+            </a:endParaRPr>
+          </a:p>
+        </p:txBody>
+      </p:sp>
+      <p:sp>
+        <p:nvSpPr>
+          <p:cNvPr id="4" name="Content Placeholder 2"/>
+          <p:cNvSpPr>
+            <a:spLocks noGrp="1"/>
+          </p:cNvSpPr>
+          <p:nvPr>
+            <p:ph idx="1"/>
+          </p:nvPr>
+        </p:nvSpPr>
+        <p:spPr>
+          <a:xfrm>
+            <a:off x="4791032" y="5595279"/>
+            <a:ext cx="1994515" cy="446083"/>
+          </a:xfrm>
+        </p:spPr>
+        <p:txBody>
+          <a:bodyPr>
+            <a:normAutofit/>
+          </a:bodyPr>
+          <a:lstStyle/>
+          <a:p>
+            <a:pPr marL="0" indent="0">
+              <a:buNone/>
+            </a:pPr>
+            <a:r>
+              <a:rPr lang="en-US" dirty="0" smtClean="0">
+                <a:latin typeface="Times New Roman" panose="02020603050405020304" pitchFamily="18" charset="0"/>
+                <a:cs typeface="Times New Roman" panose="02020603050405020304" pitchFamily="18" charset="0"/>
+              </a:rPr>
+              <a:t>Activity Painting</a:t>
+            </a:r>
+            <a:endParaRPr lang="en-US" dirty="0">
+              <a:latin typeface="Times New Roman" panose="02020603050405020304" pitchFamily="18" charset="0"/>
+              <a:cs typeface="Times New Roman" panose="02020603050405020304" pitchFamily="18" charset="0"/>
+            </a:endParaRPr>
+          </a:p>
+        </p:txBody>
+      </p:sp>
+      <p:pic>
+        <p:nvPicPr>
+          <p:cNvPr id="5" name="Picture 4"/>
+          <p:cNvPicPr/>
+          <p:nvPr/>
+        </p:nvPicPr>
+        <p:blipFill>
+          <a:blip r:embed="rId2"/>
+          <a:stretch>
+            <a:fillRect/>
+          </a:stretch>
+        </p:blipFill>
+        <p:spPr>
+          <a:xfrm>
+            <a:off x="1580673" y="1054417"/>
+            <a:ext cx="7855427" cy="4482783"/>
+          </a:xfrm>
+          <a:prstGeom prst="rect">
+            <a:avLst/>
+          </a:prstGeom>
+        </p:spPr>
+      </p:pic>
+      <p:sp>
+        <p:nvSpPr>
+          <p:cNvPr id="2" name="Footer Placeholder 1"/>
+          <p:cNvSpPr>
+            <a:spLocks noGrp="1"/>
+          </p:cNvSpPr>
+          <p:nvPr>
+            <p:ph type="ftr" sz="quarter" idx="11"/>
+          </p:nvPr>
+        </p:nvSpPr>
+        <p:spPr/>
+        <p:txBody>
+          <a:bodyPr/>
+          <a:lstStyle/>
+          <a:p>
+            <a:r>
+              <a:rPr lang="en-US" smtClean="0"/>
+              <a:t>Nhóm 39 - Tìm Hiểu Công Nghệ WPF Và Viết Ứng Dụng Học Tiếng Anh Cho Trẻ Em</a:t>
+            </a:r>
+            <a:endParaRPr lang="en-US"/>
+          </a:p>
+        </p:txBody>
+      </p:sp>
+      <p:sp>
+        <p:nvSpPr>
+          <p:cNvPr id="3" name="Slide Number Placeholder 2"/>
+          <p:cNvSpPr>
+            <a:spLocks noGrp="1"/>
+          </p:cNvSpPr>
+          <p:nvPr>
+            <p:ph type="sldNum" sz="quarter" idx="12"/>
+          </p:nvPr>
+        </p:nvSpPr>
+        <p:spPr/>
+        <p:txBody>
+          <a:bodyPr/>
+          <a:lstStyle/>
+          <a:p>
+            <a:fld id="{A47909FA-8428-4BA7-99A7-864F51E2F064}" type="slidenum">
+              <a:rPr lang="en-US" smtClean="0"/>
+              <a:t>12</a:t>
+            </a:fld>
+            <a:endParaRPr lang="en-US"/>
+          </a:p>
+        </p:txBody>
+      </p:sp>
+    </p:spTree>
+    <p:extLst>
+      <p:ext uri="{BB962C8B-B14F-4D97-AF65-F5344CB8AC3E}">
+        <p14:creationId xmlns:p14="http://schemas.microsoft.com/office/powerpoint/2010/main" val="961955501"/>
+      </p:ext>
+    </p:extLst>
+  </p:cSld>
+  <p:clrMapOvr>
+    <a:masterClrMapping/>
+  </p:clrMapOvr>
+  <p:timing>
+    <p:tnLst>
+      <p:par>
+        <p:cTn id="1" dur="indefinite" restart="never" nodeType="tmRoot"/>
+      </p:par>
+    </p:tnLst>
+  </p:timing>
+</p:sld>
+</file>
+
+<file path=ppt/slides/slide13.xml><?xml version="1.0" encoding="utf-8"?>
+<p:sld xmlns:a="http://schemas.openxmlformats.org/drawingml/2006/main" xmlns:r="http://schemas.openxmlformats.org/officeDocument/2006/relationships" xmlns:p="http://schemas.openxmlformats.org/presentationml/2006/main">
+  <p:cSld>
+    <p:spTree>
+      <p:nvGrpSpPr>
+        <p:cNvPr id="1" name=""/>
+        <p:cNvGrpSpPr/>
+        <p:nvPr/>
+      </p:nvGrpSpPr>
+      <p:grpSpPr>
+        <a:xfrm>
+          <a:off x="0" y="0"/>
+          <a:ext cx="0" cy="0"/>
+          <a:chOff x="0" y="0"/>
+          <a:chExt cx="0" cy="0"/>
+        </a:xfrm>
+      </p:grpSpPr>
+      <p:sp>
+        <p:nvSpPr>
+          <p:cNvPr id="7" name="Title 1"/>
+          <p:cNvSpPr>
+            <a:spLocks noGrp="1"/>
+          </p:cNvSpPr>
+          <p:nvPr>
+            <p:ph type="title"/>
+          </p:nvPr>
+        </p:nvSpPr>
+        <p:spPr>
+          <a:xfrm>
+            <a:off x="335664" y="216217"/>
+            <a:ext cx="8596668" cy="1320800"/>
+          </a:xfrm>
+        </p:spPr>
+        <p:txBody>
+          <a:bodyPr>
+            <a:normAutofit/>
+          </a:bodyPr>
+          <a:lstStyle/>
+          <a:p>
+            <a:r>
+              <a:rPr lang="en-US" sz="4400" b="1" dirty="0" smtClean="0">
+                <a:latin typeface="Times New Roman" panose="02020603050405020304" pitchFamily="18" charset="0"/>
+                <a:cs typeface="Times New Roman" panose="02020603050405020304" pitchFamily="18" charset="0"/>
+              </a:rPr>
+              <a:t>III. NỘI </a:t>
+            </a:r>
+            <a:r>
+              <a:rPr lang="en-US" sz="4400" b="1" dirty="0" smtClean="0">
+                <a:latin typeface="Times New Roman" panose="02020603050405020304" pitchFamily="18" charset="0"/>
+                <a:cs typeface="Times New Roman" panose="02020603050405020304" pitchFamily="18" charset="0"/>
+              </a:rPr>
+              <a:t>DUNG THỰC HIỆN</a:t>
+            </a:r>
+            <a:endParaRPr lang="en-US" sz="4400" b="1" dirty="0">
+              <a:latin typeface="Times New Roman" panose="02020603050405020304" pitchFamily="18" charset="0"/>
+              <a:cs typeface="Times New Roman" panose="02020603050405020304" pitchFamily="18" charset="0"/>
+            </a:endParaRPr>
+          </a:p>
+        </p:txBody>
+      </p:sp>
+      <p:sp>
+        <p:nvSpPr>
+          <p:cNvPr id="4" name="Content Placeholder 2"/>
+          <p:cNvSpPr>
+            <a:spLocks noGrp="1"/>
+          </p:cNvSpPr>
+          <p:nvPr>
+            <p:ph idx="1"/>
+          </p:nvPr>
+        </p:nvSpPr>
+        <p:spPr>
+          <a:xfrm>
+            <a:off x="4633998" y="5483689"/>
+            <a:ext cx="1994515" cy="446083"/>
+          </a:xfrm>
+        </p:spPr>
+        <p:txBody>
+          <a:bodyPr>
+            <a:normAutofit fontScale="92500"/>
+          </a:bodyPr>
+          <a:lstStyle/>
+          <a:p>
+            <a:pPr marL="0" indent="0">
+              <a:buNone/>
+            </a:pPr>
+            <a:r>
+              <a:rPr lang="en-US" dirty="0" smtClean="0">
+                <a:latin typeface="Times New Roman" panose="02020603050405020304" pitchFamily="18" charset="0"/>
+                <a:cs typeface="Times New Roman" panose="02020603050405020304" pitchFamily="18" charset="0"/>
+              </a:rPr>
+              <a:t>Activity Story Time</a:t>
+            </a:r>
+            <a:endParaRPr lang="en-US" dirty="0">
+              <a:latin typeface="Times New Roman" panose="02020603050405020304" pitchFamily="18" charset="0"/>
+              <a:cs typeface="Times New Roman" panose="02020603050405020304" pitchFamily="18" charset="0"/>
+            </a:endParaRPr>
+          </a:p>
+        </p:txBody>
+      </p:sp>
+      <p:pic>
+        <p:nvPicPr>
+          <p:cNvPr id="6" name="Picture 5"/>
+          <p:cNvPicPr/>
+          <p:nvPr/>
+        </p:nvPicPr>
+        <p:blipFill>
+          <a:blip r:embed="rId2"/>
+          <a:stretch>
+            <a:fillRect/>
+          </a:stretch>
+        </p:blipFill>
+        <p:spPr>
+          <a:xfrm>
+            <a:off x="1515810" y="1003617"/>
+            <a:ext cx="7932990" cy="4368483"/>
+          </a:xfrm>
+          <a:prstGeom prst="rect">
+            <a:avLst/>
+          </a:prstGeom>
+        </p:spPr>
+      </p:pic>
+      <p:sp>
+        <p:nvSpPr>
+          <p:cNvPr id="2" name="Footer Placeholder 1"/>
+          <p:cNvSpPr>
+            <a:spLocks noGrp="1"/>
+          </p:cNvSpPr>
+          <p:nvPr>
+            <p:ph type="ftr" sz="quarter" idx="11"/>
+          </p:nvPr>
+        </p:nvSpPr>
+        <p:spPr/>
+        <p:txBody>
+          <a:bodyPr/>
+          <a:lstStyle/>
+          <a:p>
+            <a:r>
+              <a:rPr lang="en-US" smtClean="0"/>
+              <a:t>Nhóm 39 - Tìm Hiểu Công Nghệ WPF Và Viết Ứng Dụng Học Tiếng Anh Cho Trẻ Em</a:t>
+            </a:r>
+            <a:endParaRPr lang="en-US"/>
+          </a:p>
+        </p:txBody>
+      </p:sp>
+      <p:sp>
+        <p:nvSpPr>
+          <p:cNvPr id="3" name="Slide Number Placeholder 2"/>
+          <p:cNvSpPr>
+            <a:spLocks noGrp="1"/>
+          </p:cNvSpPr>
+          <p:nvPr>
+            <p:ph type="sldNum" sz="quarter" idx="12"/>
+          </p:nvPr>
+        </p:nvSpPr>
+        <p:spPr/>
+        <p:txBody>
+          <a:bodyPr/>
+          <a:lstStyle/>
+          <a:p>
+            <a:fld id="{A47909FA-8428-4BA7-99A7-864F51E2F064}" type="slidenum">
+              <a:rPr lang="en-US" smtClean="0"/>
+              <a:t>13</a:t>
+            </a:fld>
+            <a:endParaRPr lang="en-US"/>
+          </a:p>
+        </p:txBody>
+      </p:sp>
+    </p:spTree>
+    <p:extLst>
+      <p:ext uri="{BB962C8B-B14F-4D97-AF65-F5344CB8AC3E}">
+        <p14:creationId xmlns:p14="http://schemas.microsoft.com/office/powerpoint/2010/main" val="2660741356"/>
+      </p:ext>
+    </p:extLst>
+  </p:cSld>
+  <p:clrMapOvr>
+    <a:masterClrMapping/>
+  </p:clrMapOvr>
+  <p:timing>
+    <p:tnLst>
+      <p:par>
+        <p:cTn id="1" dur="indefinite" restart="never" nodeType="tmRoot"/>
+      </p:par>
+    </p:tnLst>
+  </p:timing>
+</p:sld>
+</file>
+
+<file path=ppt/slides/slide14.xml><?xml version="1.0" encoding="utf-8"?>
+<p:sld xmlns:a="http://schemas.openxmlformats.org/drawingml/2006/main" xmlns:r="http://schemas.openxmlformats.org/officeDocument/2006/relationships" xmlns:p="http://schemas.openxmlformats.org/presentationml/2006/main">
+  <p:cSld>
+    <p:spTree>
+      <p:nvGrpSpPr>
+        <p:cNvPr id="1" name=""/>
+        <p:cNvGrpSpPr/>
+        <p:nvPr/>
+      </p:nvGrpSpPr>
+      <p:grpSpPr>
+        <a:xfrm>
+          <a:off x="0" y="0"/>
+          <a:ext cx="0" cy="0"/>
+          <a:chOff x="0" y="0"/>
+          <a:chExt cx="0" cy="0"/>
+        </a:xfrm>
+      </p:grpSpPr>
+      <p:sp>
+        <p:nvSpPr>
+          <p:cNvPr id="7" name="Title 1"/>
+          <p:cNvSpPr>
+            <a:spLocks noGrp="1"/>
+          </p:cNvSpPr>
+          <p:nvPr>
+            <p:ph type="title"/>
+          </p:nvPr>
+        </p:nvSpPr>
+        <p:spPr>
+          <a:xfrm>
+            <a:off x="436034" y="303217"/>
+            <a:ext cx="8596668" cy="1320800"/>
+          </a:xfrm>
+        </p:spPr>
+        <p:txBody>
+          <a:bodyPr>
+            <a:normAutofit/>
+          </a:bodyPr>
+          <a:lstStyle/>
+          <a:p>
+            <a:r>
+              <a:rPr lang="en-US" sz="4400" b="1" dirty="0" smtClean="0">
+                <a:latin typeface="Times New Roman" panose="02020603050405020304" pitchFamily="18" charset="0"/>
+                <a:cs typeface="Times New Roman" panose="02020603050405020304" pitchFamily="18" charset="0"/>
+              </a:rPr>
+              <a:t>III. NỘI </a:t>
+            </a:r>
+            <a:r>
+              <a:rPr lang="en-US" sz="4400" b="1" dirty="0" smtClean="0">
+                <a:latin typeface="Times New Roman" panose="02020603050405020304" pitchFamily="18" charset="0"/>
+                <a:cs typeface="Times New Roman" panose="02020603050405020304" pitchFamily="18" charset="0"/>
+              </a:rPr>
+              <a:t>DUNG THỰC HIỆN</a:t>
+            </a:r>
+            <a:endParaRPr lang="en-US" sz="4400" b="1" dirty="0">
+              <a:latin typeface="Times New Roman" panose="02020603050405020304" pitchFamily="18" charset="0"/>
+              <a:cs typeface="Times New Roman" panose="02020603050405020304" pitchFamily="18" charset="0"/>
+            </a:endParaRPr>
+          </a:p>
+        </p:txBody>
+      </p:sp>
+      <p:sp>
+        <p:nvSpPr>
+          <p:cNvPr id="4" name="Content Placeholder 2"/>
+          <p:cNvSpPr>
+            <a:spLocks noGrp="1"/>
+          </p:cNvSpPr>
+          <p:nvPr>
+            <p:ph idx="1"/>
+          </p:nvPr>
+        </p:nvSpPr>
+        <p:spPr>
+          <a:xfrm>
+            <a:off x="4342615" y="5673061"/>
+            <a:ext cx="2858285" cy="420683"/>
+          </a:xfrm>
+        </p:spPr>
+        <p:txBody>
+          <a:bodyPr>
+            <a:normAutofit/>
+          </a:bodyPr>
+          <a:lstStyle/>
+          <a:p>
+            <a:pPr marL="0" indent="0">
+              <a:buNone/>
+            </a:pPr>
+            <a:r>
+              <a:rPr lang="en-US" dirty="0" smtClean="0">
+                <a:latin typeface="Times New Roman" panose="02020603050405020304" pitchFamily="18" charset="0"/>
+                <a:cs typeface="Times New Roman" panose="02020603050405020304" pitchFamily="18" charset="0"/>
+              </a:rPr>
+              <a:t>Activity Look And Find</a:t>
+            </a:r>
+            <a:endParaRPr lang="en-US" dirty="0">
+              <a:latin typeface="Times New Roman" panose="02020603050405020304" pitchFamily="18" charset="0"/>
+              <a:cs typeface="Times New Roman" panose="02020603050405020304" pitchFamily="18" charset="0"/>
+            </a:endParaRPr>
+          </a:p>
+        </p:txBody>
+      </p:sp>
+      <p:pic>
+        <p:nvPicPr>
+          <p:cNvPr id="5" name="Picture 4"/>
+          <p:cNvPicPr/>
+          <p:nvPr/>
+        </p:nvPicPr>
+        <p:blipFill>
+          <a:blip r:embed="rId2"/>
+          <a:stretch>
+            <a:fillRect/>
+          </a:stretch>
+        </p:blipFill>
+        <p:spPr>
+          <a:xfrm>
+            <a:off x="1910480" y="1088678"/>
+            <a:ext cx="7722553" cy="4584383"/>
+          </a:xfrm>
+          <a:prstGeom prst="rect">
+            <a:avLst/>
+          </a:prstGeom>
+        </p:spPr>
+      </p:pic>
+      <p:sp>
+        <p:nvSpPr>
+          <p:cNvPr id="2" name="Footer Placeholder 1"/>
+          <p:cNvSpPr>
+            <a:spLocks noGrp="1"/>
+          </p:cNvSpPr>
+          <p:nvPr>
+            <p:ph type="ftr" sz="quarter" idx="11"/>
+          </p:nvPr>
+        </p:nvSpPr>
+        <p:spPr/>
+        <p:txBody>
+          <a:bodyPr/>
+          <a:lstStyle/>
+          <a:p>
+            <a:r>
+              <a:rPr lang="en-US" smtClean="0"/>
+              <a:t>Nhóm 39 - Tìm Hiểu Công Nghệ WPF Và Viết Ứng Dụng Học Tiếng Anh Cho Trẻ Em</a:t>
+            </a:r>
+            <a:endParaRPr lang="en-US"/>
+          </a:p>
+        </p:txBody>
+      </p:sp>
+      <p:sp>
+        <p:nvSpPr>
+          <p:cNvPr id="3" name="Slide Number Placeholder 2"/>
+          <p:cNvSpPr>
+            <a:spLocks noGrp="1"/>
+          </p:cNvSpPr>
+          <p:nvPr>
+            <p:ph type="sldNum" sz="quarter" idx="12"/>
+          </p:nvPr>
+        </p:nvSpPr>
+        <p:spPr/>
+        <p:txBody>
+          <a:bodyPr/>
+          <a:lstStyle/>
+          <a:p>
+            <a:fld id="{A47909FA-8428-4BA7-99A7-864F51E2F064}" type="slidenum">
+              <a:rPr lang="en-US" smtClean="0"/>
+              <a:t>14</a:t>
+            </a:fld>
+            <a:endParaRPr lang="en-US"/>
+          </a:p>
+        </p:txBody>
+      </p:sp>
+    </p:spTree>
+    <p:extLst>
+      <p:ext uri="{BB962C8B-B14F-4D97-AF65-F5344CB8AC3E}">
+        <p14:creationId xmlns:p14="http://schemas.microsoft.com/office/powerpoint/2010/main" val="1156602199"/>
+      </p:ext>
+    </p:extLst>
+  </p:cSld>
+  <p:clrMapOvr>
+    <a:masterClrMapping/>
+  </p:clrMapOvr>
+  <p:timing>
+    <p:tnLst>
+      <p:par>
+        <p:cTn id="1" dur="indefinite" restart="never" nodeType="tmRoot"/>
+      </p:par>
+    </p:tnLst>
+  </p:timing>
+</p:sld>
+</file>
+
+<file path=ppt/slides/slide15.xml><?xml version="1.0" encoding="utf-8"?>
+<p:sld xmlns:a="http://schemas.openxmlformats.org/drawingml/2006/main" xmlns:r="http://schemas.openxmlformats.org/officeDocument/2006/relationships" xmlns:p="http://schemas.openxmlformats.org/presentationml/2006/main">
+  <p:cSld>
+    <p:spTree>
+      <p:nvGrpSpPr>
+        <p:cNvPr id="1" name=""/>
+        <p:cNvGrpSpPr/>
+        <p:nvPr/>
+      </p:nvGrpSpPr>
+      <p:grpSpPr>
+        <a:xfrm>
+          <a:off x="0" y="0"/>
+          <a:ext cx="0" cy="0"/>
+          <a:chOff x="0" y="0"/>
+          <a:chExt cx="0" cy="0"/>
+        </a:xfrm>
+      </p:grpSpPr>
+      <p:sp>
+        <p:nvSpPr>
+          <p:cNvPr id="2" name="Title 1"/>
+          <p:cNvSpPr>
+            <a:spLocks noGrp="1"/>
+          </p:cNvSpPr>
+          <p:nvPr>
+            <p:ph type="title"/>
+          </p:nvPr>
+        </p:nvSpPr>
+        <p:spPr>
+          <a:xfrm>
+            <a:off x="677334" y="228600"/>
+            <a:ext cx="8596668" cy="1206500"/>
+          </a:xfrm>
+        </p:spPr>
+        <p:txBody>
+          <a:bodyPr>
+            <a:normAutofit/>
+          </a:bodyPr>
+          <a:lstStyle/>
+          <a:p>
+            <a:r>
+              <a:rPr lang="en-US" sz="4800" b="1" dirty="0" smtClean="0">
+                <a:latin typeface="Times New Roman" panose="02020603050405020304" pitchFamily="18" charset="0"/>
+                <a:cs typeface="Times New Roman" panose="02020603050405020304" pitchFamily="18" charset="0"/>
+              </a:rPr>
+              <a:t>IV. KẾT </a:t>
+            </a:r>
+            <a:r>
+              <a:rPr lang="en-US" sz="4800" b="1" dirty="0" smtClean="0">
+                <a:latin typeface="Times New Roman" panose="02020603050405020304" pitchFamily="18" charset="0"/>
+                <a:cs typeface="Times New Roman" panose="02020603050405020304" pitchFamily="18" charset="0"/>
+              </a:rPr>
+              <a:t>LUẬN</a:t>
+            </a:r>
+            <a:endParaRPr lang="en-US" sz="4800" b="1" dirty="0">
+              <a:latin typeface="Times New Roman" panose="02020603050405020304" pitchFamily="18" charset="0"/>
+              <a:cs typeface="Times New Roman" panose="02020603050405020304" pitchFamily="18" charset="0"/>
+            </a:endParaRPr>
+          </a:p>
+        </p:txBody>
+      </p:sp>
+      <p:sp>
+        <p:nvSpPr>
+          <p:cNvPr id="3" name="Content Placeholder 2"/>
+          <p:cNvSpPr>
+            <a:spLocks noGrp="1"/>
+          </p:cNvSpPr>
+          <p:nvPr>
+            <p:ph idx="1"/>
+          </p:nvPr>
+        </p:nvSpPr>
+        <p:spPr>
+          <a:xfrm>
+            <a:off x="677334" y="1054100"/>
+            <a:ext cx="8596668" cy="4771362"/>
+          </a:xfrm>
+        </p:spPr>
+        <p:txBody>
+          <a:bodyPr>
+            <a:noAutofit/>
+          </a:bodyPr>
+          <a:lstStyle/>
+          <a:p>
+            <a:r>
+              <a:rPr lang="en-US" sz="2000" dirty="0" err="1" smtClean="0">
+                <a:latin typeface="Times New Roman" panose="02020603050405020304" pitchFamily="18" charset="0"/>
+                <a:cs typeface="Times New Roman" panose="02020603050405020304" pitchFamily="18" charset="0"/>
+              </a:rPr>
+              <a:t>Kết</a:t>
+            </a:r>
+            <a:r>
+              <a:rPr lang="en-US" sz="2000" dirty="0" smtClean="0">
+                <a:latin typeface="Times New Roman" panose="02020603050405020304" pitchFamily="18" charset="0"/>
+                <a:cs typeface="Times New Roman" panose="02020603050405020304" pitchFamily="18" charset="0"/>
+              </a:rPr>
+              <a:t> </a:t>
+            </a:r>
+            <a:r>
+              <a:rPr lang="en-US" sz="2000" dirty="0" err="1" smtClean="0">
+                <a:latin typeface="Times New Roman" panose="02020603050405020304" pitchFamily="18" charset="0"/>
+                <a:cs typeface="Times New Roman" panose="02020603050405020304" pitchFamily="18" charset="0"/>
+              </a:rPr>
+              <a:t>quả</a:t>
+            </a:r>
+            <a:r>
+              <a:rPr lang="en-US" sz="2000" dirty="0" smtClean="0">
+                <a:latin typeface="Times New Roman" panose="02020603050405020304" pitchFamily="18" charset="0"/>
+                <a:cs typeface="Times New Roman" panose="02020603050405020304" pitchFamily="18" charset="0"/>
+              </a:rPr>
+              <a:t> </a:t>
+            </a:r>
+            <a:r>
+              <a:rPr lang="en-US" sz="2000" dirty="0" err="1" smtClean="0">
+                <a:latin typeface="Times New Roman" panose="02020603050405020304" pitchFamily="18" charset="0"/>
+                <a:cs typeface="Times New Roman" panose="02020603050405020304" pitchFamily="18" charset="0"/>
+              </a:rPr>
+              <a:t>đạt</a:t>
+            </a:r>
+            <a:r>
+              <a:rPr lang="en-US" sz="2000" dirty="0" smtClean="0">
+                <a:latin typeface="Times New Roman" panose="02020603050405020304" pitchFamily="18" charset="0"/>
+                <a:cs typeface="Times New Roman" panose="02020603050405020304" pitchFamily="18" charset="0"/>
+              </a:rPr>
+              <a:t> </a:t>
+            </a:r>
+            <a:r>
+              <a:rPr lang="en-US" sz="2000" dirty="0" err="1" smtClean="0">
+                <a:latin typeface="Times New Roman" panose="02020603050405020304" pitchFamily="18" charset="0"/>
+                <a:cs typeface="Times New Roman" panose="02020603050405020304" pitchFamily="18" charset="0"/>
+              </a:rPr>
+              <a:t>được</a:t>
+            </a:r>
+            <a:endParaRPr lang="en-US" sz="2000" dirty="0" smtClean="0">
+              <a:latin typeface="Times New Roman" panose="02020603050405020304" pitchFamily="18" charset="0"/>
+              <a:cs typeface="Times New Roman" panose="02020603050405020304" pitchFamily="18" charset="0"/>
+            </a:endParaRPr>
+          </a:p>
+          <a:p>
+            <a:pPr lvl="1"/>
+            <a:r>
+              <a:rPr lang="en-US" sz="1800" dirty="0" err="1" smtClean="0">
+                <a:latin typeface="Times New Roman" panose="02020603050405020304" pitchFamily="18" charset="0"/>
+                <a:cs typeface="Times New Roman" panose="02020603050405020304" pitchFamily="18" charset="0"/>
+              </a:rPr>
+              <a:t>Có</a:t>
+            </a:r>
+            <a:r>
+              <a:rPr lang="en-US" sz="1800" dirty="0" smtClean="0">
+                <a:latin typeface="Times New Roman" panose="02020603050405020304" pitchFamily="18" charset="0"/>
+                <a:cs typeface="Times New Roman" panose="02020603050405020304" pitchFamily="18" charset="0"/>
+              </a:rPr>
+              <a:t> </a:t>
+            </a:r>
+            <a:r>
+              <a:rPr lang="en-US" sz="1800" dirty="0" err="1" smtClean="0">
+                <a:latin typeface="Times New Roman" panose="02020603050405020304" pitchFamily="18" charset="0"/>
+                <a:cs typeface="Times New Roman" panose="02020603050405020304" pitchFamily="18" charset="0"/>
+              </a:rPr>
+              <a:t>hiểu</a:t>
+            </a:r>
+            <a:r>
+              <a:rPr lang="en-US" sz="1800" dirty="0" smtClean="0">
+                <a:latin typeface="Times New Roman" panose="02020603050405020304" pitchFamily="18" charset="0"/>
+                <a:cs typeface="Times New Roman" panose="02020603050405020304" pitchFamily="18" charset="0"/>
+              </a:rPr>
+              <a:t> </a:t>
+            </a:r>
+            <a:r>
+              <a:rPr lang="en-US" sz="1800" dirty="0" err="1" smtClean="0">
+                <a:latin typeface="Times New Roman" panose="02020603050405020304" pitchFamily="18" charset="0"/>
+                <a:cs typeface="Times New Roman" panose="02020603050405020304" pitchFamily="18" charset="0"/>
+              </a:rPr>
+              <a:t>biết</a:t>
+            </a:r>
+            <a:r>
+              <a:rPr lang="en-US" sz="1800" dirty="0" smtClean="0">
+                <a:latin typeface="Times New Roman" panose="02020603050405020304" pitchFamily="18" charset="0"/>
+                <a:cs typeface="Times New Roman" panose="02020603050405020304" pitchFamily="18" charset="0"/>
+              </a:rPr>
+              <a:t> </a:t>
+            </a:r>
+            <a:r>
+              <a:rPr lang="en-US" sz="1800" dirty="0" err="1" smtClean="0">
+                <a:latin typeface="Times New Roman" panose="02020603050405020304" pitchFamily="18" charset="0"/>
+                <a:cs typeface="Times New Roman" panose="02020603050405020304" pitchFamily="18" charset="0"/>
+              </a:rPr>
+              <a:t>nhất</a:t>
+            </a:r>
+            <a:r>
+              <a:rPr lang="en-US" sz="1800" dirty="0" smtClean="0">
+                <a:latin typeface="Times New Roman" panose="02020603050405020304" pitchFamily="18" charset="0"/>
+                <a:cs typeface="Times New Roman" panose="02020603050405020304" pitchFamily="18" charset="0"/>
+              </a:rPr>
+              <a:t> </a:t>
+            </a:r>
+            <a:r>
+              <a:rPr lang="en-US" sz="1800" dirty="0" err="1" smtClean="0">
+                <a:latin typeface="Times New Roman" panose="02020603050405020304" pitchFamily="18" charset="0"/>
+                <a:cs typeface="Times New Roman" panose="02020603050405020304" pitchFamily="18" charset="0"/>
+              </a:rPr>
+              <a:t>định</a:t>
+            </a:r>
+            <a:r>
+              <a:rPr lang="en-US" sz="1800" dirty="0" smtClean="0">
+                <a:latin typeface="Times New Roman" panose="02020603050405020304" pitchFamily="18" charset="0"/>
+                <a:cs typeface="Times New Roman" panose="02020603050405020304" pitchFamily="18" charset="0"/>
+              </a:rPr>
+              <a:t> </a:t>
+            </a:r>
+            <a:r>
+              <a:rPr lang="en-US" sz="1800" dirty="0" err="1" smtClean="0">
+                <a:latin typeface="Times New Roman" panose="02020603050405020304" pitchFamily="18" charset="0"/>
+                <a:cs typeface="Times New Roman" panose="02020603050405020304" pitchFamily="18" charset="0"/>
+              </a:rPr>
+              <a:t>về</a:t>
+            </a:r>
+            <a:r>
+              <a:rPr lang="en-US" sz="1800" dirty="0" smtClean="0">
+                <a:latin typeface="Times New Roman" panose="02020603050405020304" pitchFamily="18" charset="0"/>
+                <a:cs typeface="Times New Roman" panose="02020603050405020304" pitchFamily="18" charset="0"/>
+              </a:rPr>
+              <a:t> </a:t>
+            </a:r>
+            <a:r>
+              <a:rPr lang="en-US" sz="1800" dirty="0" err="1" smtClean="0">
+                <a:latin typeface="Times New Roman" panose="02020603050405020304" pitchFamily="18" charset="0"/>
+                <a:cs typeface="Times New Roman" panose="02020603050405020304" pitchFamily="18" charset="0"/>
+              </a:rPr>
+              <a:t>công</a:t>
+            </a:r>
+            <a:r>
+              <a:rPr lang="en-US" sz="1800" dirty="0" smtClean="0">
+                <a:latin typeface="Times New Roman" panose="02020603050405020304" pitchFamily="18" charset="0"/>
+                <a:cs typeface="Times New Roman" panose="02020603050405020304" pitchFamily="18" charset="0"/>
+              </a:rPr>
+              <a:t> </a:t>
+            </a:r>
+            <a:r>
+              <a:rPr lang="en-US" sz="1800" dirty="0" err="1" smtClean="0">
+                <a:latin typeface="Times New Roman" panose="02020603050405020304" pitchFamily="18" charset="0"/>
+                <a:cs typeface="Times New Roman" panose="02020603050405020304" pitchFamily="18" charset="0"/>
+              </a:rPr>
+              <a:t>nghệ</a:t>
+            </a:r>
+            <a:r>
+              <a:rPr lang="en-US" sz="1800" dirty="0" smtClean="0">
+                <a:latin typeface="Times New Roman" panose="02020603050405020304" pitchFamily="18" charset="0"/>
+                <a:cs typeface="Times New Roman" panose="02020603050405020304" pitchFamily="18" charset="0"/>
+              </a:rPr>
+              <a:t> WPF, </a:t>
+            </a:r>
+            <a:r>
+              <a:rPr lang="en-US" sz="1800" dirty="0" err="1" smtClean="0">
+                <a:latin typeface="Times New Roman" panose="02020603050405020304" pitchFamily="18" charset="0"/>
+                <a:cs typeface="Times New Roman" panose="02020603050405020304" pitchFamily="18" charset="0"/>
+              </a:rPr>
+              <a:t>thư</a:t>
+            </a:r>
+            <a:r>
+              <a:rPr lang="en-US" sz="1800" dirty="0" smtClean="0">
+                <a:latin typeface="Times New Roman" panose="02020603050405020304" pitchFamily="18" charset="0"/>
+                <a:cs typeface="Times New Roman" panose="02020603050405020304" pitchFamily="18" charset="0"/>
+              </a:rPr>
+              <a:t> </a:t>
+            </a:r>
+            <a:r>
+              <a:rPr lang="en-US" sz="1800" dirty="0" err="1" smtClean="0">
+                <a:latin typeface="Times New Roman" panose="02020603050405020304" pitchFamily="18" charset="0"/>
+                <a:cs typeface="Times New Roman" panose="02020603050405020304" pitchFamily="18" charset="0"/>
+              </a:rPr>
+              <a:t>viện</a:t>
+            </a:r>
+            <a:r>
+              <a:rPr lang="en-US" sz="1800" dirty="0" smtClean="0">
+                <a:latin typeface="Times New Roman" panose="02020603050405020304" pitchFamily="18" charset="0"/>
+                <a:cs typeface="Times New Roman" panose="02020603050405020304" pitchFamily="18" charset="0"/>
+              </a:rPr>
+              <a:t> Material Design.</a:t>
+            </a:r>
+            <a:endParaRPr lang="en-US" sz="1800" dirty="0">
+              <a:latin typeface="Times New Roman" panose="02020603050405020304" pitchFamily="18" charset="0"/>
+              <a:cs typeface="Times New Roman" panose="02020603050405020304" pitchFamily="18" charset="0"/>
+            </a:endParaRPr>
+          </a:p>
+          <a:p>
+            <a:pPr lvl="1"/>
+            <a:r>
+              <a:rPr lang="en-US" sz="1800" dirty="0" err="1">
+                <a:latin typeface="Times New Roman" panose="02020603050405020304" pitchFamily="18" charset="0"/>
+                <a:cs typeface="Times New Roman" panose="02020603050405020304" pitchFamily="18" charset="0"/>
+              </a:rPr>
+              <a:t>Xây</a:t>
+            </a:r>
+            <a:r>
+              <a:rPr lang="en-US" sz="1800" dirty="0">
+                <a:latin typeface="Times New Roman" panose="02020603050405020304" pitchFamily="18" charset="0"/>
+                <a:cs typeface="Times New Roman" panose="02020603050405020304" pitchFamily="18" charset="0"/>
+              </a:rPr>
+              <a:t> </a:t>
+            </a:r>
+            <a:r>
+              <a:rPr lang="en-US" sz="1800" dirty="0" err="1">
+                <a:latin typeface="Times New Roman" panose="02020603050405020304" pitchFamily="18" charset="0"/>
+                <a:cs typeface="Times New Roman" panose="02020603050405020304" pitchFamily="18" charset="0"/>
+              </a:rPr>
+              <a:t>dựng</a:t>
+            </a:r>
+            <a:r>
+              <a:rPr lang="en-US" sz="1800" dirty="0">
+                <a:latin typeface="Times New Roman" panose="02020603050405020304" pitchFamily="18" charset="0"/>
+                <a:cs typeface="Times New Roman" panose="02020603050405020304" pitchFamily="18" charset="0"/>
+              </a:rPr>
+              <a:t> </a:t>
+            </a:r>
+            <a:r>
+              <a:rPr lang="en-US" sz="1800" dirty="0" err="1">
+                <a:latin typeface="Times New Roman" panose="02020603050405020304" pitchFamily="18" charset="0"/>
+                <a:cs typeface="Times New Roman" panose="02020603050405020304" pitchFamily="18" charset="0"/>
+              </a:rPr>
+              <a:t>được</a:t>
+            </a:r>
+            <a:r>
+              <a:rPr lang="en-US" sz="1800" dirty="0">
+                <a:latin typeface="Times New Roman" panose="02020603050405020304" pitchFamily="18" charset="0"/>
+                <a:cs typeface="Times New Roman" panose="02020603050405020304" pitchFamily="18" charset="0"/>
+              </a:rPr>
+              <a:t> </a:t>
+            </a:r>
+            <a:r>
+              <a:rPr lang="en-US" sz="1800" dirty="0" err="1">
+                <a:latin typeface="Times New Roman" panose="02020603050405020304" pitchFamily="18" charset="0"/>
+                <a:cs typeface="Times New Roman" panose="02020603050405020304" pitchFamily="18" charset="0"/>
+              </a:rPr>
+              <a:t>ứng</a:t>
+            </a:r>
+            <a:r>
+              <a:rPr lang="en-US" sz="1800" dirty="0">
+                <a:latin typeface="Times New Roman" panose="02020603050405020304" pitchFamily="18" charset="0"/>
+                <a:cs typeface="Times New Roman" panose="02020603050405020304" pitchFamily="18" charset="0"/>
+              </a:rPr>
+              <a:t> </a:t>
+            </a:r>
+            <a:r>
+              <a:rPr lang="en-US" sz="1800" dirty="0" err="1">
+                <a:latin typeface="Times New Roman" panose="02020603050405020304" pitchFamily="18" charset="0"/>
+                <a:cs typeface="Times New Roman" panose="02020603050405020304" pitchFamily="18" charset="0"/>
+              </a:rPr>
+              <a:t>dụng</a:t>
+            </a:r>
+            <a:r>
+              <a:rPr lang="en-US" sz="1800" dirty="0">
+                <a:latin typeface="Times New Roman" panose="02020603050405020304" pitchFamily="18" charset="0"/>
+                <a:cs typeface="Times New Roman" panose="02020603050405020304" pitchFamily="18" charset="0"/>
+              </a:rPr>
+              <a:t> </a:t>
+            </a:r>
+            <a:r>
+              <a:rPr lang="en-US" sz="1800" dirty="0" err="1">
+                <a:latin typeface="Times New Roman" panose="02020603050405020304" pitchFamily="18" charset="0"/>
+                <a:cs typeface="Times New Roman" panose="02020603050405020304" pitchFamily="18" charset="0"/>
+              </a:rPr>
+              <a:t>học</a:t>
+            </a:r>
+            <a:r>
+              <a:rPr lang="en-US" sz="1800" dirty="0">
+                <a:latin typeface="Times New Roman" panose="02020603050405020304" pitchFamily="18" charset="0"/>
+                <a:cs typeface="Times New Roman" panose="02020603050405020304" pitchFamily="18" charset="0"/>
+              </a:rPr>
+              <a:t> </a:t>
+            </a:r>
+            <a:r>
+              <a:rPr lang="en-US" sz="1800" dirty="0" err="1">
+                <a:latin typeface="Times New Roman" panose="02020603050405020304" pitchFamily="18" charset="0"/>
+                <a:cs typeface="Times New Roman" panose="02020603050405020304" pitchFamily="18" charset="0"/>
+              </a:rPr>
+              <a:t>tiếng</a:t>
+            </a:r>
+            <a:r>
+              <a:rPr lang="en-US" sz="1800" dirty="0">
+                <a:latin typeface="Times New Roman" panose="02020603050405020304" pitchFamily="18" charset="0"/>
+                <a:cs typeface="Times New Roman" panose="02020603050405020304" pitchFamily="18" charset="0"/>
+              </a:rPr>
+              <a:t> </a:t>
+            </a:r>
+            <a:r>
+              <a:rPr lang="en-US" sz="1800" dirty="0" err="1">
+                <a:latin typeface="Times New Roman" panose="02020603050405020304" pitchFamily="18" charset="0"/>
+                <a:cs typeface="Times New Roman" panose="02020603050405020304" pitchFamily="18" charset="0"/>
+              </a:rPr>
+              <a:t>anh</a:t>
+            </a:r>
+            <a:r>
+              <a:rPr lang="en-US" sz="1800" dirty="0">
+                <a:latin typeface="Times New Roman" panose="02020603050405020304" pitchFamily="18" charset="0"/>
+                <a:cs typeface="Times New Roman" panose="02020603050405020304" pitchFamily="18" charset="0"/>
+              </a:rPr>
+              <a:t> </a:t>
+            </a:r>
+            <a:r>
+              <a:rPr lang="en-US" sz="1800" dirty="0" err="1">
+                <a:latin typeface="Times New Roman" panose="02020603050405020304" pitchFamily="18" charset="0"/>
+                <a:cs typeface="Times New Roman" panose="02020603050405020304" pitchFamily="18" charset="0"/>
+              </a:rPr>
+              <a:t>cho</a:t>
+            </a:r>
+            <a:r>
+              <a:rPr lang="en-US" sz="1800" dirty="0">
+                <a:latin typeface="Times New Roman" panose="02020603050405020304" pitchFamily="18" charset="0"/>
+                <a:cs typeface="Times New Roman" panose="02020603050405020304" pitchFamily="18" charset="0"/>
+              </a:rPr>
+              <a:t> </a:t>
+            </a:r>
+            <a:r>
+              <a:rPr lang="en-US" sz="1800" dirty="0" err="1">
+                <a:latin typeface="Times New Roman" panose="02020603050405020304" pitchFamily="18" charset="0"/>
+                <a:cs typeface="Times New Roman" panose="02020603050405020304" pitchFamily="18" charset="0"/>
+              </a:rPr>
+              <a:t>trẻ</a:t>
+            </a:r>
+            <a:r>
+              <a:rPr lang="en-US" sz="1800" dirty="0">
+                <a:latin typeface="Times New Roman" panose="02020603050405020304" pitchFamily="18" charset="0"/>
+                <a:cs typeface="Times New Roman" panose="02020603050405020304" pitchFamily="18" charset="0"/>
+              </a:rPr>
+              <a:t> </a:t>
+            </a:r>
+            <a:r>
+              <a:rPr lang="en-US" sz="1800" dirty="0" err="1">
+                <a:latin typeface="Times New Roman" panose="02020603050405020304" pitchFamily="18" charset="0"/>
+                <a:cs typeface="Times New Roman" panose="02020603050405020304" pitchFamily="18" charset="0"/>
+              </a:rPr>
+              <a:t>em</a:t>
+            </a:r>
+            <a:r>
+              <a:rPr lang="en-US" sz="1800" dirty="0">
+                <a:latin typeface="Times New Roman" panose="02020603050405020304" pitchFamily="18" charset="0"/>
+                <a:cs typeface="Times New Roman" panose="02020603050405020304" pitchFamily="18" charset="0"/>
+              </a:rPr>
+              <a:t>.</a:t>
+            </a:r>
+          </a:p>
+          <a:p>
+            <a:r>
+              <a:rPr lang="en-US" sz="2000" dirty="0" err="1" smtClean="0">
+                <a:latin typeface="Times New Roman" panose="02020603050405020304" pitchFamily="18" charset="0"/>
+                <a:cs typeface="Times New Roman" panose="02020603050405020304" pitchFamily="18" charset="0"/>
+              </a:rPr>
+              <a:t>Hạn</a:t>
+            </a:r>
+            <a:r>
+              <a:rPr lang="en-US" sz="2000" dirty="0" smtClean="0">
+                <a:latin typeface="Times New Roman" panose="02020603050405020304" pitchFamily="18" charset="0"/>
+                <a:cs typeface="Times New Roman" panose="02020603050405020304" pitchFamily="18" charset="0"/>
+              </a:rPr>
+              <a:t> </a:t>
+            </a:r>
+            <a:r>
+              <a:rPr lang="en-US" sz="2000" dirty="0" err="1" smtClean="0">
+                <a:latin typeface="Times New Roman" panose="02020603050405020304" pitchFamily="18" charset="0"/>
+                <a:cs typeface="Times New Roman" panose="02020603050405020304" pitchFamily="18" charset="0"/>
+              </a:rPr>
+              <a:t>chế</a:t>
+            </a:r>
+            <a:r>
+              <a:rPr lang="en-US" sz="2000" dirty="0" smtClean="0">
+                <a:latin typeface="Times New Roman" panose="02020603050405020304" pitchFamily="18" charset="0"/>
+                <a:cs typeface="Times New Roman" panose="02020603050405020304" pitchFamily="18" charset="0"/>
+              </a:rPr>
+              <a:t> </a:t>
+            </a:r>
+            <a:r>
+              <a:rPr lang="en-US" sz="2000" dirty="0" err="1" smtClean="0">
+                <a:latin typeface="Times New Roman" panose="02020603050405020304" pitchFamily="18" charset="0"/>
+                <a:cs typeface="Times New Roman" panose="02020603050405020304" pitchFamily="18" charset="0"/>
+              </a:rPr>
+              <a:t>của</a:t>
+            </a:r>
+            <a:r>
+              <a:rPr lang="en-US" sz="2000" dirty="0" smtClean="0">
+                <a:latin typeface="Times New Roman" panose="02020603050405020304" pitchFamily="18" charset="0"/>
+                <a:cs typeface="Times New Roman" panose="02020603050405020304" pitchFamily="18" charset="0"/>
+              </a:rPr>
+              <a:t> </a:t>
+            </a:r>
+            <a:r>
+              <a:rPr lang="en-US" sz="2000" dirty="0" err="1" smtClean="0">
+                <a:latin typeface="Times New Roman" panose="02020603050405020304" pitchFamily="18" charset="0"/>
+                <a:cs typeface="Times New Roman" panose="02020603050405020304" pitchFamily="18" charset="0"/>
+              </a:rPr>
+              <a:t>ứng</a:t>
+            </a:r>
+            <a:r>
+              <a:rPr lang="en-US" sz="2000" dirty="0" smtClean="0">
+                <a:latin typeface="Times New Roman" panose="02020603050405020304" pitchFamily="18" charset="0"/>
+                <a:cs typeface="Times New Roman" panose="02020603050405020304" pitchFamily="18" charset="0"/>
+              </a:rPr>
+              <a:t> </a:t>
+            </a:r>
+            <a:r>
+              <a:rPr lang="en-US" sz="2000" dirty="0" err="1" smtClean="0">
+                <a:latin typeface="Times New Roman" panose="02020603050405020304" pitchFamily="18" charset="0"/>
+                <a:cs typeface="Times New Roman" panose="02020603050405020304" pitchFamily="18" charset="0"/>
+              </a:rPr>
+              <a:t>dụng</a:t>
+            </a:r>
+            <a:endParaRPr lang="en-US" sz="2000" dirty="0" smtClean="0">
+              <a:latin typeface="Times New Roman" panose="02020603050405020304" pitchFamily="18" charset="0"/>
+              <a:cs typeface="Times New Roman" panose="02020603050405020304" pitchFamily="18" charset="0"/>
+            </a:endParaRPr>
+          </a:p>
+          <a:p>
+            <a:pPr lvl="1"/>
+            <a:r>
+              <a:rPr lang="en-US" sz="1800" dirty="0" err="1" smtClean="0">
+                <a:latin typeface="Times New Roman" panose="02020603050405020304" pitchFamily="18" charset="0"/>
+                <a:cs typeface="Times New Roman" panose="02020603050405020304" pitchFamily="18" charset="0"/>
+              </a:rPr>
+              <a:t>Thiết</a:t>
+            </a:r>
+            <a:r>
+              <a:rPr lang="en-US" sz="1800" dirty="0" smtClean="0">
+                <a:latin typeface="Times New Roman" panose="02020603050405020304" pitchFamily="18" charset="0"/>
+                <a:cs typeface="Times New Roman" panose="02020603050405020304" pitchFamily="18" charset="0"/>
+              </a:rPr>
+              <a:t> </a:t>
+            </a:r>
+            <a:r>
+              <a:rPr lang="en-US" sz="1800" dirty="0" err="1" smtClean="0">
+                <a:latin typeface="Times New Roman" panose="02020603050405020304" pitchFamily="18" charset="0"/>
+                <a:cs typeface="Times New Roman" panose="02020603050405020304" pitchFamily="18" charset="0"/>
+              </a:rPr>
+              <a:t>kế</a:t>
+            </a:r>
+            <a:r>
+              <a:rPr lang="en-US" sz="1800" dirty="0" smtClean="0">
+                <a:latin typeface="Times New Roman" panose="02020603050405020304" pitchFamily="18" charset="0"/>
+                <a:cs typeface="Times New Roman" panose="02020603050405020304" pitchFamily="18" charset="0"/>
+              </a:rPr>
+              <a:t> </a:t>
+            </a:r>
+            <a:r>
+              <a:rPr lang="en-US" sz="1800" dirty="0" err="1" smtClean="0">
+                <a:latin typeface="Times New Roman" panose="02020603050405020304" pitchFamily="18" charset="0"/>
+                <a:cs typeface="Times New Roman" panose="02020603050405020304" pitchFamily="18" charset="0"/>
+              </a:rPr>
+              <a:t>còn</a:t>
+            </a:r>
+            <a:r>
+              <a:rPr lang="en-US" sz="1800" dirty="0" smtClean="0">
+                <a:latin typeface="Times New Roman" panose="02020603050405020304" pitchFamily="18" charset="0"/>
+                <a:cs typeface="Times New Roman" panose="02020603050405020304" pitchFamily="18" charset="0"/>
+              </a:rPr>
+              <a:t> </a:t>
+            </a:r>
+            <a:r>
+              <a:rPr lang="en-US" sz="1800" dirty="0" err="1" smtClean="0">
+                <a:latin typeface="Times New Roman" panose="02020603050405020304" pitchFamily="18" charset="0"/>
+                <a:cs typeface="Times New Roman" panose="02020603050405020304" pitchFamily="18" charset="0"/>
+              </a:rPr>
+              <a:t>hạn</a:t>
+            </a:r>
+            <a:r>
+              <a:rPr lang="en-US" sz="1800" dirty="0" smtClean="0">
+                <a:latin typeface="Times New Roman" panose="02020603050405020304" pitchFamily="18" charset="0"/>
+                <a:cs typeface="Times New Roman" panose="02020603050405020304" pitchFamily="18" charset="0"/>
+              </a:rPr>
+              <a:t> </a:t>
+            </a:r>
+            <a:r>
+              <a:rPr lang="en-US" sz="1800" dirty="0" err="1" smtClean="0">
+                <a:latin typeface="Times New Roman" panose="02020603050405020304" pitchFamily="18" charset="0"/>
+                <a:cs typeface="Times New Roman" panose="02020603050405020304" pitchFamily="18" charset="0"/>
+              </a:rPr>
+              <a:t>chế</a:t>
+            </a:r>
+            <a:r>
+              <a:rPr lang="en-US" sz="1800" dirty="0" smtClean="0">
+                <a:latin typeface="Times New Roman" panose="02020603050405020304" pitchFamily="18" charset="0"/>
+                <a:cs typeface="Times New Roman" panose="02020603050405020304" pitchFamily="18" charset="0"/>
+              </a:rPr>
+              <a:t> </a:t>
+            </a:r>
+            <a:r>
+              <a:rPr lang="en-US" sz="1800" dirty="0" err="1" smtClean="0">
+                <a:latin typeface="Times New Roman" panose="02020603050405020304" pitchFamily="18" charset="0"/>
+                <a:cs typeface="Times New Roman" panose="02020603050405020304" pitchFamily="18" charset="0"/>
+              </a:rPr>
+              <a:t>cho</a:t>
+            </a:r>
+            <a:r>
+              <a:rPr lang="en-US" sz="1800" dirty="0" smtClean="0">
+                <a:latin typeface="Times New Roman" panose="02020603050405020304" pitchFamily="18" charset="0"/>
+                <a:cs typeface="Times New Roman" panose="02020603050405020304" pitchFamily="18" charset="0"/>
+              </a:rPr>
+              <a:t> </a:t>
+            </a:r>
+            <a:r>
+              <a:rPr lang="en-US" sz="1800" dirty="0" err="1" smtClean="0">
+                <a:latin typeface="Times New Roman" panose="02020603050405020304" pitchFamily="18" charset="0"/>
+                <a:cs typeface="Times New Roman" panose="02020603050405020304" pitchFamily="18" charset="0"/>
+              </a:rPr>
+              <a:t>việc</a:t>
+            </a:r>
+            <a:r>
+              <a:rPr lang="en-US" sz="1800" dirty="0" smtClean="0">
+                <a:latin typeface="Times New Roman" panose="02020603050405020304" pitchFamily="18" charset="0"/>
+                <a:cs typeface="Times New Roman" panose="02020603050405020304" pitchFamily="18" charset="0"/>
+              </a:rPr>
+              <a:t> </a:t>
+            </a:r>
+            <a:r>
+              <a:rPr lang="en-US" sz="1800" dirty="0" err="1" smtClean="0">
+                <a:latin typeface="Times New Roman" panose="02020603050405020304" pitchFamily="18" charset="0"/>
+                <a:cs typeface="Times New Roman" panose="02020603050405020304" pitchFamily="18" charset="0"/>
+              </a:rPr>
+              <a:t>phát</a:t>
+            </a:r>
+            <a:r>
+              <a:rPr lang="en-US" sz="1800" dirty="0" smtClean="0">
+                <a:latin typeface="Times New Roman" panose="02020603050405020304" pitchFamily="18" charset="0"/>
+                <a:cs typeface="Times New Roman" panose="02020603050405020304" pitchFamily="18" charset="0"/>
+              </a:rPr>
+              <a:t> </a:t>
+            </a:r>
+            <a:r>
+              <a:rPr lang="en-US" sz="1800" dirty="0" err="1" smtClean="0">
+                <a:latin typeface="Times New Roman" panose="02020603050405020304" pitchFamily="18" charset="0"/>
+                <a:cs typeface="Times New Roman" panose="02020603050405020304" pitchFamily="18" charset="0"/>
+              </a:rPr>
+              <a:t>triển</a:t>
+            </a:r>
+            <a:r>
+              <a:rPr lang="en-US" sz="1800" dirty="0" smtClean="0">
+                <a:latin typeface="Times New Roman" panose="02020603050405020304" pitchFamily="18" charset="0"/>
+                <a:cs typeface="Times New Roman" panose="02020603050405020304" pitchFamily="18" charset="0"/>
+              </a:rPr>
+              <a:t> </a:t>
+            </a:r>
+            <a:r>
+              <a:rPr lang="en-US" sz="1800" dirty="0" err="1" smtClean="0">
+                <a:latin typeface="Times New Roman" panose="02020603050405020304" pitchFamily="18" charset="0"/>
+                <a:cs typeface="Times New Roman" panose="02020603050405020304" pitchFamily="18" charset="0"/>
+              </a:rPr>
+              <a:t>ứng</a:t>
+            </a:r>
+            <a:r>
+              <a:rPr lang="en-US" sz="1800" dirty="0" smtClean="0">
+                <a:latin typeface="Times New Roman" panose="02020603050405020304" pitchFamily="18" charset="0"/>
+                <a:cs typeface="Times New Roman" panose="02020603050405020304" pitchFamily="18" charset="0"/>
+              </a:rPr>
+              <a:t> </a:t>
+            </a:r>
+            <a:r>
+              <a:rPr lang="en-US" sz="1800" dirty="0" err="1" smtClean="0">
+                <a:latin typeface="Times New Roman" panose="02020603050405020304" pitchFamily="18" charset="0"/>
+                <a:cs typeface="Times New Roman" panose="02020603050405020304" pitchFamily="18" charset="0"/>
+              </a:rPr>
+              <a:t>dụng</a:t>
+            </a:r>
+            <a:r>
+              <a:rPr lang="en-US" sz="1800" dirty="0" smtClean="0">
+                <a:latin typeface="Times New Roman" panose="02020603050405020304" pitchFamily="18" charset="0"/>
+                <a:cs typeface="Times New Roman" panose="02020603050405020304" pitchFamily="18" charset="0"/>
+              </a:rPr>
+              <a:t>.</a:t>
+            </a:r>
+          </a:p>
+          <a:p>
+            <a:pPr lvl="1"/>
+            <a:r>
+              <a:rPr lang="en-US" sz="1800" dirty="0" err="1" smtClean="0">
+                <a:latin typeface="Times New Roman" panose="02020603050405020304" pitchFamily="18" charset="0"/>
+                <a:cs typeface="Times New Roman" panose="02020603050405020304" pitchFamily="18" charset="0"/>
+              </a:rPr>
+              <a:t>Hiệu</a:t>
+            </a:r>
+            <a:r>
+              <a:rPr lang="en-US" sz="1800" dirty="0" smtClean="0">
+                <a:latin typeface="Times New Roman" panose="02020603050405020304" pitchFamily="18" charset="0"/>
+                <a:cs typeface="Times New Roman" panose="02020603050405020304" pitchFamily="18" charset="0"/>
+              </a:rPr>
+              <a:t> </a:t>
+            </a:r>
+            <a:r>
+              <a:rPr lang="en-US" sz="1800" dirty="0" err="1" smtClean="0">
+                <a:latin typeface="Times New Roman" panose="02020603050405020304" pitchFamily="18" charset="0"/>
+                <a:cs typeface="Times New Roman" panose="02020603050405020304" pitchFamily="18" charset="0"/>
+              </a:rPr>
+              <a:t>ứng</a:t>
+            </a:r>
+            <a:r>
+              <a:rPr lang="en-US" sz="1800" dirty="0" smtClean="0">
+                <a:latin typeface="Times New Roman" panose="02020603050405020304" pitchFamily="18" charset="0"/>
+                <a:cs typeface="Times New Roman" panose="02020603050405020304" pitchFamily="18" charset="0"/>
+              </a:rPr>
+              <a:t> </a:t>
+            </a:r>
+            <a:r>
+              <a:rPr lang="en-US" sz="1800" dirty="0" err="1" smtClean="0">
+                <a:latin typeface="Times New Roman" panose="02020603050405020304" pitchFamily="18" charset="0"/>
+                <a:cs typeface="Times New Roman" panose="02020603050405020304" pitchFamily="18" charset="0"/>
+              </a:rPr>
+              <a:t>còn</a:t>
+            </a:r>
+            <a:r>
+              <a:rPr lang="en-US" sz="1800" dirty="0" smtClean="0">
+                <a:latin typeface="Times New Roman" panose="02020603050405020304" pitchFamily="18" charset="0"/>
+                <a:cs typeface="Times New Roman" panose="02020603050405020304" pitchFamily="18" charset="0"/>
+              </a:rPr>
+              <a:t> </a:t>
+            </a:r>
+            <a:r>
+              <a:rPr lang="en-US" sz="1800" dirty="0" err="1" smtClean="0">
+                <a:latin typeface="Times New Roman" panose="02020603050405020304" pitchFamily="18" charset="0"/>
+                <a:cs typeface="Times New Roman" panose="02020603050405020304" pitchFamily="18" charset="0"/>
+              </a:rPr>
+              <a:t>thô</a:t>
+            </a:r>
+            <a:r>
+              <a:rPr lang="en-US" sz="1800" dirty="0" smtClean="0">
+                <a:latin typeface="Times New Roman" panose="02020603050405020304" pitchFamily="18" charset="0"/>
+                <a:cs typeface="Times New Roman" panose="02020603050405020304" pitchFamily="18" charset="0"/>
+              </a:rPr>
+              <a:t> </a:t>
+            </a:r>
+            <a:r>
+              <a:rPr lang="en-US" sz="1800" dirty="0" err="1" smtClean="0">
+                <a:latin typeface="Times New Roman" panose="02020603050405020304" pitchFamily="18" charset="0"/>
+                <a:cs typeface="Times New Roman" panose="02020603050405020304" pitchFamily="18" charset="0"/>
+              </a:rPr>
+              <a:t>sơ</a:t>
+            </a:r>
+            <a:r>
+              <a:rPr lang="en-US" sz="1800" dirty="0" smtClean="0">
+                <a:latin typeface="Times New Roman" panose="02020603050405020304" pitchFamily="18" charset="0"/>
+                <a:cs typeface="Times New Roman" panose="02020603050405020304" pitchFamily="18" charset="0"/>
+              </a:rPr>
+              <a:t>, </a:t>
+            </a:r>
+            <a:r>
+              <a:rPr lang="en-US" sz="1800" dirty="0" err="1" smtClean="0">
+                <a:latin typeface="Times New Roman" panose="02020603050405020304" pitchFamily="18" charset="0"/>
+                <a:cs typeface="Times New Roman" panose="02020603050405020304" pitchFamily="18" charset="0"/>
+              </a:rPr>
+              <a:t>chưa</a:t>
+            </a:r>
+            <a:r>
+              <a:rPr lang="en-US" sz="1800" dirty="0" smtClean="0">
+                <a:latin typeface="Times New Roman" panose="02020603050405020304" pitchFamily="18" charset="0"/>
+                <a:cs typeface="Times New Roman" panose="02020603050405020304" pitchFamily="18" charset="0"/>
+              </a:rPr>
+              <a:t> </a:t>
+            </a:r>
+            <a:r>
+              <a:rPr lang="en-US" sz="1800" dirty="0" err="1" smtClean="0">
+                <a:latin typeface="Times New Roman" panose="02020603050405020304" pitchFamily="18" charset="0"/>
+                <a:cs typeface="Times New Roman" panose="02020603050405020304" pitchFamily="18" charset="0"/>
+              </a:rPr>
+              <a:t>đủ</a:t>
+            </a:r>
+            <a:r>
+              <a:rPr lang="en-US" sz="1800" dirty="0" smtClean="0">
+                <a:latin typeface="Times New Roman" panose="02020603050405020304" pitchFamily="18" charset="0"/>
+                <a:cs typeface="Times New Roman" panose="02020603050405020304" pitchFamily="18" charset="0"/>
+              </a:rPr>
+              <a:t> </a:t>
+            </a:r>
+            <a:r>
+              <a:rPr lang="en-US" sz="1800" dirty="0" err="1" smtClean="0">
+                <a:latin typeface="Times New Roman" panose="02020603050405020304" pitchFamily="18" charset="0"/>
+                <a:cs typeface="Times New Roman" panose="02020603050405020304" pitchFamily="18" charset="0"/>
+              </a:rPr>
+              <a:t>sinh</a:t>
+            </a:r>
+            <a:r>
+              <a:rPr lang="en-US" sz="1800" dirty="0" smtClean="0">
+                <a:latin typeface="Times New Roman" panose="02020603050405020304" pitchFamily="18" charset="0"/>
+                <a:cs typeface="Times New Roman" panose="02020603050405020304" pitchFamily="18" charset="0"/>
+              </a:rPr>
+              <a:t> </a:t>
+            </a:r>
+            <a:r>
+              <a:rPr lang="en-US" sz="1800" dirty="0" err="1" smtClean="0">
+                <a:latin typeface="Times New Roman" panose="02020603050405020304" pitchFamily="18" charset="0"/>
+                <a:cs typeface="Times New Roman" panose="02020603050405020304" pitchFamily="18" charset="0"/>
+              </a:rPr>
+              <a:t>động</a:t>
+            </a:r>
+            <a:r>
+              <a:rPr lang="en-US" sz="1800" dirty="0" smtClean="0">
+                <a:latin typeface="Times New Roman" panose="02020603050405020304" pitchFamily="18" charset="0"/>
+                <a:cs typeface="Times New Roman" panose="02020603050405020304" pitchFamily="18" charset="0"/>
+              </a:rPr>
+              <a:t>.</a:t>
+            </a:r>
+          </a:p>
+          <a:p>
+            <a:pPr lvl="1"/>
+            <a:r>
+              <a:rPr lang="en-US" sz="1800" dirty="0" err="1" smtClean="0">
+                <a:latin typeface="Times New Roman" panose="02020603050405020304" pitchFamily="18" charset="0"/>
+                <a:cs typeface="Times New Roman" panose="02020603050405020304" pitchFamily="18" charset="0"/>
+              </a:rPr>
+              <a:t>Tài</a:t>
+            </a:r>
+            <a:r>
+              <a:rPr lang="en-US" sz="1800" dirty="0" smtClean="0">
+                <a:latin typeface="Times New Roman" panose="02020603050405020304" pitchFamily="18" charset="0"/>
+                <a:cs typeface="Times New Roman" panose="02020603050405020304" pitchFamily="18" charset="0"/>
+              </a:rPr>
+              <a:t> </a:t>
+            </a:r>
+            <a:r>
+              <a:rPr lang="en-US" sz="1800" dirty="0" err="1" smtClean="0">
+                <a:latin typeface="Times New Roman" panose="02020603050405020304" pitchFamily="18" charset="0"/>
+                <a:cs typeface="Times New Roman" panose="02020603050405020304" pitchFamily="18" charset="0"/>
+              </a:rPr>
+              <a:t>nguyên</a:t>
+            </a:r>
+            <a:r>
+              <a:rPr lang="en-US" sz="1800" dirty="0" smtClean="0">
+                <a:latin typeface="Times New Roman" panose="02020603050405020304" pitchFamily="18" charset="0"/>
+                <a:cs typeface="Times New Roman" panose="02020603050405020304" pitchFamily="18" charset="0"/>
+              </a:rPr>
+              <a:t> </a:t>
+            </a:r>
+            <a:r>
+              <a:rPr lang="en-US" sz="1800" dirty="0" err="1" smtClean="0">
+                <a:latin typeface="Times New Roman" panose="02020603050405020304" pitchFamily="18" charset="0"/>
+                <a:cs typeface="Times New Roman" panose="02020603050405020304" pitchFamily="18" charset="0"/>
+              </a:rPr>
+              <a:t>dữ</a:t>
+            </a:r>
+            <a:r>
+              <a:rPr lang="en-US" sz="1800" dirty="0" smtClean="0">
+                <a:latin typeface="Times New Roman" panose="02020603050405020304" pitchFamily="18" charset="0"/>
+                <a:cs typeface="Times New Roman" panose="02020603050405020304" pitchFamily="18" charset="0"/>
+              </a:rPr>
+              <a:t> </a:t>
+            </a:r>
+            <a:r>
+              <a:rPr lang="en-US" sz="1800" dirty="0" err="1" smtClean="0">
+                <a:latin typeface="Times New Roman" panose="02020603050405020304" pitchFamily="18" charset="0"/>
+                <a:cs typeface="Times New Roman" panose="02020603050405020304" pitchFamily="18" charset="0"/>
+              </a:rPr>
+              <a:t>liệu</a:t>
+            </a:r>
+            <a:r>
+              <a:rPr lang="en-US" sz="1800" dirty="0" smtClean="0">
+                <a:latin typeface="Times New Roman" panose="02020603050405020304" pitchFamily="18" charset="0"/>
+                <a:cs typeface="Times New Roman" panose="02020603050405020304" pitchFamily="18" charset="0"/>
+              </a:rPr>
+              <a:t> </a:t>
+            </a:r>
+            <a:r>
+              <a:rPr lang="en-US" sz="1800" dirty="0" err="1" smtClean="0">
+                <a:latin typeface="Times New Roman" panose="02020603050405020304" pitchFamily="18" charset="0"/>
+                <a:cs typeface="Times New Roman" panose="02020603050405020304" pitchFamily="18" charset="0"/>
+              </a:rPr>
+              <a:t>về</a:t>
+            </a:r>
+            <a:r>
+              <a:rPr lang="en-US" sz="1800" dirty="0" smtClean="0">
+                <a:latin typeface="Times New Roman" panose="02020603050405020304" pitchFamily="18" charset="0"/>
+                <a:cs typeface="Times New Roman" panose="02020603050405020304" pitchFamily="18" charset="0"/>
+              </a:rPr>
+              <a:t> </a:t>
+            </a:r>
+            <a:r>
+              <a:rPr lang="en-US" sz="1800" dirty="0" err="1" smtClean="0">
+                <a:latin typeface="Times New Roman" panose="02020603050405020304" pitchFamily="18" charset="0"/>
+                <a:cs typeface="Times New Roman" panose="02020603050405020304" pitchFamily="18" charset="0"/>
+              </a:rPr>
+              <a:t>hình</a:t>
+            </a:r>
+            <a:r>
+              <a:rPr lang="en-US" sz="1800" dirty="0" smtClean="0">
+                <a:latin typeface="Times New Roman" panose="02020603050405020304" pitchFamily="18" charset="0"/>
+                <a:cs typeface="Times New Roman" panose="02020603050405020304" pitchFamily="18" charset="0"/>
+              </a:rPr>
+              <a:t> </a:t>
+            </a:r>
+            <a:r>
+              <a:rPr lang="en-US" sz="1800" dirty="0" err="1" smtClean="0">
+                <a:latin typeface="Times New Roman" panose="02020603050405020304" pitchFamily="18" charset="0"/>
+                <a:cs typeface="Times New Roman" panose="02020603050405020304" pitchFamily="18" charset="0"/>
+              </a:rPr>
+              <a:t>ảnh</a:t>
+            </a:r>
+            <a:r>
+              <a:rPr lang="en-US" sz="1800" dirty="0" smtClean="0">
+                <a:latin typeface="Times New Roman" panose="02020603050405020304" pitchFamily="18" charset="0"/>
+                <a:cs typeface="Times New Roman" panose="02020603050405020304" pitchFamily="18" charset="0"/>
+              </a:rPr>
+              <a:t> </a:t>
+            </a:r>
+            <a:r>
+              <a:rPr lang="en-US" sz="1800" dirty="0" err="1" smtClean="0">
+                <a:latin typeface="Times New Roman" panose="02020603050405020304" pitchFamily="18" charset="0"/>
+                <a:cs typeface="Times New Roman" panose="02020603050405020304" pitchFamily="18" charset="0"/>
+              </a:rPr>
+              <a:t>và</a:t>
+            </a:r>
+            <a:r>
+              <a:rPr lang="en-US" sz="1800" dirty="0" smtClean="0">
+                <a:latin typeface="Times New Roman" panose="02020603050405020304" pitchFamily="18" charset="0"/>
+                <a:cs typeface="Times New Roman" panose="02020603050405020304" pitchFamily="18" charset="0"/>
+              </a:rPr>
+              <a:t> </a:t>
+            </a:r>
+            <a:r>
+              <a:rPr lang="en-US" sz="1800" dirty="0" err="1" smtClean="0">
+                <a:latin typeface="Times New Roman" panose="02020603050405020304" pitchFamily="18" charset="0"/>
+                <a:cs typeface="Times New Roman" panose="02020603050405020304" pitchFamily="18" charset="0"/>
+              </a:rPr>
+              <a:t>âm</a:t>
+            </a:r>
+            <a:r>
+              <a:rPr lang="en-US" sz="1800" dirty="0" smtClean="0">
+                <a:latin typeface="Times New Roman" panose="02020603050405020304" pitchFamily="18" charset="0"/>
+                <a:cs typeface="Times New Roman" panose="02020603050405020304" pitchFamily="18" charset="0"/>
+              </a:rPr>
+              <a:t> </a:t>
+            </a:r>
+            <a:r>
+              <a:rPr lang="en-US" sz="1800" dirty="0" err="1" smtClean="0">
+                <a:latin typeface="Times New Roman" panose="02020603050405020304" pitchFamily="18" charset="0"/>
+                <a:cs typeface="Times New Roman" panose="02020603050405020304" pitchFamily="18" charset="0"/>
+              </a:rPr>
+              <a:t>thanh</a:t>
+            </a:r>
+            <a:r>
+              <a:rPr lang="en-US" sz="1800" dirty="0" smtClean="0">
+                <a:latin typeface="Times New Roman" panose="02020603050405020304" pitchFamily="18" charset="0"/>
+                <a:cs typeface="Times New Roman" panose="02020603050405020304" pitchFamily="18" charset="0"/>
+              </a:rPr>
+              <a:t> </a:t>
+            </a:r>
+            <a:r>
+              <a:rPr lang="en-US" sz="1800" dirty="0" err="1" smtClean="0">
+                <a:latin typeface="Times New Roman" panose="02020603050405020304" pitchFamily="18" charset="0"/>
+                <a:cs typeface="Times New Roman" panose="02020603050405020304" pitchFamily="18" charset="0"/>
+              </a:rPr>
+              <a:t>còn</a:t>
+            </a:r>
+            <a:r>
+              <a:rPr lang="en-US" sz="1800" dirty="0" smtClean="0">
+                <a:latin typeface="Times New Roman" panose="02020603050405020304" pitchFamily="18" charset="0"/>
+                <a:cs typeface="Times New Roman" panose="02020603050405020304" pitchFamily="18" charset="0"/>
+              </a:rPr>
+              <a:t> </a:t>
+            </a:r>
+            <a:r>
+              <a:rPr lang="en-US" sz="1800" dirty="0" err="1" smtClean="0">
+                <a:latin typeface="Times New Roman" panose="02020603050405020304" pitchFamily="18" charset="0"/>
+                <a:cs typeface="Times New Roman" panose="02020603050405020304" pitchFamily="18" charset="0"/>
+              </a:rPr>
+              <a:t>hạn</a:t>
+            </a:r>
+            <a:r>
+              <a:rPr lang="en-US" sz="1800" dirty="0" smtClean="0">
+                <a:latin typeface="Times New Roman" panose="02020603050405020304" pitchFamily="18" charset="0"/>
+                <a:cs typeface="Times New Roman" panose="02020603050405020304" pitchFamily="18" charset="0"/>
+              </a:rPr>
+              <a:t> </a:t>
+            </a:r>
+            <a:r>
+              <a:rPr lang="en-US" sz="1800" dirty="0" err="1" smtClean="0">
+                <a:latin typeface="Times New Roman" panose="02020603050405020304" pitchFamily="18" charset="0"/>
+                <a:cs typeface="Times New Roman" panose="02020603050405020304" pitchFamily="18" charset="0"/>
+              </a:rPr>
+              <a:t>chế</a:t>
+            </a:r>
+            <a:r>
+              <a:rPr lang="en-US" sz="1800" dirty="0" smtClean="0">
+                <a:latin typeface="Times New Roman" panose="02020603050405020304" pitchFamily="18" charset="0"/>
+                <a:cs typeface="Times New Roman" panose="02020603050405020304" pitchFamily="18" charset="0"/>
+              </a:rPr>
+              <a:t>, </a:t>
+            </a:r>
+            <a:r>
+              <a:rPr lang="en-US" sz="1800" dirty="0" err="1" smtClean="0">
+                <a:latin typeface="Times New Roman" panose="02020603050405020304" pitchFamily="18" charset="0"/>
+                <a:cs typeface="Times New Roman" panose="02020603050405020304" pitchFamily="18" charset="0"/>
+              </a:rPr>
+              <a:t>chưa</a:t>
+            </a:r>
+            <a:r>
+              <a:rPr lang="en-US" sz="1800" dirty="0" smtClean="0">
+                <a:latin typeface="Times New Roman" panose="02020603050405020304" pitchFamily="18" charset="0"/>
+                <a:cs typeface="Times New Roman" panose="02020603050405020304" pitchFamily="18" charset="0"/>
+              </a:rPr>
+              <a:t> </a:t>
+            </a:r>
+            <a:r>
+              <a:rPr lang="en-US" sz="1800" dirty="0" err="1" smtClean="0">
+                <a:latin typeface="Times New Roman" panose="02020603050405020304" pitchFamily="18" charset="0"/>
+                <a:cs typeface="Times New Roman" panose="02020603050405020304" pitchFamily="18" charset="0"/>
+              </a:rPr>
+              <a:t>phù</a:t>
+            </a:r>
+            <a:r>
+              <a:rPr lang="en-US" sz="1800" dirty="0" smtClean="0">
+                <a:latin typeface="Times New Roman" panose="02020603050405020304" pitchFamily="18" charset="0"/>
+                <a:cs typeface="Times New Roman" panose="02020603050405020304" pitchFamily="18" charset="0"/>
+              </a:rPr>
+              <a:t> </a:t>
+            </a:r>
+            <a:r>
+              <a:rPr lang="en-US" sz="1800" dirty="0" err="1" smtClean="0">
+                <a:latin typeface="Times New Roman" panose="02020603050405020304" pitchFamily="18" charset="0"/>
+                <a:cs typeface="Times New Roman" panose="02020603050405020304" pitchFamily="18" charset="0"/>
+              </a:rPr>
+              <a:t>hợp</a:t>
+            </a:r>
+            <a:endParaRPr lang="en-US" sz="1800" dirty="0" smtClean="0">
+              <a:latin typeface="Times New Roman" panose="02020603050405020304" pitchFamily="18" charset="0"/>
+              <a:cs typeface="Times New Roman" panose="02020603050405020304" pitchFamily="18" charset="0"/>
+            </a:endParaRPr>
+          </a:p>
+          <a:p>
+            <a:pPr lvl="1"/>
+            <a:r>
+              <a:rPr lang="en-US" sz="1800" dirty="0" err="1" smtClean="0">
+                <a:latin typeface="Times New Roman" panose="02020603050405020304" pitchFamily="18" charset="0"/>
+                <a:cs typeface="Times New Roman" panose="02020603050405020304" pitchFamily="18" charset="0"/>
+              </a:rPr>
+              <a:t>Còn</a:t>
+            </a:r>
+            <a:r>
+              <a:rPr lang="en-US" sz="1800" dirty="0" smtClean="0">
+                <a:latin typeface="Times New Roman" panose="02020603050405020304" pitchFamily="18" charset="0"/>
+                <a:cs typeface="Times New Roman" panose="02020603050405020304" pitchFamily="18" charset="0"/>
+              </a:rPr>
+              <a:t> </a:t>
+            </a:r>
+            <a:r>
+              <a:rPr lang="en-US" sz="1800" dirty="0" err="1" smtClean="0">
+                <a:latin typeface="Times New Roman" panose="02020603050405020304" pitchFamily="18" charset="0"/>
+                <a:cs typeface="Times New Roman" panose="02020603050405020304" pitchFamily="18" charset="0"/>
+              </a:rPr>
+              <a:t>nhiều</a:t>
+            </a:r>
+            <a:r>
+              <a:rPr lang="en-US" sz="1800" dirty="0" smtClean="0">
+                <a:latin typeface="Times New Roman" panose="02020603050405020304" pitchFamily="18" charset="0"/>
+                <a:cs typeface="Times New Roman" panose="02020603050405020304" pitchFamily="18" charset="0"/>
+              </a:rPr>
+              <a:t> </a:t>
+            </a:r>
+            <a:r>
+              <a:rPr lang="en-US" sz="1800" dirty="0" err="1" smtClean="0">
+                <a:latin typeface="Times New Roman" panose="02020603050405020304" pitchFamily="18" charset="0"/>
+                <a:cs typeface="Times New Roman" panose="02020603050405020304" pitchFamily="18" charset="0"/>
+              </a:rPr>
+              <a:t>lỗi</a:t>
+            </a:r>
+            <a:r>
+              <a:rPr lang="en-US" sz="1800" dirty="0" smtClean="0">
+                <a:latin typeface="Times New Roman" panose="02020603050405020304" pitchFamily="18" charset="0"/>
+                <a:cs typeface="Times New Roman" panose="02020603050405020304" pitchFamily="18" charset="0"/>
+              </a:rPr>
+              <a:t> </a:t>
+            </a:r>
+            <a:r>
+              <a:rPr lang="en-US" sz="1800" dirty="0" err="1" smtClean="0">
+                <a:latin typeface="Times New Roman" panose="02020603050405020304" pitchFamily="18" charset="0"/>
+                <a:cs typeface="Times New Roman" panose="02020603050405020304" pitchFamily="18" charset="0"/>
+              </a:rPr>
+              <a:t>và</a:t>
+            </a:r>
+            <a:r>
+              <a:rPr lang="en-US" sz="1800" dirty="0" smtClean="0">
+                <a:latin typeface="Times New Roman" panose="02020603050405020304" pitchFamily="18" charset="0"/>
+                <a:cs typeface="Times New Roman" panose="02020603050405020304" pitchFamily="18" charset="0"/>
+              </a:rPr>
+              <a:t> </a:t>
+            </a:r>
+            <a:r>
+              <a:rPr lang="en-US" sz="1800" dirty="0" err="1" smtClean="0">
+                <a:latin typeface="Times New Roman" panose="02020603050405020304" pitchFamily="18" charset="0"/>
+                <a:cs typeface="Times New Roman" panose="02020603050405020304" pitchFamily="18" charset="0"/>
+              </a:rPr>
+              <a:t>một</a:t>
+            </a:r>
+            <a:r>
+              <a:rPr lang="en-US" sz="1800" dirty="0" smtClean="0">
+                <a:latin typeface="Times New Roman" panose="02020603050405020304" pitchFamily="18" charset="0"/>
+                <a:cs typeface="Times New Roman" panose="02020603050405020304" pitchFamily="18" charset="0"/>
+              </a:rPr>
+              <a:t> </a:t>
+            </a:r>
+            <a:r>
+              <a:rPr lang="en-US" sz="1800" dirty="0" err="1" smtClean="0">
+                <a:latin typeface="Times New Roman" panose="02020603050405020304" pitchFamily="18" charset="0"/>
+                <a:cs typeface="Times New Roman" panose="02020603050405020304" pitchFamily="18" charset="0"/>
+              </a:rPr>
+              <a:t>vài</a:t>
+            </a:r>
+            <a:r>
+              <a:rPr lang="en-US" sz="1800" dirty="0" smtClean="0">
+                <a:latin typeface="Times New Roman" panose="02020603050405020304" pitchFamily="18" charset="0"/>
+                <a:cs typeface="Times New Roman" panose="02020603050405020304" pitchFamily="18" charset="0"/>
+              </a:rPr>
+              <a:t> </a:t>
+            </a:r>
+            <a:r>
+              <a:rPr lang="en-US" sz="1800" dirty="0" err="1" smtClean="0">
+                <a:latin typeface="Times New Roman" panose="02020603050405020304" pitchFamily="18" charset="0"/>
+                <a:cs typeface="Times New Roman" panose="02020603050405020304" pitchFamily="18" charset="0"/>
+              </a:rPr>
+              <a:t>chức</a:t>
+            </a:r>
+            <a:r>
+              <a:rPr lang="en-US" sz="1800" dirty="0" smtClean="0">
+                <a:latin typeface="Times New Roman" panose="02020603050405020304" pitchFamily="18" charset="0"/>
+                <a:cs typeface="Times New Roman" panose="02020603050405020304" pitchFamily="18" charset="0"/>
+              </a:rPr>
+              <a:t> </a:t>
+            </a:r>
+            <a:r>
+              <a:rPr lang="en-US" sz="1800" dirty="0" err="1" smtClean="0">
+                <a:latin typeface="Times New Roman" panose="02020603050405020304" pitchFamily="18" charset="0"/>
+                <a:cs typeface="Times New Roman" panose="02020603050405020304" pitchFamily="18" charset="0"/>
+              </a:rPr>
+              <a:t>năng</a:t>
+            </a:r>
+            <a:r>
+              <a:rPr lang="en-US" sz="1800" dirty="0" smtClean="0">
+                <a:latin typeface="Times New Roman" panose="02020603050405020304" pitchFamily="18" charset="0"/>
+                <a:cs typeface="Times New Roman" panose="02020603050405020304" pitchFamily="18" charset="0"/>
+              </a:rPr>
+              <a:t> </a:t>
+            </a:r>
+            <a:r>
+              <a:rPr lang="en-US" sz="1800" dirty="0" err="1" smtClean="0">
+                <a:latin typeface="Times New Roman" panose="02020603050405020304" pitchFamily="18" charset="0"/>
+                <a:cs typeface="Times New Roman" panose="02020603050405020304" pitchFamily="18" charset="0"/>
+              </a:rPr>
+              <a:t>chưa</a:t>
+            </a:r>
+            <a:r>
+              <a:rPr lang="en-US" sz="1800" dirty="0" smtClean="0">
+                <a:latin typeface="Times New Roman" panose="02020603050405020304" pitchFamily="18" charset="0"/>
+                <a:cs typeface="Times New Roman" panose="02020603050405020304" pitchFamily="18" charset="0"/>
+              </a:rPr>
+              <a:t> </a:t>
+            </a:r>
+            <a:r>
+              <a:rPr lang="en-US" sz="1800" dirty="0" err="1" smtClean="0">
+                <a:latin typeface="Times New Roman" panose="02020603050405020304" pitchFamily="18" charset="0"/>
+                <a:cs typeface="Times New Roman" panose="02020603050405020304" pitchFamily="18" charset="0"/>
+              </a:rPr>
+              <a:t>hiện</a:t>
+            </a:r>
+            <a:r>
+              <a:rPr lang="en-US" sz="1800" dirty="0" smtClean="0">
+                <a:latin typeface="Times New Roman" panose="02020603050405020304" pitchFamily="18" charset="0"/>
+                <a:cs typeface="Times New Roman" panose="02020603050405020304" pitchFamily="18" charset="0"/>
+              </a:rPr>
+              <a:t> </a:t>
+            </a:r>
+            <a:r>
+              <a:rPr lang="en-US" sz="1800" dirty="0" err="1" smtClean="0">
+                <a:latin typeface="Times New Roman" panose="02020603050405020304" pitchFamily="18" charset="0"/>
+                <a:cs typeface="Times New Roman" panose="02020603050405020304" pitchFamily="18" charset="0"/>
+              </a:rPr>
+              <a:t>thực</a:t>
+            </a:r>
+            <a:r>
+              <a:rPr lang="en-US" sz="1800" dirty="0" smtClean="0">
+                <a:latin typeface="Times New Roman" panose="02020603050405020304" pitchFamily="18" charset="0"/>
+                <a:cs typeface="Times New Roman" panose="02020603050405020304" pitchFamily="18" charset="0"/>
+              </a:rPr>
+              <a:t> </a:t>
+            </a:r>
+            <a:r>
+              <a:rPr lang="en-US" sz="1800" dirty="0" err="1" smtClean="0">
+                <a:latin typeface="Times New Roman" panose="02020603050405020304" pitchFamily="18" charset="0"/>
+                <a:cs typeface="Times New Roman" panose="02020603050405020304" pitchFamily="18" charset="0"/>
+              </a:rPr>
+              <a:t>được</a:t>
+            </a:r>
+            <a:r>
+              <a:rPr lang="en-US" sz="1800" dirty="0" smtClean="0">
+                <a:latin typeface="Times New Roman" panose="02020603050405020304" pitchFamily="18" charset="0"/>
+                <a:cs typeface="Times New Roman" panose="02020603050405020304" pitchFamily="18" charset="0"/>
+              </a:rPr>
+              <a:t>.</a:t>
+            </a:r>
+            <a:endParaRPr lang="en-US" sz="1800" dirty="0" smtClean="0">
+              <a:latin typeface="Times New Roman" panose="02020603050405020304" pitchFamily="18" charset="0"/>
+              <a:cs typeface="Times New Roman" panose="02020603050405020304" pitchFamily="18" charset="0"/>
+            </a:endParaRPr>
+          </a:p>
+          <a:p>
+            <a:r>
+              <a:rPr lang="en-US" sz="2000" dirty="0" err="1" smtClean="0">
+                <a:latin typeface="Times New Roman" panose="02020603050405020304" pitchFamily="18" charset="0"/>
+                <a:cs typeface="Times New Roman" panose="02020603050405020304" pitchFamily="18" charset="0"/>
+              </a:rPr>
+              <a:t>Hướng</a:t>
+            </a:r>
+            <a:r>
+              <a:rPr lang="en-US" sz="2000" dirty="0" smtClean="0">
+                <a:latin typeface="Times New Roman" panose="02020603050405020304" pitchFamily="18" charset="0"/>
+                <a:cs typeface="Times New Roman" panose="02020603050405020304" pitchFamily="18" charset="0"/>
+              </a:rPr>
+              <a:t> </a:t>
+            </a:r>
+            <a:r>
+              <a:rPr lang="en-US" sz="2000" dirty="0" err="1" smtClean="0">
+                <a:latin typeface="Times New Roman" panose="02020603050405020304" pitchFamily="18" charset="0"/>
+                <a:cs typeface="Times New Roman" panose="02020603050405020304" pitchFamily="18" charset="0"/>
+              </a:rPr>
+              <a:t>phát</a:t>
+            </a:r>
+            <a:r>
+              <a:rPr lang="en-US" sz="2000" dirty="0" smtClean="0">
+                <a:latin typeface="Times New Roman" panose="02020603050405020304" pitchFamily="18" charset="0"/>
+                <a:cs typeface="Times New Roman" panose="02020603050405020304" pitchFamily="18" charset="0"/>
+              </a:rPr>
+              <a:t> </a:t>
+            </a:r>
+            <a:r>
+              <a:rPr lang="en-US" sz="2000" dirty="0" err="1" smtClean="0">
+                <a:latin typeface="Times New Roman" panose="02020603050405020304" pitchFamily="18" charset="0"/>
+                <a:cs typeface="Times New Roman" panose="02020603050405020304" pitchFamily="18" charset="0"/>
+              </a:rPr>
+              <a:t>triển</a:t>
+            </a:r>
+            <a:endParaRPr lang="en-US" sz="2000" dirty="0" smtClean="0">
+              <a:latin typeface="Times New Roman" panose="02020603050405020304" pitchFamily="18" charset="0"/>
+              <a:cs typeface="Times New Roman" panose="02020603050405020304" pitchFamily="18" charset="0"/>
+            </a:endParaRPr>
+          </a:p>
+          <a:p>
+            <a:pPr lvl="1"/>
+            <a:r>
+              <a:rPr lang="en-US" sz="1800" dirty="0" err="1" smtClean="0">
+                <a:latin typeface="Times New Roman" panose="02020603050405020304" pitchFamily="18" charset="0"/>
+                <a:cs typeface="Times New Roman" panose="02020603050405020304" pitchFamily="18" charset="0"/>
+              </a:rPr>
+              <a:t>Sửa</a:t>
+            </a:r>
+            <a:r>
+              <a:rPr lang="en-US" sz="1800" dirty="0" smtClean="0">
+                <a:latin typeface="Times New Roman" panose="02020603050405020304" pitchFamily="18" charset="0"/>
+                <a:cs typeface="Times New Roman" panose="02020603050405020304" pitchFamily="18" charset="0"/>
+              </a:rPr>
+              <a:t> </a:t>
+            </a:r>
+            <a:r>
+              <a:rPr lang="en-US" sz="1800" dirty="0" err="1" smtClean="0">
+                <a:latin typeface="Times New Roman" panose="02020603050405020304" pitchFamily="18" charset="0"/>
+                <a:cs typeface="Times New Roman" panose="02020603050405020304" pitchFamily="18" charset="0"/>
+              </a:rPr>
+              <a:t>lỗi</a:t>
+            </a:r>
+            <a:r>
+              <a:rPr lang="en-US" sz="1800" dirty="0" smtClean="0">
+                <a:latin typeface="Times New Roman" panose="02020603050405020304" pitchFamily="18" charset="0"/>
+                <a:cs typeface="Times New Roman" panose="02020603050405020304" pitchFamily="18" charset="0"/>
+              </a:rPr>
+              <a:t> </a:t>
+            </a:r>
+            <a:r>
+              <a:rPr lang="en-US" sz="1800" dirty="0" err="1" smtClean="0">
+                <a:latin typeface="Times New Roman" panose="02020603050405020304" pitchFamily="18" charset="0"/>
+                <a:cs typeface="Times New Roman" panose="02020603050405020304" pitchFamily="18" charset="0"/>
+              </a:rPr>
+              <a:t>và</a:t>
+            </a:r>
+            <a:r>
+              <a:rPr lang="en-US" sz="1800" dirty="0" smtClean="0">
+                <a:latin typeface="Times New Roman" panose="02020603050405020304" pitchFamily="18" charset="0"/>
+                <a:cs typeface="Times New Roman" panose="02020603050405020304" pitchFamily="18" charset="0"/>
+              </a:rPr>
+              <a:t> </a:t>
+            </a:r>
+            <a:r>
+              <a:rPr lang="en-US" sz="1800" dirty="0" err="1" smtClean="0">
+                <a:latin typeface="Times New Roman" panose="02020603050405020304" pitchFamily="18" charset="0"/>
+                <a:cs typeface="Times New Roman" panose="02020603050405020304" pitchFamily="18" charset="0"/>
+              </a:rPr>
+              <a:t>hoàn</a:t>
+            </a:r>
+            <a:r>
+              <a:rPr lang="en-US" sz="1800" dirty="0" smtClean="0">
+                <a:latin typeface="Times New Roman" panose="02020603050405020304" pitchFamily="18" charset="0"/>
+                <a:cs typeface="Times New Roman" panose="02020603050405020304" pitchFamily="18" charset="0"/>
+              </a:rPr>
+              <a:t> </a:t>
+            </a:r>
+            <a:r>
+              <a:rPr lang="en-US" sz="1800" dirty="0" err="1" smtClean="0">
+                <a:latin typeface="Times New Roman" panose="02020603050405020304" pitchFamily="18" charset="0"/>
+                <a:cs typeface="Times New Roman" panose="02020603050405020304" pitchFamily="18" charset="0"/>
+              </a:rPr>
+              <a:t>thiện</a:t>
+            </a:r>
+            <a:r>
+              <a:rPr lang="en-US" sz="1800" dirty="0" smtClean="0">
+                <a:latin typeface="Times New Roman" panose="02020603050405020304" pitchFamily="18" charset="0"/>
+                <a:cs typeface="Times New Roman" panose="02020603050405020304" pitchFamily="18" charset="0"/>
+              </a:rPr>
+              <a:t> </a:t>
+            </a:r>
+            <a:r>
+              <a:rPr lang="en-US" sz="1800" dirty="0" err="1" smtClean="0">
+                <a:latin typeface="Times New Roman" panose="02020603050405020304" pitchFamily="18" charset="0"/>
+                <a:cs typeface="Times New Roman" panose="02020603050405020304" pitchFamily="18" charset="0"/>
+              </a:rPr>
+              <a:t>các</a:t>
+            </a:r>
+            <a:r>
+              <a:rPr lang="en-US" sz="1800" dirty="0" smtClean="0">
+                <a:latin typeface="Times New Roman" panose="02020603050405020304" pitchFamily="18" charset="0"/>
+                <a:cs typeface="Times New Roman" panose="02020603050405020304" pitchFamily="18" charset="0"/>
+              </a:rPr>
+              <a:t> </a:t>
+            </a:r>
+            <a:r>
+              <a:rPr lang="en-US" sz="1800" dirty="0" err="1" smtClean="0">
+                <a:latin typeface="Times New Roman" panose="02020603050405020304" pitchFamily="18" charset="0"/>
+                <a:cs typeface="Times New Roman" panose="02020603050405020304" pitchFamily="18" charset="0"/>
+              </a:rPr>
+              <a:t>chức</a:t>
+            </a:r>
+            <a:r>
+              <a:rPr lang="en-US" sz="1800" dirty="0" smtClean="0">
+                <a:latin typeface="Times New Roman" panose="02020603050405020304" pitchFamily="18" charset="0"/>
+                <a:cs typeface="Times New Roman" panose="02020603050405020304" pitchFamily="18" charset="0"/>
+              </a:rPr>
+              <a:t> </a:t>
+            </a:r>
+            <a:r>
+              <a:rPr lang="en-US" sz="1800" dirty="0" err="1" smtClean="0">
+                <a:latin typeface="Times New Roman" panose="02020603050405020304" pitchFamily="18" charset="0"/>
+                <a:cs typeface="Times New Roman" panose="02020603050405020304" pitchFamily="18" charset="0"/>
+              </a:rPr>
+              <a:t>năng</a:t>
+            </a:r>
+            <a:r>
+              <a:rPr lang="en-US" sz="1800" dirty="0" smtClean="0">
+                <a:latin typeface="Times New Roman" panose="02020603050405020304" pitchFamily="18" charset="0"/>
+                <a:cs typeface="Times New Roman" panose="02020603050405020304" pitchFamily="18" charset="0"/>
+              </a:rPr>
+              <a:t> </a:t>
+            </a:r>
+            <a:r>
+              <a:rPr lang="en-US" sz="1800" dirty="0" err="1" smtClean="0">
+                <a:latin typeface="Times New Roman" panose="02020603050405020304" pitchFamily="18" charset="0"/>
+                <a:cs typeface="Times New Roman" panose="02020603050405020304" pitchFamily="18" charset="0"/>
+              </a:rPr>
+              <a:t>còn</a:t>
+            </a:r>
+            <a:r>
+              <a:rPr lang="en-US" sz="1800" dirty="0" smtClean="0">
+                <a:latin typeface="Times New Roman" panose="02020603050405020304" pitchFamily="18" charset="0"/>
+                <a:cs typeface="Times New Roman" panose="02020603050405020304" pitchFamily="18" charset="0"/>
+              </a:rPr>
+              <a:t> </a:t>
+            </a:r>
+            <a:r>
+              <a:rPr lang="en-US" sz="1800" dirty="0" err="1" smtClean="0">
+                <a:latin typeface="Times New Roman" panose="02020603050405020304" pitchFamily="18" charset="0"/>
+                <a:cs typeface="Times New Roman" panose="02020603050405020304" pitchFamily="18" charset="0"/>
+              </a:rPr>
+              <a:t>thiếu</a:t>
+            </a:r>
+            <a:r>
+              <a:rPr lang="en-US" sz="1800" dirty="0" smtClean="0">
+                <a:latin typeface="Times New Roman" panose="02020603050405020304" pitchFamily="18" charset="0"/>
+                <a:cs typeface="Times New Roman" panose="02020603050405020304" pitchFamily="18" charset="0"/>
+              </a:rPr>
+              <a:t>, them </a:t>
+            </a:r>
+            <a:r>
+              <a:rPr lang="en-US" sz="1800" dirty="0" err="1" smtClean="0">
+                <a:latin typeface="Times New Roman" panose="02020603050405020304" pitchFamily="18" charset="0"/>
+                <a:cs typeface="Times New Roman" panose="02020603050405020304" pitchFamily="18" charset="0"/>
+              </a:rPr>
+              <a:t>các</a:t>
+            </a:r>
+            <a:r>
+              <a:rPr lang="en-US" sz="1800" dirty="0" smtClean="0">
+                <a:latin typeface="Times New Roman" panose="02020603050405020304" pitchFamily="18" charset="0"/>
+                <a:cs typeface="Times New Roman" panose="02020603050405020304" pitchFamily="18" charset="0"/>
+              </a:rPr>
+              <a:t> </a:t>
+            </a:r>
+            <a:r>
+              <a:rPr lang="en-US" sz="1800" dirty="0" err="1" smtClean="0">
+                <a:latin typeface="Times New Roman" panose="02020603050405020304" pitchFamily="18" charset="0"/>
+                <a:cs typeface="Times New Roman" panose="02020603050405020304" pitchFamily="18" charset="0"/>
+              </a:rPr>
+              <a:t>chức</a:t>
+            </a:r>
+            <a:r>
+              <a:rPr lang="en-US" sz="1800" dirty="0" smtClean="0">
+                <a:latin typeface="Times New Roman" panose="02020603050405020304" pitchFamily="18" charset="0"/>
+                <a:cs typeface="Times New Roman" panose="02020603050405020304" pitchFamily="18" charset="0"/>
+              </a:rPr>
+              <a:t> </a:t>
+            </a:r>
+            <a:r>
+              <a:rPr lang="en-US" sz="1800" dirty="0" err="1" smtClean="0">
+                <a:latin typeface="Times New Roman" panose="02020603050405020304" pitchFamily="18" charset="0"/>
+                <a:cs typeface="Times New Roman" panose="02020603050405020304" pitchFamily="18" charset="0"/>
+              </a:rPr>
+              <a:t>năng</a:t>
+            </a:r>
+            <a:r>
+              <a:rPr lang="en-US" sz="1800" dirty="0" smtClean="0">
+                <a:latin typeface="Times New Roman" panose="02020603050405020304" pitchFamily="18" charset="0"/>
+                <a:cs typeface="Times New Roman" panose="02020603050405020304" pitchFamily="18" charset="0"/>
+              </a:rPr>
+              <a:t> </a:t>
+            </a:r>
+            <a:r>
+              <a:rPr lang="en-US" sz="1800" dirty="0" err="1" smtClean="0">
+                <a:latin typeface="Times New Roman" panose="02020603050405020304" pitchFamily="18" charset="0"/>
+                <a:cs typeface="Times New Roman" panose="02020603050405020304" pitchFamily="18" charset="0"/>
+              </a:rPr>
+              <a:t>mới</a:t>
+            </a:r>
+            <a:r>
+              <a:rPr lang="en-US" sz="1800" dirty="0" smtClean="0">
+                <a:latin typeface="Times New Roman" panose="02020603050405020304" pitchFamily="18" charset="0"/>
+                <a:cs typeface="Times New Roman" panose="02020603050405020304" pitchFamily="18" charset="0"/>
+              </a:rPr>
+              <a:t> </a:t>
+            </a:r>
+            <a:r>
+              <a:rPr lang="en-US" sz="1800" dirty="0" err="1" smtClean="0">
+                <a:latin typeface="Times New Roman" panose="02020603050405020304" pitchFamily="18" charset="0"/>
+                <a:cs typeface="Times New Roman" panose="02020603050405020304" pitchFamily="18" charset="0"/>
+              </a:rPr>
+              <a:t>để</a:t>
+            </a:r>
+            <a:r>
+              <a:rPr lang="en-US" sz="1800" dirty="0" smtClean="0">
+                <a:latin typeface="Times New Roman" panose="02020603050405020304" pitchFamily="18" charset="0"/>
+                <a:cs typeface="Times New Roman" panose="02020603050405020304" pitchFamily="18" charset="0"/>
+              </a:rPr>
+              <a:t> </a:t>
+            </a:r>
+            <a:r>
+              <a:rPr lang="en-US" sz="1800" dirty="0" err="1" smtClean="0">
+                <a:latin typeface="Times New Roman" panose="02020603050405020304" pitchFamily="18" charset="0"/>
+                <a:cs typeface="Times New Roman" panose="02020603050405020304" pitchFamily="18" charset="0"/>
+              </a:rPr>
+              <a:t>phong</a:t>
+            </a:r>
+            <a:r>
+              <a:rPr lang="en-US" sz="1800" dirty="0" smtClean="0">
+                <a:latin typeface="Times New Roman" panose="02020603050405020304" pitchFamily="18" charset="0"/>
+                <a:cs typeface="Times New Roman" panose="02020603050405020304" pitchFamily="18" charset="0"/>
+              </a:rPr>
+              <a:t> </a:t>
+            </a:r>
+            <a:r>
+              <a:rPr lang="en-US" sz="1800" dirty="0" err="1" smtClean="0">
+                <a:latin typeface="Times New Roman" panose="02020603050405020304" pitchFamily="18" charset="0"/>
+                <a:cs typeface="Times New Roman" panose="02020603050405020304" pitchFamily="18" charset="0"/>
+              </a:rPr>
+              <a:t>phú</a:t>
+            </a:r>
+            <a:r>
+              <a:rPr lang="en-US" sz="1800" dirty="0" smtClean="0">
+                <a:latin typeface="Times New Roman" panose="02020603050405020304" pitchFamily="18" charset="0"/>
+                <a:cs typeface="Times New Roman" panose="02020603050405020304" pitchFamily="18" charset="0"/>
+              </a:rPr>
+              <a:t> </a:t>
+            </a:r>
+            <a:r>
+              <a:rPr lang="en-US" sz="1800" dirty="0" err="1" smtClean="0">
+                <a:latin typeface="Times New Roman" panose="02020603050405020304" pitchFamily="18" charset="0"/>
+                <a:cs typeface="Times New Roman" panose="02020603050405020304" pitchFamily="18" charset="0"/>
+              </a:rPr>
+              <a:t>ứng</a:t>
+            </a:r>
+            <a:r>
+              <a:rPr lang="en-US" sz="1800" dirty="0" smtClean="0">
+                <a:latin typeface="Times New Roman" panose="02020603050405020304" pitchFamily="18" charset="0"/>
+                <a:cs typeface="Times New Roman" panose="02020603050405020304" pitchFamily="18" charset="0"/>
+              </a:rPr>
+              <a:t> </a:t>
+            </a:r>
+            <a:r>
+              <a:rPr lang="en-US" sz="1800" dirty="0" err="1" smtClean="0">
+                <a:latin typeface="Times New Roman" panose="02020603050405020304" pitchFamily="18" charset="0"/>
+                <a:cs typeface="Times New Roman" panose="02020603050405020304" pitchFamily="18" charset="0"/>
+              </a:rPr>
+              <a:t>dụng</a:t>
+            </a:r>
+            <a:r>
+              <a:rPr lang="en-US" sz="1800" dirty="0" smtClean="0">
+                <a:latin typeface="Times New Roman" panose="02020603050405020304" pitchFamily="18" charset="0"/>
+                <a:cs typeface="Times New Roman" panose="02020603050405020304" pitchFamily="18" charset="0"/>
+              </a:rPr>
+              <a:t>.</a:t>
+            </a:r>
+          </a:p>
+          <a:p>
+            <a:pPr lvl="1"/>
+            <a:r>
+              <a:rPr lang="en-US" sz="1800" dirty="0" err="1" smtClean="0">
+                <a:latin typeface="Times New Roman" panose="02020603050405020304" pitchFamily="18" charset="0"/>
+                <a:cs typeface="Times New Roman" panose="02020603050405020304" pitchFamily="18" charset="0"/>
+              </a:rPr>
+              <a:t>Cải</a:t>
+            </a:r>
+            <a:r>
+              <a:rPr lang="en-US" sz="1800" dirty="0" smtClean="0">
+                <a:latin typeface="Times New Roman" panose="02020603050405020304" pitchFamily="18" charset="0"/>
+                <a:cs typeface="Times New Roman" panose="02020603050405020304" pitchFamily="18" charset="0"/>
+              </a:rPr>
+              <a:t> </a:t>
+            </a:r>
+            <a:r>
+              <a:rPr lang="en-US" sz="1800" dirty="0" err="1" smtClean="0">
+                <a:latin typeface="Times New Roman" panose="02020603050405020304" pitchFamily="18" charset="0"/>
+                <a:cs typeface="Times New Roman" panose="02020603050405020304" pitchFamily="18" charset="0"/>
+              </a:rPr>
+              <a:t>thiện</a:t>
+            </a:r>
+            <a:r>
+              <a:rPr lang="en-US" sz="1800" dirty="0" smtClean="0">
+                <a:latin typeface="Times New Roman" panose="02020603050405020304" pitchFamily="18" charset="0"/>
+                <a:cs typeface="Times New Roman" panose="02020603050405020304" pitchFamily="18" charset="0"/>
+              </a:rPr>
+              <a:t> </a:t>
+            </a:r>
+            <a:r>
+              <a:rPr lang="en-US" sz="1800" dirty="0" err="1" smtClean="0">
+                <a:latin typeface="Times New Roman" panose="02020603050405020304" pitchFamily="18" charset="0"/>
+                <a:cs typeface="Times New Roman" panose="02020603050405020304" pitchFamily="18" charset="0"/>
+              </a:rPr>
+              <a:t>dữ</a:t>
+            </a:r>
+            <a:r>
+              <a:rPr lang="en-US" sz="1800" dirty="0" smtClean="0">
+                <a:latin typeface="Times New Roman" panose="02020603050405020304" pitchFamily="18" charset="0"/>
+                <a:cs typeface="Times New Roman" panose="02020603050405020304" pitchFamily="18" charset="0"/>
+              </a:rPr>
+              <a:t> </a:t>
+            </a:r>
+            <a:r>
+              <a:rPr lang="en-US" sz="1800" dirty="0" err="1" smtClean="0">
+                <a:latin typeface="Times New Roman" panose="02020603050405020304" pitchFamily="18" charset="0"/>
+                <a:cs typeface="Times New Roman" panose="02020603050405020304" pitchFamily="18" charset="0"/>
+              </a:rPr>
+              <a:t>liệu</a:t>
+            </a:r>
+            <a:r>
+              <a:rPr lang="en-US" sz="1800" dirty="0" smtClean="0">
+                <a:latin typeface="Times New Roman" panose="02020603050405020304" pitchFamily="18" charset="0"/>
+                <a:cs typeface="Times New Roman" panose="02020603050405020304" pitchFamily="18" charset="0"/>
+              </a:rPr>
+              <a:t> </a:t>
+            </a:r>
+            <a:r>
+              <a:rPr lang="en-US" sz="1800" dirty="0" err="1" smtClean="0">
+                <a:latin typeface="Times New Roman" panose="02020603050405020304" pitchFamily="18" charset="0"/>
+                <a:cs typeface="Times New Roman" panose="02020603050405020304" pitchFamily="18" charset="0"/>
+              </a:rPr>
+              <a:t>hình</a:t>
+            </a:r>
+            <a:r>
+              <a:rPr lang="en-US" sz="1800" dirty="0" smtClean="0">
+                <a:latin typeface="Times New Roman" panose="02020603050405020304" pitchFamily="18" charset="0"/>
+                <a:cs typeface="Times New Roman" panose="02020603050405020304" pitchFamily="18" charset="0"/>
+              </a:rPr>
+              <a:t> </a:t>
+            </a:r>
+            <a:r>
+              <a:rPr lang="en-US" sz="1800" dirty="0" err="1" smtClean="0">
+                <a:latin typeface="Times New Roman" panose="02020603050405020304" pitchFamily="18" charset="0"/>
+                <a:cs typeface="Times New Roman" panose="02020603050405020304" pitchFamily="18" charset="0"/>
+              </a:rPr>
+              <a:t>ảnh</a:t>
+            </a:r>
+            <a:r>
+              <a:rPr lang="en-US" sz="1800" dirty="0" smtClean="0">
+                <a:latin typeface="Times New Roman" panose="02020603050405020304" pitchFamily="18" charset="0"/>
+                <a:cs typeface="Times New Roman" panose="02020603050405020304" pitchFamily="18" charset="0"/>
+              </a:rPr>
+              <a:t>, </a:t>
+            </a:r>
+            <a:r>
+              <a:rPr lang="en-US" sz="1800" dirty="0" err="1" smtClean="0">
+                <a:latin typeface="Times New Roman" panose="02020603050405020304" pitchFamily="18" charset="0"/>
+                <a:cs typeface="Times New Roman" panose="02020603050405020304" pitchFamily="18" charset="0"/>
+              </a:rPr>
+              <a:t>âm</a:t>
+            </a:r>
+            <a:r>
+              <a:rPr lang="en-US" sz="1800" dirty="0" smtClean="0">
+                <a:latin typeface="Times New Roman" panose="02020603050405020304" pitchFamily="18" charset="0"/>
+                <a:cs typeface="Times New Roman" panose="02020603050405020304" pitchFamily="18" charset="0"/>
+              </a:rPr>
+              <a:t> </a:t>
+            </a:r>
+            <a:r>
+              <a:rPr lang="en-US" sz="1800" dirty="0" err="1" smtClean="0">
+                <a:latin typeface="Times New Roman" panose="02020603050405020304" pitchFamily="18" charset="0"/>
+                <a:cs typeface="Times New Roman" panose="02020603050405020304" pitchFamily="18" charset="0"/>
+              </a:rPr>
+              <a:t>thanh</a:t>
+            </a:r>
+            <a:r>
+              <a:rPr lang="en-US" sz="1800" dirty="0" smtClean="0">
+                <a:latin typeface="Times New Roman" panose="02020603050405020304" pitchFamily="18" charset="0"/>
+                <a:cs typeface="Times New Roman" panose="02020603050405020304" pitchFamily="18" charset="0"/>
+              </a:rPr>
+              <a:t>, </a:t>
+            </a:r>
+            <a:r>
+              <a:rPr lang="en-US" sz="1800" dirty="0" err="1" smtClean="0">
+                <a:latin typeface="Times New Roman" panose="02020603050405020304" pitchFamily="18" charset="0"/>
+                <a:cs typeface="Times New Roman" panose="02020603050405020304" pitchFamily="18" charset="0"/>
+              </a:rPr>
+              <a:t>hiệu</a:t>
+            </a:r>
+            <a:r>
+              <a:rPr lang="en-US" sz="1800" dirty="0" smtClean="0">
+                <a:latin typeface="Times New Roman" panose="02020603050405020304" pitchFamily="18" charset="0"/>
+                <a:cs typeface="Times New Roman" panose="02020603050405020304" pitchFamily="18" charset="0"/>
+              </a:rPr>
+              <a:t> </a:t>
+            </a:r>
+            <a:r>
+              <a:rPr lang="en-US" sz="1800" dirty="0" err="1" smtClean="0">
+                <a:latin typeface="Times New Roman" panose="02020603050405020304" pitchFamily="18" charset="0"/>
+                <a:cs typeface="Times New Roman" panose="02020603050405020304" pitchFamily="18" charset="0"/>
+              </a:rPr>
+              <a:t>ứng</a:t>
+            </a:r>
+            <a:r>
+              <a:rPr lang="en-US" sz="1800" dirty="0" smtClean="0">
+                <a:latin typeface="Times New Roman" panose="02020603050405020304" pitchFamily="18" charset="0"/>
+                <a:cs typeface="Times New Roman" panose="02020603050405020304" pitchFamily="18" charset="0"/>
+              </a:rPr>
+              <a:t>, </a:t>
+            </a:r>
+            <a:r>
+              <a:rPr lang="en-US" sz="1800" dirty="0" err="1" smtClean="0">
+                <a:latin typeface="Times New Roman" panose="02020603050405020304" pitchFamily="18" charset="0"/>
+                <a:cs typeface="Times New Roman" panose="02020603050405020304" pitchFamily="18" charset="0"/>
+              </a:rPr>
+              <a:t>đồ</a:t>
+            </a:r>
+            <a:r>
+              <a:rPr lang="en-US" sz="1800" dirty="0" smtClean="0">
+                <a:latin typeface="Times New Roman" panose="02020603050405020304" pitchFamily="18" charset="0"/>
+                <a:cs typeface="Times New Roman" panose="02020603050405020304" pitchFamily="18" charset="0"/>
+              </a:rPr>
+              <a:t> </a:t>
+            </a:r>
+            <a:r>
+              <a:rPr lang="en-US" sz="1800" dirty="0" err="1" smtClean="0">
+                <a:latin typeface="Times New Roman" panose="02020603050405020304" pitchFamily="18" charset="0"/>
+                <a:cs typeface="Times New Roman" panose="02020603050405020304" pitchFamily="18" charset="0"/>
+              </a:rPr>
+              <a:t>họa</a:t>
+            </a:r>
+            <a:r>
+              <a:rPr lang="en-US" sz="1800" dirty="0" smtClean="0">
+                <a:latin typeface="Times New Roman" panose="02020603050405020304" pitchFamily="18" charset="0"/>
+                <a:cs typeface="Times New Roman" panose="02020603050405020304" pitchFamily="18" charset="0"/>
+              </a:rPr>
+              <a:t>.</a:t>
+            </a:r>
+            <a:endParaRPr lang="en-US" sz="1800" dirty="0">
+              <a:latin typeface="Times New Roman" panose="02020603050405020304" pitchFamily="18" charset="0"/>
+              <a:cs typeface="Times New Roman" panose="02020603050405020304" pitchFamily="18" charset="0"/>
+            </a:endParaRPr>
+          </a:p>
+        </p:txBody>
+      </p:sp>
+      <p:sp>
+        <p:nvSpPr>
+          <p:cNvPr id="4" name="Footer Placeholder 3"/>
+          <p:cNvSpPr>
+            <a:spLocks noGrp="1"/>
+          </p:cNvSpPr>
+          <p:nvPr>
+            <p:ph type="ftr" sz="quarter" idx="11"/>
+          </p:nvPr>
+        </p:nvSpPr>
+        <p:spPr/>
+        <p:txBody>
+          <a:bodyPr/>
+          <a:lstStyle/>
+          <a:p>
+            <a:r>
+              <a:rPr lang="en-US" smtClean="0"/>
+              <a:t>Nhóm 39 - Tìm Hiểu Công Nghệ WPF Và Viết Ứng Dụng Học Tiếng Anh Cho Trẻ Em</a:t>
+            </a:r>
+            <a:endParaRPr lang="en-US"/>
+          </a:p>
+        </p:txBody>
+      </p:sp>
+      <p:sp>
+        <p:nvSpPr>
+          <p:cNvPr id="5" name="Slide Number Placeholder 4"/>
+          <p:cNvSpPr>
+            <a:spLocks noGrp="1"/>
+          </p:cNvSpPr>
+          <p:nvPr>
+            <p:ph type="sldNum" sz="quarter" idx="12"/>
+          </p:nvPr>
+        </p:nvSpPr>
+        <p:spPr/>
+        <p:txBody>
+          <a:bodyPr/>
+          <a:lstStyle/>
+          <a:p>
+            <a:fld id="{A47909FA-8428-4BA7-99A7-864F51E2F064}" type="slidenum">
+              <a:rPr lang="en-US" smtClean="0"/>
+              <a:t>15</a:t>
+            </a:fld>
+            <a:endParaRPr lang="en-US"/>
+          </a:p>
+        </p:txBody>
+      </p:sp>
+    </p:spTree>
+    <p:extLst>
+      <p:ext uri="{BB962C8B-B14F-4D97-AF65-F5344CB8AC3E}">
+        <p14:creationId xmlns:p14="http://schemas.microsoft.com/office/powerpoint/2010/main" val="2699615765"/>
+      </p:ext>
+    </p:extLst>
+  </p:cSld>
+  <p:clrMapOvr>
+    <a:masterClrMapping/>
+  </p:clrMapOvr>
+  <p:timing>
+    <p:tnLst>
+      <p:par>
+        <p:cTn id="1" dur="indefinite" restart="never" nodeType="tmRoot"/>
+      </p:par>
+    </p:tnLst>
+  </p:timing>
+</p:sld>
+</file>
+
+<file path=ppt/slides/slide16.xml><?xml version="1.0" encoding="utf-8"?>
+<p:sld xmlns:a="http://schemas.openxmlformats.org/drawingml/2006/main" xmlns:r="http://schemas.openxmlformats.org/officeDocument/2006/relationships" xmlns:p="http://schemas.openxmlformats.org/presentationml/2006/main">
+  <p:cSld>
+    <p:spTree>
+      <p:nvGrpSpPr>
+        <p:cNvPr id="1" name=""/>
+        <p:cNvGrpSpPr/>
+        <p:nvPr/>
+      </p:nvGrpSpPr>
+      <p:grpSpPr>
+        <a:xfrm>
+          <a:off x="0" y="0"/>
+          <a:ext cx="0" cy="0"/>
+          <a:chOff x="0" y="0"/>
+          <a:chExt cx="0" cy="0"/>
+        </a:xfrm>
+      </p:grpSpPr>
+      <p:sp>
+        <p:nvSpPr>
+          <p:cNvPr id="3" name="Footer Placeholder 2"/>
+          <p:cNvSpPr>
+            <a:spLocks noGrp="1"/>
+          </p:cNvSpPr>
+          <p:nvPr>
+            <p:ph type="ftr" sz="quarter" idx="11"/>
+          </p:nvPr>
+        </p:nvSpPr>
+        <p:spPr/>
+        <p:txBody>
+          <a:bodyPr/>
+          <a:lstStyle/>
+          <a:p>
+            <a:r>
+              <a:rPr lang="en-US" smtClean="0"/>
+              <a:t>Nhóm 39 - Tìm Hiểu Công Nghệ WPF Và Viết Ứng Dụng Học Tiếng Anh Cho Trẻ Em</a:t>
+            </a:r>
+            <a:endParaRPr lang="en-US"/>
+          </a:p>
+        </p:txBody>
+      </p:sp>
+      <p:sp>
+        <p:nvSpPr>
+          <p:cNvPr id="4" name="Slide Number Placeholder 3"/>
+          <p:cNvSpPr>
+            <a:spLocks noGrp="1"/>
+          </p:cNvSpPr>
+          <p:nvPr>
+            <p:ph type="sldNum" sz="quarter" idx="12"/>
+          </p:nvPr>
+        </p:nvSpPr>
+        <p:spPr/>
+        <p:txBody>
+          <a:bodyPr/>
+          <a:lstStyle/>
+          <a:p>
+            <a:fld id="{A47909FA-8428-4BA7-99A7-864F51E2F064}" type="slidenum">
+              <a:rPr lang="en-US" smtClean="0"/>
+              <a:t>16</a:t>
+            </a:fld>
+            <a:endParaRPr lang="en-US"/>
+          </a:p>
+        </p:txBody>
+      </p:sp>
+      <p:sp>
+        <p:nvSpPr>
+          <p:cNvPr id="5" name="Rectangle 4"/>
+          <p:cNvSpPr/>
+          <p:nvPr/>
+        </p:nvSpPr>
+        <p:spPr>
+          <a:xfrm>
+            <a:off x="2848892" y="2535534"/>
+            <a:ext cx="6920410" cy="1754326"/>
+          </a:xfrm>
+          <a:prstGeom prst="rect">
+            <a:avLst/>
+          </a:prstGeom>
+          <a:ln/>
+        </p:spPr>
+        <p:style>
+          <a:lnRef idx="1">
+            <a:schemeClr val="accent1"/>
+          </a:lnRef>
+          <a:fillRef idx="2">
+            <a:schemeClr val="accent1"/>
+          </a:fillRef>
+          <a:effectRef idx="1">
+            <a:schemeClr val="accent1"/>
+          </a:effectRef>
+          <a:fontRef idx="minor">
+            <a:schemeClr val="dk1"/>
+          </a:fontRef>
+        </p:style>
+        <p:txBody>
+          <a:bodyPr wrap="square" lIns="91440" tIns="45720" rIns="91440" bIns="45720">
+            <a:spAutoFit/>
+          </a:bodyPr>
+          <a:lstStyle/>
+          <a:p>
+            <a:pPr algn="ctr"/>
+            <a:r>
+              <a:rPr lang="en-US" sz="5400" b="0" cap="none" spc="0" dirty="0" err="1" smtClean="0">
+                <a:ln w="0"/>
+                <a:gradFill>
+                  <a:gsLst>
+                    <a:gs pos="0">
+                      <a:schemeClr val="accent5">
+                        <a:lumMod val="50000"/>
+                      </a:schemeClr>
+                    </a:gs>
+                    <a:gs pos="50000">
+                      <a:schemeClr val="accent5"/>
+                    </a:gs>
+                    <a:gs pos="100000">
+                      <a:schemeClr val="accent5">
+                        <a:lumMod val="60000"/>
+                        <a:lumOff val="40000"/>
+                      </a:schemeClr>
+                    </a:gs>
+                  </a:gsLst>
+                  <a:lin ang="5400000"/>
+                </a:gradFill>
+                <a:effectLst>
+                  <a:reflection blurRad="6350" stA="53000" endA="300" endPos="35500" dir="5400000" sy="-90000" algn="bl" rotWithShape="0"/>
+                </a:effectLst>
+              </a:rPr>
+              <a:t>Cảm</a:t>
+            </a:r>
+            <a:r>
+              <a:rPr lang="en-US" sz="5400" b="0" cap="none" spc="0" dirty="0" smtClean="0">
+                <a:ln w="0"/>
+                <a:gradFill>
+                  <a:gsLst>
+                    <a:gs pos="0">
+                      <a:schemeClr val="accent5">
+                        <a:lumMod val="50000"/>
+                      </a:schemeClr>
+                    </a:gs>
+                    <a:gs pos="50000">
+                      <a:schemeClr val="accent5"/>
+                    </a:gs>
+                    <a:gs pos="100000">
+                      <a:schemeClr val="accent5">
+                        <a:lumMod val="60000"/>
+                        <a:lumOff val="40000"/>
+                      </a:schemeClr>
+                    </a:gs>
+                  </a:gsLst>
+                  <a:lin ang="5400000"/>
+                </a:gradFill>
+                <a:effectLst>
+                  <a:reflection blurRad="6350" stA="53000" endA="300" endPos="35500" dir="5400000" sy="-90000" algn="bl" rotWithShape="0"/>
+                </a:effectLst>
+              </a:rPr>
+              <a:t> </a:t>
+            </a:r>
+            <a:r>
+              <a:rPr lang="en-US" sz="5400" b="0" cap="none" spc="0" dirty="0" err="1" smtClean="0">
+                <a:ln w="0"/>
+                <a:gradFill>
+                  <a:gsLst>
+                    <a:gs pos="0">
+                      <a:schemeClr val="accent5">
+                        <a:lumMod val="50000"/>
+                      </a:schemeClr>
+                    </a:gs>
+                    <a:gs pos="50000">
+                      <a:schemeClr val="accent5"/>
+                    </a:gs>
+                    <a:gs pos="100000">
+                      <a:schemeClr val="accent5">
+                        <a:lumMod val="60000"/>
+                        <a:lumOff val="40000"/>
+                      </a:schemeClr>
+                    </a:gs>
+                  </a:gsLst>
+                  <a:lin ang="5400000"/>
+                </a:gradFill>
+                <a:effectLst>
+                  <a:reflection blurRad="6350" stA="53000" endA="300" endPos="35500" dir="5400000" sy="-90000" algn="bl" rotWithShape="0"/>
+                </a:effectLst>
+              </a:rPr>
+              <a:t>ơn</a:t>
+            </a:r>
+            <a:r>
+              <a:rPr lang="en-US" sz="5400" b="0" cap="none" spc="0" dirty="0" smtClean="0">
+                <a:ln w="0"/>
+                <a:gradFill>
+                  <a:gsLst>
+                    <a:gs pos="0">
+                      <a:schemeClr val="accent5">
+                        <a:lumMod val="50000"/>
+                      </a:schemeClr>
+                    </a:gs>
+                    <a:gs pos="50000">
+                      <a:schemeClr val="accent5"/>
+                    </a:gs>
+                    <a:gs pos="100000">
+                      <a:schemeClr val="accent5">
+                        <a:lumMod val="60000"/>
+                        <a:lumOff val="40000"/>
+                      </a:schemeClr>
+                    </a:gs>
+                  </a:gsLst>
+                  <a:lin ang="5400000"/>
+                </a:gradFill>
+                <a:effectLst>
+                  <a:reflection blurRad="6350" stA="53000" endA="300" endPos="35500" dir="5400000" sy="-90000" algn="bl" rotWithShape="0"/>
+                </a:effectLst>
+              </a:rPr>
+              <a:t> </a:t>
+            </a:r>
+            <a:r>
+              <a:rPr lang="en-US" sz="5400" b="0" cap="none" spc="0" dirty="0" err="1" smtClean="0">
+                <a:ln w="0"/>
+                <a:gradFill>
+                  <a:gsLst>
+                    <a:gs pos="0">
+                      <a:schemeClr val="accent5">
+                        <a:lumMod val="50000"/>
+                      </a:schemeClr>
+                    </a:gs>
+                    <a:gs pos="50000">
+                      <a:schemeClr val="accent5"/>
+                    </a:gs>
+                    <a:gs pos="100000">
+                      <a:schemeClr val="accent5">
+                        <a:lumMod val="60000"/>
+                        <a:lumOff val="40000"/>
+                      </a:schemeClr>
+                    </a:gs>
+                  </a:gsLst>
+                  <a:lin ang="5400000"/>
+                </a:gradFill>
+                <a:effectLst>
+                  <a:reflection blurRad="6350" stA="53000" endA="300" endPos="35500" dir="5400000" sy="-90000" algn="bl" rotWithShape="0"/>
+                </a:effectLst>
+              </a:rPr>
+              <a:t>mọi</a:t>
+            </a:r>
+            <a:r>
+              <a:rPr lang="en-US" sz="5400" b="0" cap="none" spc="0" dirty="0" smtClean="0">
+                <a:ln w="0"/>
+                <a:gradFill>
+                  <a:gsLst>
+                    <a:gs pos="0">
+                      <a:schemeClr val="accent5">
+                        <a:lumMod val="50000"/>
+                      </a:schemeClr>
+                    </a:gs>
+                    <a:gs pos="50000">
+                      <a:schemeClr val="accent5"/>
+                    </a:gs>
+                    <a:gs pos="100000">
+                      <a:schemeClr val="accent5">
+                        <a:lumMod val="60000"/>
+                        <a:lumOff val="40000"/>
+                      </a:schemeClr>
+                    </a:gs>
+                  </a:gsLst>
+                  <a:lin ang="5400000"/>
+                </a:gradFill>
+                <a:effectLst>
+                  <a:reflection blurRad="6350" stA="53000" endA="300" endPos="35500" dir="5400000" sy="-90000" algn="bl" rotWithShape="0"/>
+                </a:effectLst>
+              </a:rPr>
+              <a:t> </a:t>
+            </a:r>
+            <a:r>
+              <a:rPr lang="en-US" sz="5400" b="0" cap="none" spc="0" dirty="0" err="1" smtClean="0">
+                <a:ln w="0"/>
+                <a:gradFill>
+                  <a:gsLst>
+                    <a:gs pos="0">
+                      <a:schemeClr val="accent5">
+                        <a:lumMod val="50000"/>
+                      </a:schemeClr>
+                    </a:gs>
+                    <a:gs pos="50000">
+                      <a:schemeClr val="accent5"/>
+                    </a:gs>
+                    <a:gs pos="100000">
+                      <a:schemeClr val="accent5">
+                        <a:lumMod val="60000"/>
+                        <a:lumOff val="40000"/>
+                      </a:schemeClr>
+                    </a:gs>
+                  </a:gsLst>
+                  <a:lin ang="5400000"/>
+                </a:gradFill>
+                <a:effectLst>
+                  <a:reflection blurRad="6350" stA="53000" endA="300" endPos="35500" dir="5400000" sy="-90000" algn="bl" rotWithShape="0"/>
+                </a:effectLst>
+              </a:rPr>
+              <a:t>người</a:t>
+            </a:r>
+            <a:r>
+              <a:rPr lang="en-US" sz="5400" b="0" cap="none" spc="0" dirty="0" smtClean="0">
+                <a:ln w="0"/>
+                <a:gradFill>
+                  <a:gsLst>
+                    <a:gs pos="0">
+                      <a:schemeClr val="accent5">
+                        <a:lumMod val="50000"/>
+                      </a:schemeClr>
+                    </a:gs>
+                    <a:gs pos="50000">
+                      <a:schemeClr val="accent5"/>
+                    </a:gs>
+                    <a:gs pos="100000">
+                      <a:schemeClr val="accent5">
+                        <a:lumMod val="60000"/>
+                        <a:lumOff val="40000"/>
+                      </a:schemeClr>
+                    </a:gs>
+                  </a:gsLst>
+                  <a:lin ang="5400000"/>
+                </a:gradFill>
+                <a:effectLst>
+                  <a:reflection blurRad="6350" stA="53000" endA="300" endPos="35500" dir="5400000" sy="-90000" algn="bl" rotWithShape="0"/>
+                </a:effectLst>
+              </a:rPr>
+              <a:t> </a:t>
+            </a:r>
+          </a:p>
+          <a:p>
+            <a:pPr algn="ctr"/>
+            <a:r>
+              <a:rPr lang="en-US" sz="5400" b="0" cap="none" spc="0" dirty="0" err="1" smtClean="0">
+                <a:ln w="0"/>
+                <a:gradFill>
+                  <a:gsLst>
+                    <a:gs pos="0">
+                      <a:schemeClr val="accent5">
+                        <a:lumMod val="50000"/>
+                      </a:schemeClr>
+                    </a:gs>
+                    <a:gs pos="50000">
+                      <a:schemeClr val="accent5"/>
+                    </a:gs>
+                    <a:gs pos="100000">
+                      <a:schemeClr val="accent5">
+                        <a:lumMod val="60000"/>
+                        <a:lumOff val="40000"/>
+                      </a:schemeClr>
+                    </a:gs>
+                  </a:gsLst>
+                  <a:lin ang="5400000"/>
+                </a:gradFill>
+                <a:effectLst>
+                  <a:reflection blurRad="6350" stA="53000" endA="300" endPos="35500" dir="5400000" sy="-90000" algn="bl" rotWithShape="0"/>
+                </a:effectLst>
+              </a:rPr>
+              <a:t>đã</a:t>
+            </a:r>
+            <a:r>
+              <a:rPr lang="en-US" sz="5400" b="0" cap="none" spc="0" dirty="0" smtClean="0">
+                <a:ln w="0"/>
+                <a:gradFill>
+                  <a:gsLst>
+                    <a:gs pos="0">
+                      <a:schemeClr val="accent5">
+                        <a:lumMod val="50000"/>
+                      </a:schemeClr>
+                    </a:gs>
+                    <a:gs pos="50000">
+                      <a:schemeClr val="accent5"/>
+                    </a:gs>
+                    <a:gs pos="100000">
+                      <a:schemeClr val="accent5">
+                        <a:lumMod val="60000"/>
+                        <a:lumOff val="40000"/>
+                      </a:schemeClr>
+                    </a:gs>
+                  </a:gsLst>
+                  <a:lin ang="5400000"/>
+                </a:gradFill>
+                <a:effectLst>
+                  <a:reflection blurRad="6350" stA="53000" endA="300" endPos="35500" dir="5400000" sy="-90000" algn="bl" rotWithShape="0"/>
+                </a:effectLst>
+              </a:rPr>
+              <a:t> </a:t>
+            </a:r>
+            <a:r>
+              <a:rPr lang="en-US" sz="5400" b="0" cap="none" spc="0" dirty="0" err="1" smtClean="0">
+                <a:ln w="0"/>
+                <a:gradFill>
+                  <a:gsLst>
+                    <a:gs pos="0">
+                      <a:schemeClr val="accent5">
+                        <a:lumMod val="50000"/>
+                      </a:schemeClr>
+                    </a:gs>
+                    <a:gs pos="50000">
+                      <a:schemeClr val="accent5"/>
+                    </a:gs>
+                    <a:gs pos="100000">
+                      <a:schemeClr val="accent5">
+                        <a:lumMod val="60000"/>
+                        <a:lumOff val="40000"/>
+                      </a:schemeClr>
+                    </a:gs>
+                  </a:gsLst>
+                  <a:lin ang="5400000"/>
+                </a:gradFill>
+                <a:effectLst>
+                  <a:reflection blurRad="6350" stA="53000" endA="300" endPos="35500" dir="5400000" sy="-90000" algn="bl" rotWithShape="0"/>
+                </a:effectLst>
+              </a:rPr>
+              <a:t>lắng</a:t>
+            </a:r>
+            <a:r>
+              <a:rPr lang="en-US" sz="5400" b="0" cap="none" spc="0" dirty="0" smtClean="0">
+                <a:ln w="0"/>
+                <a:gradFill>
+                  <a:gsLst>
+                    <a:gs pos="0">
+                      <a:schemeClr val="accent5">
+                        <a:lumMod val="50000"/>
+                      </a:schemeClr>
+                    </a:gs>
+                    <a:gs pos="50000">
+                      <a:schemeClr val="accent5"/>
+                    </a:gs>
+                    <a:gs pos="100000">
+                      <a:schemeClr val="accent5">
+                        <a:lumMod val="60000"/>
+                        <a:lumOff val="40000"/>
+                      </a:schemeClr>
+                    </a:gs>
+                  </a:gsLst>
+                  <a:lin ang="5400000"/>
+                </a:gradFill>
+                <a:effectLst>
+                  <a:reflection blurRad="6350" stA="53000" endA="300" endPos="35500" dir="5400000" sy="-90000" algn="bl" rotWithShape="0"/>
+                </a:effectLst>
+              </a:rPr>
+              <a:t> </a:t>
+            </a:r>
+            <a:r>
+              <a:rPr lang="en-US" sz="5400" b="0" cap="none" spc="0" dirty="0" err="1" smtClean="0">
+                <a:ln w="0"/>
+                <a:gradFill>
+                  <a:gsLst>
+                    <a:gs pos="0">
+                      <a:schemeClr val="accent5">
+                        <a:lumMod val="50000"/>
+                      </a:schemeClr>
+                    </a:gs>
+                    <a:gs pos="50000">
+                      <a:schemeClr val="accent5"/>
+                    </a:gs>
+                    <a:gs pos="100000">
+                      <a:schemeClr val="accent5">
+                        <a:lumMod val="60000"/>
+                        <a:lumOff val="40000"/>
+                      </a:schemeClr>
+                    </a:gs>
+                  </a:gsLst>
+                  <a:lin ang="5400000"/>
+                </a:gradFill>
+                <a:effectLst>
+                  <a:reflection blurRad="6350" stA="53000" endA="300" endPos="35500" dir="5400000" sy="-90000" algn="bl" rotWithShape="0"/>
+                </a:effectLst>
+              </a:rPr>
+              <a:t>nghe</a:t>
+            </a:r>
+            <a:r>
+              <a:rPr lang="en-US" sz="5400" b="0" cap="none" spc="0" dirty="0" smtClean="0">
+                <a:ln w="0"/>
+                <a:gradFill>
+                  <a:gsLst>
+                    <a:gs pos="0">
+                      <a:schemeClr val="accent5">
+                        <a:lumMod val="50000"/>
+                      </a:schemeClr>
+                    </a:gs>
+                    <a:gs pos="50000">
+                      <a:schemeClr val="accent5"/>
+                    </a:gs>
+                    <a:gs pos="100000">
+                      <a:schemeClr val="accent5">
+                        <a:lumMod val="60000"/>
+                        <a:lumOff val="40000"/>
+                      </a:schemeClr>
+                    </a:gs>
+                  </a:gsLst>
+                  <a:lin ang="5400000"/>
+                </a:gradFill>
+                <a:effectLst>
+                  <a:reflection blurRad="6350" stA="53000" endA="300" endPos="35500" dir="5400000" sy="-90000" algn="bl" rotWithShape="0"/>
+                </a:effectLst>
+              </a:rPr>
+              <a:t>!</a:t>
+            </a:r>
+            <a:endParaRPr lang="en-US" sz="5400" b="0" cap="none" spc="0" dirty="0">
+              <a:ln w="0"/>
+              <a:gradFill>
+                <a:gsLst>
+                  <a:gs pos="0">
+                    <a:schemeClr val="accent5">
+                      <a:lumMod val="50000"/>
+                    </a:schemeClr>
+                  </a:gs>
+                  <a:gs pos="50000">
+                    <a:schemeClr val="accent5"/>
+                  </a:gs>
+                  <a:gs pos="100000">
+                    <a:schemeClr val="accent5">
+                      <a:lumMod val="60000"/>
+                      <a:lumOff val="40000"/>
+                    </a:schemeClr>
+                  </a:gs>
+                </a:gsLst>
+                <a:lin ang="5400000"/>
+              </a:gradFill>
+              <a:effectLst>
+                <a:reflection blurRad="6350" stA="53000" endA="300" endPos="35500" dir="5400000" sy="-90000" algn="bl" rotWithShape="0"/>
+              </a:effectLst>
+            </a:endParaRPr>
+          </a:p>
+        </p:txBody>
+      </p:sp>
+    </p:spTree>
+    <p:extLst>
+      <p:ext uri="{BB962C8B-B14F-4D97-AF65-F5344CB8AC3E}">
+        <p14:creationId xmlns:p14="http://schemas.microsoft.com/office/powerpoint/2010/main" val="2009785628"/>
+      </p:ext>
+    </p:extLst>
+  </p:cSld>
+  <p:clrMapOvr>
+    <a:masterClrMapping/>
+  </p:clrMapOvr>
+  <p:timing>
+    <p:tnLst>
+      <p:par>
+        <p:cTn id="1" dur="indefinite" restart="never" nodeType="tmRoot"/>
+      </p:par>
+    </p:tnLst>
+  </p:timing>
 </p:sld>
 </file>
 
@@ -6225,21 +10305,382 @@
         </p:nvSpPr>
         <p:spPr/>
         <p:txBody>
+          <a:bodyPr>
+            <a:normAutofit/>
+          </a:bodyPr>
+          <a:lstStyle/>
+          <a:p>
+            <a:r>
+              <a:rPr lang="en-US" sz="4800" b="1" dirty="0" smtClean="0">
+                <a:latin typeface="Times New Roman" panose="02020603050405020304" pitchFamily="18" charset="0"/>
+                <a:cs typeface="Times New Roman" panose="02020603050405020304" pitchFamily="18" charset="0"/>
+              </a:rPr>
+              <a:t>NỘI </a:t>
+            </a:r>
+            <a:r>
+              <a:rPr lang="en-US" sz="4800" b="1" dirty="0" smtClean="0">
+                <a:latin typeface="Times New Roman" panose="02020603050405020304" pitchFamily="18" charset="0"/>
+                <a:cs typeface="Times New Roman" panose="02020603050405020304" pitchFamily="18" charset="0"/>
+              </a:rPr>
+              <a:t>DUNG BÁO CÁO</a:t>
+            </a:r>
+            <a:endParaRPr lang="en-US" sz="4800" b="1" dirty="0">
+              <a:latin typeface="Times New Roman" panose="02020603050405020304" pitchFamily="18" charset="0"/>
+              <a:cs typeface="Times New Roman" panose="02020603050405020304" pitchFamily="18" charset="0"/>
+            </a:endParaRPr>
+          </a:p>
+        </p:txBody>
+      </p:sp>
+      <p:sp>
+        <p:nvSpPr>
+          <p:cNvPr id="3" name="Content Placeholder 2"/>
+          <p:cNvSpPr>
+            <a:spLocks noGrp="1"/>
+          </p:cNvSpPr>
+          <p:nvPr>
+            <p:ph idx="1"/>
+          </p:nvPr>
+        </p:nvSpPr>
+        <p:spPr>
+          <a:xfrm>
+            <a:off x="677334" y="1601789"/>
+            <a:ext cx="8596668" cy="3880773"/>
+          </a:xfrm>
+        </p:spPr>
+        <p:txBody>
+          <a:bodyPr>
+            <a:normAutofit/>
+          </a:bodyPr>
+          <a:lstStyle/>
+          <a:p>
+            <a:r>
+              <a:rPr lang="en-US" sz="4000" dirty="0" err="1" smtClean="0">
+                <a:latin typeface="Times New Roman" panose="02020603050405020304" pitchFamily="18" charset="0"/>
+                <a:cs typeface="Times New Roman" panose="02020603050405020304" pitchFamily="18" charset="0"/>
+              </a:rPr>
+              <a:t>Tổng</a:t>
+            </a:r>
+            <a:r>
+              <a:rPr lang="en-US" sz="4000" dirty="0" smtClean="0">
+                <a:latin typeface="Times New Roman" panose="02020603050405020304" pitchFamily="18" charset="0"/>
+                <a:cs typeface="Times New Roman" panose="02020603050405020304" pitchFamily="18" charset="0"/>
+              </a:rPr>
+              <a:t> </a:t>
+            </a:r>
+            <a:r>
+              <a:rPr lang="en-US" sz="4000" dirty="0" err="1" smtClean="0">
+                <a:latin typeface="Times New Roman" panose="02020603050405020304" pitchFamily="18" charset="0"/>
+                <a:cs typeface="Times New Roman" panose="02020603050405020304" pitchFamily="18" charset="0"/>
+              </a:rPr>
+              <a:t>quan</a:t>
+            </a:r>
+            <a:r>
+              <a:rPr lang="en-US" sz="4000" dirty="0" smtClean="0">
+                <a:latin typeface="Times New Roman" panose="02020603050405020304" pitchFamily="18" charset="0"/>
+                <a:cs typeface="Times New Roman" panose="02020603050405020304" pitchFamily="18" charset="0"/>
+              </a:rPr>
+              <a:t> </a:t>
+            </a:r>
+            <a:r>
+              <a:rPr lang="en-US" sz="4000" dirty="0" err="1" smtClean="0">
+                <a:latin typeface="Times New Roman" panose="02020603050405020304" pitchFamily="18" charset="0"/>
+                <a:cs typeface="Times New Roman" panose="02020603050405020304" pitchFamily="18" charset="0"/>
+              </a:rPr>
+              <a:t>về</a:t>
+            </a:r>
+            <a:r>
+              <a:rPr lang="en-US" sz="4000" dirty="0" smtClean="0">
+                <a:latin typeface="Times New Roman" panose="02020603050405020304" pitchFamily="18" charset="0"/>
+                <a:cs typeface="Times New Roman" panose="02020603050405020304" pitchFamily="18" charset="0"/>
+              </a:rPr>
+              <a:t> </a:t>
+            </a:r>
+            <a:r>
+              <a:rPr lang="en-US" sz="4000" dirty="0" err="1" smtClean="0">
+                <a:latin typeface="Times New Roman" panose="02020603050405020304" pitchFamily="18" charset="0"/>
+                <a:cs typeface="Times New Roman" panose="02020603050405020304" pitchFamily="18" charset="0"/>
+              </a:rPr>
+              <a:t>đề</a:t>
+            </a:r>
+            <a:r>
+              <a:rPr lang="en-US" sz="4000" dirty="0" smtClean="0">
+                <a:latin typeface="Times New Roman" panose="02020603050405020304" pitchFamily="18" charset="0"/>
+                <a:cs typeface="Times New Roman" panose="02020603050405020304" pitchFamily="18" charset="0"/>
+              </a:rPr>
+              <a:t> </a:t>
+            </a:r>
+            <a:r>
+              <a:rPr lang="en-US" sz="4000" dirty="0" err="1" smtClean="0">
+                <a:latin typeface="Times New Roman" panose="02020603050405020304" pitchFamily="18" charset="0"/>
+                <a:cs typeface="Times New Roman" panose="02020603050405020304" pitchFamily="18" charset="0"/>
+              </a:rPr>
+              <a:t>tài</a:t>
+            </a:r>
+            <a:endParaRPr lang="en-US" sz="4000" dirty="0" smtClean="0">
+              <a:latin typeface="Times New Roman" panose="02020603050405020304" pitchFamily="18" charset="0"/>
+              <a:cs typeface="Times New Roman" panose="02020603050405020304" pitchFamily="18" charset="0"/>
+            </a:endParaRPr>
+          </a:p>
+          <a:p>
+            <a:r>
+              <a:rPr lang="en-US" sz="4000" dirty="0" err="1" smtClean="0">
+                <a:latin typeface="Times New Roman" panose="02020603050405020304" pitchFamily="18" charset="0"/>
+                <a:cs typeface="Times New Roman" panose="02020603050405020304" pitchFamily="18" charset="0"/>
+              </a:rPr>
+              <a:t>Cơ</a:t>
+            </a:r>
+            <a:r>
+              <a:rPr lang="en-US" sz="4000" dirty="0" smtClean="0">
+                <a:latin typeface="Times New Roman" panose="02020603050405020304" pitchFamily="18" charset="0"/>
+                <a:cs typeface="Times New Roman" panose="02020603050405020304" pitchFamily="18" charset="0"/>
+              </a:rPr>
+              <a:t> </a:t>
+            </a:r>
+            <a:r>
+              <a:rPr lang="en-US" sz="4000" dirty="0" err="1" smtClean="0">
+                <a:latin typeface="Times New Roman" panose="02020603050405020304" pitchFamily="18" charset="0"/>
+                <a:cs typeface="Times New Roman" panose="02020603050405020304" pitchFamily="18" charset="0"/>
+              </a:rPr>
+              <a:t>sở</a:t>
+            </a:r>
+            <a:r>
+              <a:rPr lang="en-US" sz="4000" dirty="0" smtClean="0">
+                <a:latin typeface="Times New Roman" panose="02020603050405020304" pitchFamily="18" charset="0"/>
+                <a:cs typeface="Times New Roman" panose="02020603050405020304" pitchFamily="18" charset="0"/>
+              </a:rPr>
+              <a:t> </a:t>
+            </a:r>
+            <a:r>
+              <a:rPr lang="en-US" sz="4000" dirty="0" err="1" smtClean="0">
+                <a:latin typeface="Times New Roman" panose="02020603050405020304" pitchFamily="18" charset="0"/>
+                <a:cs typeface="Times New Roman" panose="02020603050405020304" pitchFamily="18" charset="0"/>
+              </a:rPr>
+              <a:t>lý</a:t>
+            </a:r>
+            <a:r>
+              <a:rPr lang="en-US" sz="4000" dirty="0" smtClean="0">
+                <a:latin typeface="Times New Roman" panose="02020603050405020304" pitchFamily="18" charset="0"/>
+                <a:cs typeface="Times New Roman" panose="02020603050405020304" pitchFamily="18" charset="0"/>
+              </a:rPr>
+              <a:t> </a:t>
+            </a:r>
+            <a:r>
+              <a:rPr lang="en-US" sz="4000" dirty="0" err="1" smtClean="0">
+                <a:latin typeface="Times New Roman" panose="02020603050405020304" pitchFamily="18" charset="0"/>
+                <a:cs typeface="Times New Roman" panose="02020603050405020304" pitchFamily="18" charset="0"/>
+              </a:rPr>
+              <a:t>thuyết</a:t>
+            </a:r>
+            <a:endParaRPr lang="en-US" sz="4000" dirty="0" smtClean="0">
+              <a:latin typeface="Times New Roman" panose="02020603050405020304" pitchFamily="18" charset="0"/>
+              <a:cs typeface="Times New Roman" panose="02020603050405020304" pitchFamily="18" charset="0"/>
+            </a:endParaRPr>
+          </a:p>
+          <a:p>
+            <a:r>
+              <a:rPr lang="en-US" sz="4000" dirty="0" err="1" smtClean="0">
+                <a:latin typeface="Times New Roman" panose="02020603050405020304" pitchFamily="18" charset="0"/>
+                <a:cs typeface="Times New Roman" panose="02020603050405020304" pitchFamily="18" charset="0"/>
+              </a:rPr>
+              <a:t>Nội</a:t>
+            </a:r>
+            <a:r>
+              <a:rPr lang="en-US" sz="4000" dirty="0" smtClean="0">
+                <a:latin typeface="Times New Roman" panose="02020603050405020304" pitchFamily="18" charset="0"/>
+                <a:cs typeface="Times New Roman" panose="02020603050405020304" pitchFamily="18" charset="0"/>
+              </a:rPr>
+              <a:t> dung </a:t>
+            </a:r>
+            <a:r>
+              <a:rPr lang="en-US" sz="4000" dirty="0" err="1" smtClean="0">
+                <a:latin typeface="Times New Roman" panose="02020603050405020304" pitchFamily="18" charset="0"/>
+                <a:cs typeface="Times New Roman" panose="02020603050405020304" pitchFamily="18" charset="0"/>
+              </a:rPr>
+              <a:t>thực</a:t>
+            </a:r>
+            <a:r>
+              <a:rPr lang="en-US" sz="4000" dirty="0" smtClean="0">
+                <a:latin typeface="Times New Roman" panose="02020603050405020304" pitchFamily="18" charset="0"/>
+                <a:cs typeface="Times New Roman" panose="02020603050405020304" pitchFamily="18" charset="0"/>
+              </a:rPr>
+              <a:t> </a:t>
+            </a:r>
+            <a:r>
+              <a:rPr lang="en-US" sz="4000" dirty="0" err="1" smtClean="0">
+                <a:latin typeface="Times New Roman" panose="02020603050405020304" pitchFamily="18" charset="0"/>
+                <a:cs typeface="Times New Roman" panose="02020603050405020304" pitchFamily="18" charset="0"/>
+              </a:rPr>
+              <a:t>hiện</a:t>
+            </a:r>
+            <a:endParaRPr lang="en-US" sz="4000" dirty="0" smtClean="0">
+              <a:latin typeface="Times New Roman" panose="02020603050405020304" pitchFamily="18" charset="0"/>
+              <a:cs typeface="Times New Roman" panose="02020603050405020304" pitchFamily="18" charset="0"/>
+            </a:endParaRPr>
+          </a:p>
+          <a:p>
+            <a:r>
+              <a:rPr lang="en-US" sz="4000" dirty="0" err="1" smtClean="0">
+                <a:latin typeface="Times New Roman" panose="02020603050405020304" pitchFamily="18" charset="0"/>
+                <a:cs typeface="Times New Roman" panose="02020603050405020304" pitchFamily="18" charset="0"/>
+              </a:rPr>
+              <a:t>Kết</a:t>
+            </a:r>
+            <a:r>
+              <a:rPr lang="en-US" sz="4000" dirty="0" smtClean="0">
+                <a:latin typeface="Times New Roman" panose="02020603050405020304" pitchFamily="18" charset="0"/>
+                <a:cs typeface="Times New Roman" panose="02020603050405020304" pitchFamily="18" charset="0"/>
+              </a:rPr>
+              <a:t> </a:t>
+            </a:r>
+            <a:r>
+              <a:rPr lang="en-US" sz="4000" dirty="0" err="1" smtClean="0">
+                <a:latin typeface="Times New Roman" panose="02020603050405020304" pitchFamily="18" charset="0"/>
+                <a:cs typeface="Times New Roman" panose="02020603050405020304" pitchFamily="18" charset="0"/>
+              </a:rPr>
+              <a:t>luận</a:t>
+            </a:r>
+            <a:endParaRPr lang="en-US" sz="4000" dirty="0">
+              <a:latin typeface="Times New Roman" panose="02020603050405020304" pitchFamily="18" charset="0"/>
+              <a:cs typeface="Times New Roman" panose="02020603050405020304" pitchFamily="18" charset="0"/>
+            </a:endParaRPr>
+          </a:p>
+        </p:txBody>
+      </p:sp>
+      <p:sp>
+        <p:nvSpPr>
+          <p:cNvPr id="4" name="Footer Placeholder 3"/>
+          <p:cNvSpPr>
+            <a:spLocks noGrp="1"/>
+          </p:cNvSpPr>
+          <p:nvPr>
+            <p:ph type="ftr" sz="quarter" idx="11"/>
+          </p:nvPr>
+        </p:nvSpPr>
+        <p:spPr/>
+        <p:txBody>
           <a:bodyPr/>
           <a:lstStyle/>
           <a:p>
+            <a:r>
+              <a:rPr lang="en-US" dirty="0" err="1" smtClean="0"/>
+              <a:t>Nhóm</a:t>
+            </a:r>
+            <a:r>
+              <a:rPr lang="en-US" dirty="0" smtClean="0"/>
+              <a:t> 39 - </a:t>
+            </a:r>
+            <a:r>
+              <a:rPr lang="en-US" dirty="0" err="1" smtClean="0"/>
+              <a:t>Tìm</a:t>
+            </a:r>
+            <a:r>
+              <a:rPr lang="en-US" dirty="0" smtClean="0"/>
+              <a:t> </a:t>
+            </a:r>
+            <a:r>
+              <a:rPr lang="en-US" dirty="0" err="1" smtClean="0"/>
+              <a:t>Hiểu</a:t>
+            </a:r>
+            <a:r>
+              <a:rPr lang="en-US" dirty="0" smtClean="0"/>
+              <a:t> </a:t>
+            </a:r>
+            <a:r>
+              <a:rPr lang="en-US" dirty="0" err="1" smtClean="0"/>
+              <a:t>Công</a:t>
+            </a:r>
+            <a:r>
+              <a:rPr lang="en-US" dirty="0" smtClean="0"/>
+              <a:t> </a:t>
+            </a:r>
+            <a:r>
+              <a:rPr lang="en-US" dirty="0" err="1" smtClean="0"/>
+              <a:t>Nghệ</a:t>
+            </a:r>
+            <a:r>
+              <a:rPr lang="en-US" dirty="0" smtClean="0"/>
+              <a:t> WPF </a:t>
+            </a:r>
+            <a:r>
+              <a:rPr lang="en-US" dirty="0" err="1" smtClean="0"/>
+              <a:t>Và</a:t>
+            </a:r>
+            <a:r>
+              <a:rPr lang="en-US" dirty="0" smtClean="0"/>
+              <a:t> </a:t>
+            </a:r>
+            <a:r>
+              <a:rPr lang="en-US" dirty="0" err="1" smtClean="0"/>
+              <a:t>Viết</a:t>
+            </a:r>
+            <a:r>
+              <a:rPr lang="en-US" dirty="0" smtClean="0"/>
+              <a:t> </a:t>
+            </a:r>
+            <a:r>
+              <a:rPr lang="en-US" dirty="0" err="1" smtClean="0"/>
+              <a:t>Ứng</a:t>
+            </a:r>
+            <a:r>
+              <a:rPr lang="en-US" dirty="0" smtClean="0"/>
+              <a:t> </a:t>
+            </a:r>
+            <a:r>
+              <a:rPr lang="en-US" dirty="0" err="1" smtClean="0"/>
+              <a:t>Dụng</a:t>
+            </a:r>
+            <a:r>
+              <a:rPr lang="en-US" dirty="0" smtClean="0"/>
+              <a:t> </a:t>
+            </a:r>
+            <a:r>
+              <a:rPr lang="en-US" dirty="0" err="1" smtClean="0"/>
+              <a:t>Học</a:t>
+            </a:r>
+            <a:r>
+              <a:rPr lang="en-US" dirty="0" smtClean="0"/>
+              <a:t> </a:t>
+            </a:r>
+            <a:r>
+              <a:rPr lang="en-US" dirty="0" err="1" smtClean="0"/>
+              <a:t>Tiếng</a:t>
+            </a:r>
+            <a:r>
+              <a:rPr lang="en-US" dirty="0" smtClean="0"/>
+              <a:t> </a:t>
+            </a:r>
+            <a:r>
+              <a:rPr lang="en-US" dirty="0" err="1" smtClean="0"/>
+              <a:t>Anh</a:t>
+            </a:r>
+            <a:r>
+              <a:rPr lang="en-US" dirty="0" smtClean="0"/>
+              <a:t> Cho </a:t>
+            </a:r>
+            <a:r>
+              <a:rPr lang="en-US" dirty="0" err="1" smtClean="0"/>
+              <a:t>Trẻ</a:t>
+            </a:r>
+            <a:r>
+              <a:rPr lang="en-US" dirty="0" smtClean="0"/>
+              <a:t> </a:t>
+            </a:r>
+            <a:r>
+              <a:rPr lang="en-US" dirty="0" err="1" smtClean="0"/>
+              <a:t>Em</a:t>
+            </a:r>
             <a:endParaRPr lang="en-US" dirty="0"/>
           </a:p>
         </p:txBody>
       </p:sp>
       <p:sp>
         <p:nvSpPr>
-          <p:cNvPr id="3" name="Content Placeholder 2"/>
-          <p:cNvSpPr>
-            <a:spLocks noGrp="1"/>
-          </p:cNvSpPr>
-          <p:nvPr>
-            <p:ph idx="1"/>
+          <p:cNvPr id="5" name="Slide Number Placeholder 4"/>
+          <p:cNvSpPr>
+            <a:spLocks noGrp="1"/>
+          </p:cNvSpPr>
+          <p:nvPr>
+            <p:ph type="sldNum" sz="quarter" idx="12"/>
           </p:nvPr>
         </p:nvSpPr>
         <p:spPr/>
@@ -6247,7 +10688,11 @@
           <a:bodyPr/>
           <a:lstStyle/>
           <a:p>
-            <a:endParaRPr lang="en-US"/>
+            <a:fld id="{A47909FA-8428-4BA7-99A7-864F51E2F064}" type="slidenum">
+              <a:rPr lang="en-US" smtClean="0"/>
+              <a:t>2</a:t>
+            </a:fld>
+            <a:endParaRPr lang="en-US" dirty="0"/>
           </a:p>
         </p:txBody>
       </p:sp>
@@ -6261,6 +10706,2680 @@
   <p:clrMapOvr>
     <a:masterClrMapping/>
   </p:clrMapOvr>
+  <p:timing>
+    <p:tnLst>
+      <p:par>
+        <p:cTn id="1" dur="indefinite" restart="never" nodeType="tmRoot"/>
+      </p:par>
+    </p:tnLst>
+  </p:timing>
+</p:sld>
+</file>
+
+<file path=ppt/slides/slide3.xml><?xml version="1.0" encoding="utf-8"?>
+<p:sld xmlns:a="http://schemas.openxmlformats.org/drawingml/2006/main" xmlns:r="http://schemas.openxmlformats.org/officeDocument/2006/relationships" xmlns:p="http://schemas.openxmlformats.org/presentationml/2006/main">
+  <p:cSld>
+    <p:spTree>
+      <p:nvGrpSpPr>
+        <p:cNvPr id="1" name=""/>
+        <p:cNvGrpSpPr/>
+        <p:nvPr/>
+      </p:nvGrpSpPr>
+      <p:grpSpPr>
+        <a:xfrm>
+          <a:off x="0" y="0"/>
+          <a:ext cx="0" cy="0"/>
+          <a:chOff x="0" y="0"/>
+          <a:chExt cx="0" cy="0"/>
+        </a:xfrm>
+      </p:grpSpPr>
+      <p:sp>
+        <p:nvSpPr>
+          <p:cNvPr id="2" name="Title 1"/>
+          <p:cNvSpPr>
+            <a:spLocks noGrp="1"/>
+          </p:cNvSpPr>
+          <p:nvPr>
+            <p:ph type="title"/>
+          </p:nvPr>
+        </p:nvSpPr>
+        <p:spPr/>
+        <p:txBody>
+          <a:bodyPr>
+            <a:normAutofit/>
+          </a:bodyPr>
+          <a:lstStyle/>
+          <a:p>
+            <a:r>
+              <a:rPr lang="en-US" sz="4800" b="1" dirty="0" smtClean="0">
+                <a:latin typeface="Times New Roman" panose="02020603050405020304" pitchFamily="18" charset="0"/>
+                <a:cs typeface="Times New Roman" panose="02020603050405020304" pitchFamily="18" charset="0"/>
+              </a:rPr>
+              <a:t>I. TỔNG </a:t>
+            </a:r>
+            <a:r>
+              <a:rPr lang="en-US" sz="4800" b="1" dirty="0" smtClean="0">
+                <a:latin typeface="Times New Roman" panose="02020603050405020304" pitchFamily="18" charset="0"/>
+                <a:cs typeface="Times New Roman" panose="02020603050405020304" pitchFamily="18" charset="0"/>
+              </a:rPr>
+              <a:t>QUAN ĐỀ TÀI</a:t>
+            </a:r>
+            <a:endParaRPr lang="en-US" sz="4800" b="1" dirty="0">
+              <a:latin typeface="Times New Roman" panose="02020603050405020304" pitchFamily="18" charset="0"/>
+              <a:cs typeface="Times New Roman" panose="02020603050405020304" pitchFamily="18" charset="0"/>
+            </a:endParaRPr>
+          </a:p>
+        </p:txBody>
+      </p:sp>
+      <p:sp>
+        <p:nvSpPr>
+          <p:cNvPr id="3" name="Content Placeholder 2"/>
+          <p:cNvSpPr>
+            <a:spLocks noGrp="1"/>
+          </p:cNvSpPr>
+          <p:nvPr>
+            <p:ph idx="1"/>
+          </p:nvPr>
+        </p:nvSpPr>
+        <p:spPr>
+          <a:xfrm>
+            <a:off x="677334" y="1779589"/>
+            <a:ext cx="8707966" cy="4697411"/>
+          </a:xfrm>
+        </p:spPr>
+        <p:txBody>
+          <a:bodyPr>
+            <a:normAutofit/>
+          </a:bodyPr>
+          <a:lstStyle/>
+          <a:p>
+            <a:r>
+              <a:rPr lang="en-US" sz="2400" dirty="0" err="1" smtClean="0">
+                <a:latin typeface="Times New Roman" panose="02020603050405020304" pitchFamily="18" charset="0"/>
+                <a:cs typeface="Times New Roman" panose="02020603050405020304" pitchFamily="18" charset="0"/>
+              </a:rPr>
+              <a:t>Lý</a:t>
+            </a:r>
+            <a:r>
+              <a:rPr lang="en-US" sz="2400" dirty="0" smtClean="0">
+                <a:latin typeface="Times New Roman" panose="02020603050405020304" pitchFamily="18" charset="0"/>
+                <a:cs typeface="Times New Roman" panose="02020603050405020304" pitchFamily="18" charset="0"/>
+              </a:rPr>
+              <a:t> Do </a:t>
+            </a:r>
+            <a:r>
+              <a:rPr lang="en-US" sz="2400" dirty="0" err="1" smtClean="0">
+                <a:latin typeface="Times New Roman" panose="02020603050405020304" pitchFamily="18" charset="0"/>
+                <a:cs typeface="Times New Roman" panose="02020603050405020304" pitchFamily="18" charset="0"/>
+              </a:rPr>
+              <a:t>Chọn</a:t>
+            </a:r>
+            <a:r>
+              <a:rPr lang="en-US" sz="2400" dirty="0" smtClean="0">
+                <a:latin typeface="Times New Roman" panose="02020603050405020304" pitchFamily="18" charset="0"/>
+                <a:cs typeface="Times New Roman" panose="02020603050405020304" pitchFamily="18" charset="0"/>
+              </a:rPr>
+              <a:t> </a:t>
+            </a:r>
+            <a:r>
+              <a:rPr lang="en-US" sz="2400" dirty="0" err="1" smtClean="0">
+                <a:latin typeface="Times New Roman" panose="02020603050405020304" pitchFamily="18" charset="0"/>
+                <a:cs typeface="Times New Roman" panose="02020603050405020304" pitchFamily="18" charset="0"/>
+              </a:rPr>
+              <a:t>Đề</a:t>
+            </a:r>
+            <a:r>
+              <a:rPr lang="en-US" sz="2400" dirty="0" smtClean="0">
+                <a:latin typeface="Times New Roman" panose="02020603050405020304" pitchFamily="18" charset="0"/>
+                <a:cs typeface="Times New Roman" panose="02020603050405020304" pitchFamily="18" charset="0"/>
+              </a:rPr>
+              <a:t> </a:t>
+            </a:r>
+            <a:r>
+              <a:rPr lang="en-US" sz="2400" dirty="0" err="1" smtClean="0">
+                <a:latin typeface="Times New Roman" panose="02020603050405020304" pitchFamily="18" charset="0"/>
+                <a:cs typeface="Times New Roman" panose="02020603050405020304" pitchFamily="18" charset="0"/>
+              </a:rPr>
+              <a:t>Tài</a:t>
+            </a:r>
+            <a:r>
+              <a:rPr lang="en-US" sz="2400" dirty="0" smtClean="0">
+                <a:latin typeface="Times New Roman" panose="02020603050405020304" pitchFamily="18" charset="0"/>
+                <a:cs typeface="Times New Roman" panose="02020603050405020304" pitchFamily="18" charset="0"/>
+              </a:rPr>
+              <a:t>:</a:t>
+            </a:r>
+          </a:p>
+          <a:p>
+            <a:r>
+              <a:rPr lang="en-US" sz="2400" dirty="0" err="1" smtClean="0">
+                <a:latin typeface="Times New Roman" panose="02020603050405020304" pitchFamily="18" charset="0"/>
+                <a:cs typeface="Times New Roman" panose="02020603050405020304" pitchFamily="18" charset="0"/>
+              </a:rPr>
+              <a:t>Mục</a:t>
+            </a:r>
+            <a:r>
+              <a:rPr lang="en-US" sz="2400" dirty="0" smtClean="0">
+                <a:latin typeface="Times New Roman" panose="02020603050405020304" pitchFamily="18" charset="0"/>
+                <a:cs typeface="Times New Roman" panose="02020603050405020304" pitchFamily="18" charset="0"/>
+              </a:rPr>
+              <a:t> </a:t>
+            </a:r>
+            <a:r>
+              <a:rPr lang="en-US" sz="2400" dirty="0" err="1" smtClean="0">
+                <a:latin typeface="Times New Roman" panose="02020603050405020304" pitchFamily="18" charset="0"/>
+                <a:cs typeface="Times New Roman" panose="02020603050405020304" pitchFamily="18" charset="0"/>
+              </a:rPr>
+              <a:t>Tiêu</a:t>
+            </a:r>
+            <a:r>
+              <a:rPr lang="en-US" sz="2400" dirty="0" smtClean="0">
+                <a:latin typeface="Times New Roman" panose="02020603050405020304" pitchFamily="18" charset="0"/>
+                <a:cs typeface="Times New Roman" panose="02020603050405020304" pitchFamily="18" charset="0"/>
+              </a:rPr>
+              <a:t> </a:t>
+            </a:r>
+            <a:r>
+              <a:rPr lang="en-US" sz="2400" dirty="0" err="1" smtClean="0">
+                <a:latin typeface="Times New Roman" panose="02020603050405020304" pitchFamily="18" charset="0"/>
+                <a:cs typeface="Times New Roman" panose="02020603050405020304" pitchFamily="18" charset="0"/>
+              </a:rPr>
+              <a:t>Đề</a:t>
+            </a:r>
+            <a:r>
+              <a:rPr lang="en-US" sz="2400" dirty="0" smtClean="0">
+                <a:latin typeface="Times New Roman" panose="02020603050405020304" pitchFamily="18" charset="0"/>
+                <a:cs typeface="Times New Roman" panose="02020603050405020304" pitchFamily="18" charset="0"/>
+              </a:rPr>
+              <a:t> </a:t>
+            </a:r>
+            <a:r>
+              <a:rPr lang="en-US" sz="2400" dirty="0" err="1" smtClean="0">
+                <a:latin typeface="Times New Roman" panose="02020603050405020304" pitchFamily="18" charset="0"/>
+                <a:cs typeface="Times New Roman" panose="02020603050405020304" pitchFamily="18" charset="0"/>
+              </a:rPr>
+              <a:t>Tài</a:t>
+            </a:r>
+            <a:r>
+              <a:rPr lang="en-US" sz="2400" dirty="0" smtClean="0">
+                <a:latin typeface="Times New Roman" panose="02020603050405020304" pitchFamily="18" charset="0"/>
+                <a:cs typeface="Times New Roman" panose="02020603050405020304" pitchFamily="18" charset="0"/>
+              </a:rPr>
+              <a:t>:</a:t>
+            </a:r>
+          </a:p>
+          <a:p>
+            <a:pPr lvl="1"/>
+            <a:r>
+              <a:rPr lang="en-US" sz="2000" dirty="0" err="1" smtClean="0">
+                <a:latin typeface="Times New Roman" panose="02020603050405020304" pitchFamily="18" charset="0"/>
+                <a:cs typeface="Times New Roman" panose="02020603050405020304" pitchFamily="18" charset="0"/>
+              </a:rPr>
+              <a:t>Tìm</a:t>
+            </a:r>
+            <a:r>
+              <a:rPr lang="en-US" sz="2000" dirty="0" smtClean="0">
+                <a:latin typeface="Times New Roman" panose="02020603050405020304" pitchFamily="18" charset="0"/>
+                <a:cs typeface="Times New Roman" panose="02020603050405020304" pitchFamily="18" charset="0"/>
+              </a:rPr>
+              <a:t> </a:t>
+            </a:r>
+            <a:r>
+              <a:rPr lang="en-US" sz="2000" dirty="0" err="1" smtClean="0">
+                <a:latin typeface="Times New Roman" panose="02020603050405020304" pitchFamily="18" charset="0"/>
+                <a:cs typeface="Times New Roman" panose="02020603050405020304" pitchFamily="18" charset="0"/>
+              </a:rPr>
+              <a:t>hiểu</a:t>
+            </a:r>
+            <a:r>
+              <a:rPr lang="en-US" sz="2000" dirty="0" smtClean="0">
+                <a:latin typeface="Times New Roman" panose="02020603050405020304" pitchFamily="18" charset="0"/>
+                <a:cs typeface="Times New Roman" panose="02020603050405020304" pitchFamily="18" charset="0"/>
+              </a:rPr>
+              <a:t> </a:t>
+            </a:r>
+            <a:r>
+              <a:rPr lang="en-US" sz="2000" dirty="0" err="1" smtClean="0">
+                <a:latin typeface="Times New Roman" panose="02020603050405020304" pitchFamily="18" charset="0"/>
+                <a:cs typeface="Times New Roman" panose="02020603050405020304" pitchFamily="18" charset="0"/>
+              </a:rPr>
+              <a:t>công</a:t>
+            </a:r>
+            <a:r>
+              <a:rPr lang="en-US" sz="2000" dirty="0" smtClean="0">
+                <a:latin typeface="Times New Roman" panose="02020603050405020304" pitchFamily="18" charset="0"/>
+                <a:cs typeface="Times New Roman" panose="02020603050405020304" pitchFamily="18" charset="0"/>
+              </a:rPr>
+              <a:t> </a:t>
+            </a:r>
+            <a:r>
+              <a:rPr lang="en-US" sz="2000" dirty="0" err="1" smtClean="0">
+                <a:latin typeface="Times New Roman" panose="02020603050405020304" pitchFamily="18" charset="0"/>
+                <a:cs typeface="Times New Roman" panose="02020603050405020304" pitchFamily="18" charset="0"/>
+              </a:rPr>
+              <a:t>nghệ</a:t>
+            </a:r>
+            <a:r>
+              <a:rPr lang="en-US" sz="2000" dirty="0" smtClean="0">
+                <a:latin typeface="Times New Roman" panose="02020603050405020304" pitchFamily="18" charset="0"/>
+                <a:cs typeface="Times New Roman" panose="02020603050405020304" pitchFamily="18" charset="0"/>
+              </a:rPr>
+              <a:t> </a:t>
+            </a:r>
+            <a:r>
+              <a:rPr lang="en-US" sz="2000" dirty="0" err="1" smtClean="0">
+                <a:latin typeface="Times New Roman" panose="02020603050405020304" pitchFamily="18" charset="0"/>
+                <a:cs typeface="Times New Roman" panose="02020603050405020304" pitchFamily="18" charset="0"/>
+              </a:rPr>
+              <a:t>wpf</a:t>
+            </a:r>
+            <a:endParaRPr lang="en-US" sz="2000" dirty="0">
+              <a:latin typeface="Times New Roman" panose="02020603050405020304" pitchFamily="18" charset="0"/>
+              <a:cs typeface="Times New Roman" panose="02020603050405020304" pitchFamily="18" charset="0"/>
+            </a:endParaRPr>
+          </a:p>
+          <a:p>
+            <a:pPr lvl="1"/>
+            <a:r>
+              <a:rPr lang="en-US" sz="2000" dirty="0" err="1" smtClean="0">
+                <a:latin typeface="Times New Roman" panose="02020603050405020304" pitchFamily="18" charset="0"/>
+                <a:cs typeface="Times New Roman" panose="02020603050405020304" pitchFamily="18" charset="0"/>
+              </a:rPr>
+              <a:t>Hiện</a:t>
+            </a:r>
+            <a:r>
+              <a:rPr lang="en-US" sz="2000" dirty="0" smtClean="0">
+                <a:latin typeface="Times New Roman" panose="02020603050405020304" pitchFamily="18" charset="0"/>
+                <a:cs typeface="Times New Roman" panose="02020603050405020304" pitchFamily="18" charset="0"/>
+              </a:rPr>
+              <a:t> </a:t>
+            </a:r>
+            <a:r>
+              <a:rPr lang="en-US" sz="2000" dirty="0" err="1" smtClean="0">
+                <a:latin typeface="Times New Roman" panose="02020603050405020304" pitchFamily="18" charset="0"/>
+                <a:cs typeface="Times New Roman" panose="02020603050405020304" pitchFamily="18" charset="0"/>
+              </a:rPr>
+              <a:t>thực</a:t>
+            </a:r>
+            <a:r>
+              <a:rPr lang="en-US" sz="2000" dirty="0" smtClean="0">
+                <a:latin typeface="Times New Roman" panose="02020603050405020304" pitchFamily="18" charset="0"/>
+                <a:cs typeface="Times New Roman" panose="02020603050405020304" pitchFamily="18" charset="0"/>
+              </a:rPr>
+              <a:t> </a:t>
+            </a:r>
+            <a:r>
+              <a:rPr lang="en-US" sz="2000" dirty="0" err="1" smtClean="0">
+                <a:latin typeface="Times New Roman" panose="02020603050405020304" pitchFamily="18" charset="0"/>
+                <a:cs typeface="Times New Roman" panose="02020603050405020304" pitchFamily="18" charset="0"/>
+              </a:rPr>
+              <a:t>một</a:t>
+            </a:r>
+            <a:r>
+              <a:rPr lang="en-US" sz="2000" dirty="0" smtClean="0">
+                <a:latin typeface="Times New Roman" panose="02020603050405020304" pitchFamily="18" charset="0"/>
+                <a:cs typeface="Times New Roman" panose="02020603050405020304" pitchFamily="18" charset="0"/>
+              </a:rPr>
+              <a:t> </a:t>
+            </a:r>
+            <a:r>
+              <a:rPr lang="en-US" sz="2000" dirty="0" err="1" smtClean="0">
+                <a:latin typeface="Times New Roman" panose="02020603050405020304" pitchFamily="18" charset="0"/>
+                <a:cs typeface="Times New Roman" panose="02020603050405020304" pitchFamily="18" charset="0"/>
+              </a:rPr>
+              <a:t>ứng</a:t>
+            </a:r>
+            <a:r>
+              <a:rPr lang="en-US" sz="2000" dirty="0" smtClean="0">
+                <a:latin typeface="Times New Roman" panose="02020603050405020304" pitchFamily="18" charset="0"/>
+                <a:cs typeface="Times New Roman" panose="02020603050405020304" pitchFamily="18" charset="0"/>
+              </a:rPr>
+              <a:t> </a:t>
+            </a:r>
+            <a:r>
+              <a:rPr lang="en-US" sz="2000" dirty="0" err="1" smtClean="0">
+                <a:latin typeface="Times New Roman" panose="02020603050405020304" pitchFamily="18" charset="0"/>
+                <a:cs typeface="Times New Roman" panose="02020603050405020304" pitchFamily="18" charset="0"/>
+              </a:rPr>
+              <a:t>dụng</a:t>
+            </a:r>
+            <a:r>
+              <a:rPr lang="en-US" sz="2000" dirty="0" smtClean="0">
+                <a:latin typeface="Times New Roman" panose="02020603050405020304" pitchFamily="18" charset="0"/>
+                <a:cs typeface="Times New Roman" panose="02020603050405020304" pitchFamily="18" charset="0"/>
+              </a:rPr>
+              <a:t> </a:t>
+            </a:r>
+            <a:r>
+              <a:rPr lang="en-US" sz="2000" dirty="0" err="1" smtClean="0">
+                <a:latin typeface="Times New Roman" panose="02020603050405020304" pitchFamily="18" charset="0"/>
+                <a:cs typeface="Times New Roman" panose="02020603050405020304" pitchFamily="18" charset="0"/>
+              </a:rPr>
+              <a:t>học</a:t>
+            </a:r>
+            <a:r>
+              <a:rPr lang="en-US" sz="2000" dirty="0" smtClean="0">
+                <a:latin typeface="Times New Roman" panose="02020603050405020304" pitchFamily="18" charset="0"/>
+                <a:cs typeface="Times New Roman" panose="02020603050405020304" pitchFamily="18" charset="0"/>
+              </a:rPr>
+              <a:t> </a:t>
+            </a:r>
+            <a:r>
+              <a:rPr lang="en-US" sz="2000" dirty="0" err="1" smtClean="0">
+                <a:latin typeface="Times New Roman" panose="02020603050405020304" pitchFamily="18" charset="0"/>
+                <a:cs typeface="Times New Roman" panose="02020603050405020304" pitchFamily="18" charset="0"/>
+              </a:rPr>
+              <a:t>tiếng</a:t>
+            </a:r>
+            <a:r>
+              <a:rPr lang="en-US" sz="2000" dirty="0" smtClean="0">
+                <a:latin typeface="Times New Roman" panose="02020603050405020304" pitchFamily="18" charset="0"/>
+                <a:cs typeface="Times New Roman" panose="02020603050405020304" pitchFamily="18" charset="0"/>
+              </a:rPr>
+              <a:t> </a:t>
+            </a:r>
+            <a:r>
+              <a:rPr lang="en-US" sz="2000" dirty="0" err="1" smtClean="0">
+                <a:latin typeface="Times New Roman" panose="02020603050405020304" pitchFamily="18" charset="0"/>
+                <a:cs typeface="Times New Roman" panose="02020603050405020304" pitchFamily="18" charset="0"/>
+              </a:rPr>
+              <a:t>anh</a:t>
+            </a:r>
+            <a:r>
+              <a:rPr lang="en-US" sz="2000" dirty="0" smtClean="0">
+                <a:latin typeface="Times New Roman" panose="02020603050405020304" pitchFamily="18" charset="0"/>
+                <a:cs typeface="Times New Roman" panose="02020603050405020304" pitchFamily="18" charset="0"/>
+              </a:rPr>
+              <a:t> </a:t>
+            </a:r>
+            <a:r>
+              <a:rPr lang="en-US" sz="2000" dirty="0" err="1" smtClean="0">
+                <a:latin typeface="Times New Roman" panose="02020603050405020304" pitchFamily="18" charset="0"/>
+                <a:cs typeface="Times New Roman" panose="02020603050405020304" pitchFamily="18" charset="0"/>
+              </a:rPr>
+              <a:t>cho</a:t>
+            </a:r>
+            <a:r>
+              <a:rPr lang="en-US" sz="2000" dirty="0" smtClean="0">
+                <a:latin typeface="Times New Roman" panose="02020603050405020304" pitchFamily="18" charset="0"/>
+                <a:cs typeface="Times New Roman" panose="02020603050405020304" pitchFamily="18" charset="0"/>
+              </a:rPr>
+              <a:t> </a:t>
+            </a:r>
+            <a:r>
+              <a:rPr lang="en-US" sz="2000" dirty="0" err="1" smtClean="0">
+                <a:latin typeface="Times New Roman" panose="02020603050405020304" pitchFamily="18" charset="0"/>
+                <a:cs typeface="Times New Roman" panose="02020603050405020304" pitchFamily="18" charset="0"/>
+              </a:rPr>
+              <a:t>trẻ</a:t>
+            </a:r>
+            <a:r>
+              <a:rPr lang="en-US" sz="2000" dirty="0" smtClean="0">
+                <a:latin typeface="Times New Roman" panose="02020603050405020304" pitchFamily="18" charset="0"/>
+                <a:cs typeface="Times New Roman" panose="02020603050405020304" pitchFamily="18" charset="0"/>
+              </a:rPr>
+              <a:t> </a:t>
+            </a:r>
+            <a:r>
+              <a:rPr lang="en-US" sz="2000" dirty="0" err="1" smtClean="0">
+                <a:latin typeface="Times New Roman" panose="02020603050405020304" pitchFamily="18" charset="0"/>
+                <a:cs typeface="Times New Roman" panose="02020603050405020304" pitchFamily="18" charset="0"/>
+              </a:rPr>
+              <a:t>em</a:t>
+            </a:r>
+            <a:r>
+              <a:rPr lang="en-US" sz="2000" dirty="0" smtClean="0">
+                <a:latin typeface="Times New Roman" panose="02020603050405020304" pitchFamily="18" charset="0"/>
+                <a:cs typeface="Times New Roman" panose="02020603050405020304" pitchFamily="18" charset="0"/>
+              </a:rPr>
+              <a:t>.</a:t>
+            </a:r>
+          </a:p>
+          <a:p>
+            <a:r>
+              <a:rPr lang="en-US" sz="2400" dirty="0" err="1" smtClean="0">
+                <a:latin typeface="Times New Roman" panose="02020603050405020304" pitchFamily="18" charset="0"/>
+                <a:cs typeface="Times New Roman" panose="02020603050405020304" pitchFamily="18" charset="0"/>
+              </a:rPr>
+              <a:t>Phạm</a:t>
+            </a:r>
+            <a:r>
+              <a:rPr lang="en-US" sz="2400" dirty="0" smtClean="0">
+                <a:latin typeface="Times New Roman" panose="02020603050405020304" pitchFamily="18" charset="0"/>
+                <a:cs typeface="Times New Roman" panose="02020603050405020304" pitchFamily="18" charset="0"/>
+              </a:rPr>
+              <a:t> Vi </a:t>
+            </a:r>
+            <a:r>
+              <a:rPr lang="en-US" sz="2400" dirty="0" err="1" smtClean="0">
+                <a:latin typeface="Times New Roman" panose="02020603050405020304" pitchFamily="18" charset="0"/>
+                <a:cs typeface="Times New Roman" panose="02020603050405020304" pitchFamily="18" charset="0"/>
+              </a:rPr>
+              <a:t>Đề</a:t>
+            </a:r>
+            <a:r>
+              <a:rPr lang="en-US" sz="2400" dirty="0" smtClean="0">
+                <a:latin typeface="Times New Roman" panose="02020603050405020304" pitchFamily="18" charset="0"/>
+                <a:cs typeface="Times New Roman" panose="02020603050405020304" pitchFamily="18" charset="0"/>
+              </a:rPr>
+              <a:t> </a:t>
+            </a:r>
+            <a:r>
+              <a:rPr lang="en-US" sz="2400" dirty="0" err="1" smtClean="0">
+                <a:latin typeface="Times New Roman" panose="02020603050405020304" pitchFamily="18" charset="0"/>
+                <a:cs typeface="Times New Roman" panose="02020603050405020304" pitchFamily="18" charset="0"/>
+              </a:rPr>
+              <a:t>Tài</a:t>
+            </a:r>
+            <a:r>
+              <a:rPr lang="en-US" sz="2400" dirty="0" smtClean="0">
+                <a:latin typeface="Times New Roman" panose="02020603050405020304" pitchFamily="18" charset="0"/>
+                <a:cs typeface="Times New Roman" panose="02020603050405020304" pitchFamily="18" charset="0"/>
+              </a:rPr>
+              <a:t>:</a:t>
+            </a:r>
+          </a:p>
+          <a:p>
+            <a:pPr lvl="1"/>
+            <a:r>
+              <a:rPr lang="en-US" sz="2000" dirty="0" err="1" smtClean="0">
+                <a:latin typeface="Times New Roman" panose="02020603050405020304" pitchFamily="18" charset="0"/>
+                <a:cs typeface="Times New Roman" panose="02020603050405020304" pitchFamily="18" charset="0"/>
+              </a:rPr>
+              <a:t>Nghiên</a:t>
+            </a:r>
+            <a:r>
+              <a:rPr lang="en-US" sz="2000" dirty="0" smtClean="0">
+                <a:latin typeface="Times New Roman" panose="02020603050405020304" pitchFamily="18" charset="0"/>
+                <a:cs typeface="Times New Roman" panose="02020603050405020304" pitchFamily="18" charset="0"/>
+              </a:rPr>
+              <a:t> </a:t>
+            </a:r>
+            <a:r>
+              <a:rPr lang="en-US" sz="2000" dirty="0" err="1" smtClean="0">
+                <a:latin typeface="Times New Roman" panose="02020603050405020304" pitchFamily="18" charset="0"/>
+                <a:cs typeface="Times New Roman" panose="02020603050405020304" pitchFamily="18" charset="0"/>
+              </a:rPr>
+              <a:t>cứu</a:t>
+            </a:r>
+            <a:r>
+              <a:rPr lang="en-US" sz="2000" dirty="0" smtClean="0">
+                <a:latin typeface="Times New Roman" panose="02020603050405020304" pitchFamily="18" charset="0"/>
+                <a:cs typeface="Times New Roman" panose="02020603050405020304" pitchFamily="18" charset="0"/>
+              </a:rPr>
+              <a:t> </a:t>
+            </a:r>
+            <a:r>
+              <a:rPr lang="en-US" sz="2000" dirty="0" err="1" smtClean="0">
+                <a:latin typeface="Times New Roman" panose="02020603050405020304" pitchFamily="18" charset="0"/>
+                <a:cs typeface="Times New Roman" panose="02020603050405020304" pitchFamily="18" charset="0"/>
+              </a:rPr>
+              <a:t>công</a:t>
+            </a:r>
+            <a:r>
+              <a:rPr lang="en-US" sz="2000" dirty="0" smtClean="0">
+                <a:latin typeface="Times New Roman" panose="02020603050405020304" pitchFamily="18" charset="0"/>
+                <a:cs typeface="Times New Roman" panose="02020603050405020304" pitchFamily="18" charset="0"/>
+              </a:rPr>
+              <a:t> </a:t>
+            </a:r>
+            <a:r>
+              <a:rPr lang="en-US" sz="2000" dirty="0" err="1" smtClean="0">
+                <a:latin typeface="Times New Roman" panose="02020603050405020304" pitchFamily="18" charset="0"/>
+                <a:cs typeface="Times New Roman" panose="02020603050405020304" pitchFamily="18" charset="0"/>
+              </a:rPr>
+              <a:t>nghệ</a:t>
+            </a:r>
+            <a:r>
+              <a:rPr lang="en-US" sz="2000" dirty="0" smtClean="0">
+                <a:latin typeface="Times New Roman" panose="02020603050405020304" pitchFamily="18" charset="0"/>
+                <a:cs typeface="Times New Roman" panose="02020603050405020304" pitchFamily="18" charset="0"/>
+              </a:rPr>
+              <a:t> WPF, </a:t>
+            </a:r>
+            <a:r>
+              <a:rPr lang="en-US" sz="2000" dirty="0" err="1" smtClean="0">
+                <a:latin typeface="Times New Roman" panose="02020603050405020304" pitchFamily="18" charset="0"/>
+                <a:cs typeface="Times New Roman" panose="02020603050405020304" pitchFamily="18" charset="0"/>
+              </a:rPr>
+              <a:t>thư</a:t>
+            </a:r>
+            <a:r>
+              <a:rPr lang="en-US" sz="2000" dirty="0" smtClean="0">
+                <a:latin typeface="Times New Roman" panose="02020603050405020304" pitchFamily="18" charset="0"/>
+                <a:cs typeface="Times New Roman" panose="02020603050405020304" pitchFamily="18" charset="0"/>
+              </a:rPr>
+              <a:t> </a:t>
+            </a:r>
+            <a:r>
+              <a:rPr lang="en-US" sz="2000" dirty="0" err="1" smtClean="0">
+                <a:latin typeface="Times New Roman" panose="02020603050405020304" pitchFamily="18" charset="0"/>
+                <a:cs typeface="Times New Roman" panose="02020603050405020304" pitchFamily="18" charset="0"/>
+              </a:rPr>
+              <a:t>viện</a:t>
+            </a:r>
+            <a:r>
+              <a:rPr lang="en-US" sz="2000" dirty="0" smtClean="0">
+                <a:latin typeface="Times New Roman" panose="02020603050405020304" pitchFamily="18" charset="0"/>
+                <a:cs typeface="Times New Roman" panose="02020603050405020304" pitchFamily="18" charset="0"/>
+              </a:rPr>
+              <a:t> </a:t>
+            </a:r>
+            <a:r>
+              <a:rPr lang="en-US" sz="2000" dirty="0" err="1" smtClean="0">
+                <a:latin typeface="Times New Roman" panose="02020603050405020304" pitchFamily="18" charset="0"/>
+                <a:cs typeface="Times New Roman" panose="02020603050405020304" pitchFamily="18" charset="0"/>
+              </a:rPr>
+              <a:t>đồ</a:t>
+            </a:r>
+            <a:r>
+              <a:rPr lang="en-US" sz="2000" dirty="0" smtClean="0">
+                <a:latin typeface="Times New Roman" panose="02020603050405020304" pitchFamily="18" charset="0"/>
+                <a:cs typeface="Times New Roman" panose="02020603050405020304" pitchFamily="18" charset="0"/>
+              </a:rPr>
+              <a:t> </a:t>
+            </a:r>
+            <a:r>
+              <a:rPr lang="en-US" sz="2000" dirty="0" err="1" smtClean="0">
+                <a:latin typeface="Times New Roman" panose="02020603050405020304" pitchFamily="18" charset="0"/>
+                <a:cs typeface="Times New Roman" panose="02020603050405020304" pitchFamily="18" charset="0"/>
+              </a:rPr>
+              <a:t>họa</a:t>
+            </a:r>
+            <a:r>
+              <a:rPr lang="en-US" sz="2000" dirty="0" smtClean="0">
+                <a:latin typeface="Times New Roman" panose="02020603050405020304" pitchFamily="18" charset="0"/>
+                <a:cs typeface="Times New Roman" panose="02020603050405020304" pitchFamily="18" charset="0"/>
+              </a:rPr>
+              <a:t> </a:t>
+            </a:r>
+            <a:r>
+              <a:rPr lang="en-US" sz="2000" dirty="0" err="1" smtClean="0">
+                <a:latin typeface="Times New Roman" panose="02020603050405020304" pitchFamily="18" charset="0"/>
+                <a:cs typeface="Times New Roman" panose="02020603050405020304" pitchFamily="18" charset="0"/>
+              </a:rPr>
+              <a:t>MaterialDesign</a:t>
+            </a:r>
+            <a:r>
+              <a:rPr lang="en-US" sz="2000" dirty="0" smtClean="0">
+                <a:latin typeface="Times New Roman" panose="02020603050405020304" pitchFamily="18" charset="0"/>
+                <a:cs typeface="Times New Roman" panose="02020603050405020304" pitchFamily="18" charset="0"/>
+              </a:rPr>
+              <a:t>…</a:t>
+            </a:r>
+          </a:p>
+          <a:p>
+            <a:pPr lvl="1"/>
+            <a:r>
+              <a:rPr lang="en-US" sz="2000" dirty="0" err="1" smtClean="0">
+                <a:latin typeface="Times New Roman" panose="02020603050405020304" pitchFamily="18" charset="0"/>
+                <a:cs typeface="Times New Roman" panose="02020603050405020304" pitchFamily="18" charset="0"/>
+              </a:rPr>
+              <a:t>Tìm</a:t>
+            </a:r>
+            <a:r>
+              <a:rPr lang="en-US" sz="2000" dirty="0" smtClean="0">
+                <a:latin typeface="Times New Roman" panose="02020603050405020304" pitchFamily="18" charset="0"/>
+                <a:cs typeface="Times New Roman" panose="02020603050405020304" pitchFamily="18" charset="0"/>
+              </a:rPr>
+              <a:t> </a:t>
+            </a:r>
+            <a:r>
+              <a:rPr lang="en-US" sz="2000" dirty="0" err="1" smtClean="0">
+                <a:latin typeface="Times New Roman" panose="02020603050405020304" pitchFamily="18" charset="0"/>
+                <a:cs typeface="Times New Roman" panose="02020603050405020304" pitchFamily="18" charset="0"/>
+              </a:rPr>
+              <a:t>hiểu</a:t>
+            </a:r>
+            <a:r>
+              <a:rPr lang="en-US" sz="2000" dirty="0" smtClean="0">
+                <a:latin typeface="Times New Roman" panose="02020603050405020304" pitchFamily="18" charset="0"/>
+                <a:cs typeface="Times New Roman" panose="02020603050405020304" pitchFamily="18" charset="0"/>
+              </a:rPr>
+              <a:t> </a:t>
+            </a:r>
+            <a:r>
+              <a:rPr lang="en-US" sz="2000" dirty="0" err="1" smtClean="0">
+                <a:latin typeface="Times New Roman" panose="02020603050405020304" pitchFamily="18" charset="0"/>
+                <a:cs typeface="Times New Roman" panose="02020603050405020304" pitchFamily="18" charset="0"/>
+              </a:rPr>
+              <a:t>giáo</a:t>
+            </a:r>
+            <a:r>
+              <a:rPr lang="en-US" sz="2000" dirty="0" smtClean="0">
+                <a:latin typeface="Times New Roman" panose="02020603050405020304" pitchFamily="18" charset="0"/>
+                <a:cs typeface="Times New Roman" panose="02020603050405020304" pitchFamily="18" charset="0"/>
+              </a:rPr>
+              <a:t> </a:t>
+            </a:r>
+            <a:r>
+              <a:rPr lang="en-US" sz="2000" dirty="0" err="1" smtClean="0">
+                <a:latin typeface="Times New Roman" panose="02020603050405020304" pitchFamily="18" charset="0"/>
+                <a:cs typeface="Times New Roman" panose="02020603050405020304" pitchFamily="18" charset="0"/>
+              </a:rPr>
+              <a:t>trình</a:t>
+            </a:r>
+            <a:r>
+              <a:rPr lang="en-US" sz="2000" dirty="0" smtClean="0">
+                <a:latin typeface="Times New Roman" panose="02020603050405020304" pitchFamily="18" charset="0"/>
+                <a:cs typeface="Times New Roman" panose="02020603050405020304" pitchFamily="18" charset="0"/>
+              </a:rPr>
+              <a:t> </a:t>
+            </a:r>
+            <a:r>
+              <a:rPr lang="en-US" sz="2000" dirty="0" err="1" smtClean="0">
+                <a:latin typeface="Times New Roman" panose="02020603050405020304" pitchFamily="18" charset="0"/>
+                <a:cs typeface="Times New Roman" panose="02020603050405020304" pitchFamily="18" charset="0"/>
+              </a:rPr>
+              <a:t>BigFun</a:t>
+            </a:r>
+            <a:r>
+              <a:rPr lang="en-US" sz="2000" dirty="0" smtClean="0">
+                <a:latin typeface="Times New Roman" panose="02020603050405020304" pitchFamily="18" charset="0"/>
+                <a:cs typeface="Times New Roman" panose="02020603050405020304" pitchFamily="18" charset="0"/>
+              </a:rPr>
+              <a:t> </a:t>
+            </a:r>
+            <a:r>
+              <a:rPr lang="en-US" sz="2000" dirty="0" err="1" smtClean="0">
+                <a:latin typeface="Times New Roman" panose="02020603050405020304" pitchFamily="18" charset="0"/>
+                <a:cs typeface="Times New Roman" panose="02020603050405020304" pitchFamily="18" charset="0"/>
+              </a:rPr>
+              <a:t>cấp</a:t>
+            </a:r>
+            <a:r>
+              <a:rPr lang="en-US" sz="2000" dirty="0" smtClean="0">
+                <a:latin typeface="Times New Roman" panose="02020603050405020304" pitchFamily="18" charset="0"/>
+                <a:cs typeface="Times New Roman" panose="02020603050405020304" pitchFamily="18" charset="0"/>
+              </a:rPr>
+              <a:t> </a:t>
+            </a:r>
+            <a:r>
+              <a:rPr lang="en-US" sz="2000" dirty="0" err="1" smtClean="0">
+                <a:latin typeface="Times New Roman" panose="02020603050405020304" pitchFamily="18" charset="0"/>
+                <a:cs typeface="Times New Roman" panose="02020603050405020304" pitchFamily="18" charset="0"/>
+              </a:rPr>
+              <a:t>độ</a:t>
+            </a:r>
+            <a:r>
+              <a:rPr lang="en-US" sz="2000" dirty="0" smtClean="0">
+                <a:latin typeface="Times New Roman" panose="02020603050405020304" pitchFamily="18" charset="0"/>
+                <a:cs typeface="Times New Roman" panose="02020603050405020304" pitchFamily="18" charset="0"/>
+              </a:rPr>
+              <a:t> 1</a:t>
+            </a:r>
+          </a:p>
+          <a:p>
+            <a:pPr lvl="1"/>
+            <a:r>
+              <a:rPr lang="en-US" sz="2000" dirty="0" err="1" smtClean="0">
+                <a:latin typeface="Times New Roman" panose="02020603050405020304" pitchFamily="18" charset="0"/>
+                <a:cs typeface="Times New Roman" panose="02020603050405020304" pitchFamily="18" charset="0"/>
+              </a:rPr>
+              <a:t>Tham</a:t>
+            </a:r>
+            <a:r>
+              <a:rPr lang="en-US" sz="2000" dirty="0" smtClean="0">
+                <a:latin typeface="Times New Roman" panose="02020603050405020304" pitchFamily="18" charset="0"/>
+                <a:cs typeface="Times New Roman" panose="02020603050405020304" pitchFamily="18" charset="0"/>
+              </a:rPr>
+              <a:t> </a:t>
+            </a:r>
+            <a:r>
+              <a:rPr lang="en-US" sz="2000" dirty="0" err="1" smtClean="0">
+                <a:latin typeface="Times New Roman" panose="02020603050405020304" pitchFamily="18" charset="0"/>
+                <a:cs typeface="Times New Roman" panose="02020603050405020304" pitchFamily="18" charset="0"/>
+              </a:rPr>
+              <a:t>khảo</a:t>
+            </a:r>
+            <a:r>
+              <a:rPr lang="en-US" sz="2000" dirty="0" smtClean="0">
+                <a:latin typeface="Times New Roman" panose="02020603050405020304" pitchFamily="18" charset="0"/>
+                <a:cs typeface="Times New Roman" panose="02020603050405020304" pitchFamily="18" charset="0"/>
+              </a:rPr>
+              <a:t> </a:t>
+            </a:r>
+            <a:r>
+              <a:rPr lang="en-US" sz="2000" dirty="0" err="1" smtClean="0">
+                <a:latin typeface="Times New Roman" panose="02020603050405020304" pitchFamily="18" charset="0"/>
+                <a:cs typeface="Times New Roman" panose="02020603050405020304" pitchFamily="18" charset="0"/>
+              </a:rPr>
+              <a:t>một</a:t>
+            </a:r>
+            <a:r>
+              <a:rPr lang="en-US" sz="2000" dirty="0" smtClean="0">
+                <a:latin typeface="Times New Roman" panose="02020603050405020304" pitchFamily="18" charset="0"/>
+                <a:cs typeface="Times New Roman" panose="02020603050405020304" pitchFamily="18" charset="0"/>
+              </a:rPr>
+              <a:t> </a:t>
+            </a:r>
+            <a:r>
+              <a:rPr lang="en-US" sz="2000" dirty="0" err="1" smtClean="0">
+                <a:latin typeface="Times New Roman" panose="02020603050405020304" pitchFamily="18" charset="0"/>
+                <a:cs typeface="Times New Roman" panose="02020603050405020304" pitchFamily="18" charset="0"/>
+              </a:rPr>
+              <a:t>số</a:t>
+            </a:r>
+            <a:r>
+              <a:rPr lang="en-US" sz="2000" dirty="0" smtClean="0">
+                <a:latin typeface="Times New Roman" panose="02020603050405020304" pitchFamily="18" charset="0"/>
+                <a:cs typeface="Times New Roman" panose="02020603050405020304" pitchFamily="18" charset="0"/>
+              </a:rPr>
+              <a:t> </a:t>
+            </a:r>
+            <a:r>
+              <a:rPr lang="en-US" sz="2000" dirty="0" err="1" smtClean="0">
+                <a:latin typeface="Times New Roman" panose="02020603050405020304" pitchFamily="18" charset="0"/>
+                <a:cs typeface="Times New Roman" panose="02020603050405020304" pitchFamily="18" charset="0"/>
+              </a:rPr>
+              <a:t>ứng</a:t>
+            </a:r>
+            <a:r>
+              <a:rPr lang="en-US" sz="2000" dirty="0" smtClean="0">
+                <a:latin typeface="Times New Roman" panose="02020603050405020304" pitchFamily="18" charset="0"/>
+                <a:cs typeface="Times New Roman" panose="02020603050405020304" pitchFamily="18" charset="0"/>
+              </a:rPr>
+              <a:t> </a:t>
+            </a:r>
+            <a:r>
+              <a:rPr lang="en-US" sz="2000" dirty="0" err="1" smtClean="0">
+                <a:latin typeface="Times New Roman" panose="02020603050405020304" pitchFamily="18" charset="0"/>
+                <a:cs typeface="Times New Roman" panose="02020603050405020304" pitchFamily="18" charset="0"/>
+              </a:rPr>
+              <a:t>dụng</a:t>
+            </a:r>
+            <a:r>
+              <a:rPr lang="en-US" sz="2000" dirty="0" smtClean="0">
+                <a:latin typeface="Times New Roman" panose="02020603050405020304" pitchFamily="18" charset="0"/>
+                <a:cs typeface="Times New Roman" panose="02020603050405020304" pitchFamily="18" charset="0"/>
+              </a:rPr>
+              <a:t> </a:t>
+            </a:r>
+            <a:r>
+              <a:rPr lang="en-US" sz="2000" dirty="0" err="1" smtClean="0">
+                <a:latin typeface="Times New Roman" panose="02020603050405020304" pitchFamily="18" charset="0"/>
+                <a:cs typeface="Times New Roman" panose="02020603050405020304" pitchFamily="18" charset="0"/>
+              </a:rPr>
+              <a:t>học</a:t>
+            </a:r>
+            <a:r>
+              <a:rPr lang="en-US" sz="2000" dirty="0" smtClean="0">
+                <a:latin typeface="Times New Roman" panose="02020603050405020304" pitchFamily="18" charset="0"/>
+                <a:cs typeface="Times New Roman" panose="02020603050405020304" pitchFamily="18" charset="0"/>
+              </a:rPr>
+              <a:t> </a:t>
+            </a:r>
+            <a:r>
+              <a:rPr lang="en-US" sz="2000" dirty="0" err="1" smtClean="0">
+                <a:latin typeface="Times New Roman" panose="02020603050405020304" pitchFamily="18" charset="0"/>
+                <a:cs typeface="Times New Roman" panose="02020603050405020304" pitchFamily="18" charset="0"/>
+              </a:rPr>
+              <a:t>tiếng</a:t>
+            </a:r>
+            <a:r>
+              <a:rPr lang="en-US" sz="2000" dirty="0" smtClean="0">
+                <a:latin typeface="Times New Roman" panose="02020603050405020304" pitchFamily="18" charset="0"/>
+                <a:cs typeface="Times New Roman" panose="02020603050405020304" pitchFamily="18" charset="0"/>
+              </a:rPr>
+              <a:t> </a:t>
+            </a:r>
+            <a:r>
+              <a:rPr lang="en-US" sz="2000" dirty="0" err="1" smtClean="0">
+                <a:latin typeface="Times New Roman" panose="02020603050405020304" pitchFamily="18" charset="0"/>
+                <a:cs typeface="Times New Roman" panose="02020603050405020304" pitchFamily="18" charset="0"/>
+              </a:rPr>
+              <a:t>anh</a:t>
+            </a:r>
+            <a:r>
+              <a:rPr lang="en-US" sz="2000" dirty="0" smtClean="0">
+                <a:latin typeface="Times New Roman" panose="02020603050405020304" pitchFamily="18" charset="0"/>
+                <a:cs typeface="Times New Roman" panose="02020603050405020304" pitchFamily="18" charset="0"/>
+              </a:rPr>
+              <a:t> </a:t>
+            </a:r>
+            <a:r>
+              <a:rPr lang="en-US" sz="2000" dirty="0" err="1" smtClean="0">
+                <a:latin typeface="Times New Roman" panose="02020603050405020304" pitchFamily="18" charset="0"/>
+                <a:cs typeface="Times New Roman" panose="02020603050405020304" pitchFamily="18" charset="0"/>
+              </a:rPr>
+              <a:t>cho</a:t>
+            </a:r>
+            <a:r>
+              <a:rPr lang="en-US" sz="2000" dirty="0" smtClean="0">
+                <a:latin typeface="Times New Roman" panose="02020603050405020304" pitchFamily="18" charset="0"/>
+                <a:cs typeface="Times New Roman" panose="02020603050405020304" pitchFamily="18" charset="0"/>
+              </a:rPr>
+              <a:t> </a:t>
+            </a:r>
+            <a:r>
+              <a:rPr lang="en-US" sz="2000" dirty="0" err="1" smtClean="0">
+                <a:latin typeface="Times New Roman" panose="02020603050405020304" pitchFamily="18" charset="0"/>
+                <a:cs typeface="Times New Roman" panose="02020603050405020304" pitchFamily="18" charset="0"/>
+              </a:rPr>
+              <a:t>trẻ</a:t>
+            </a:r>
+            <a:r>
+              <a:rPr lang="en-US" sz="2000" dirty="0" smtClean="0">
+                <a:latin typeface="Times New Roman" panose="02020603050405020304" pitchFamily="18" charset="0"/>
+                <a:cs typeface="Times New Roman" panose="02020603050405020304" pitchFamily="18" charset="0"/>
+              </a:rPr>
+              <a:t> </a:t>
+            </a:r>
+            <a:r>
+              <a:rPr lang="en-US" sz="2000" dirty="0" err="1" smtClean="0">
+                <a:latin typeface="Times New Roman" panose="02020603050405020304" pitchFamily="18" charset="0"/>
+                <a:cs typeface="Times New Roman" panose="02020603050405020304" pitchFamily="18" charset="0"/>
+              </a:rPr>
+              <a:t>em</a:t>
+            </a:r>
+            <a:r>
+              <a:rPr lang="en-US" sz="2000" dirty="0" smtClean="0">
+                <a:latin typeface="Times New Roman" panose="02020603050405020304" pitchFamily="18" charset="0"/>
+                <a:cs typeface="Times New Roman" panose="02020603050405020304" pitchFamily="18" charset="0"/>
+              </a:rPr>
+              <a:t> </a:t>
+            </a:r>
+            <a:r>
+              <a:rPr lang="en-US" sz="2000" dirty="0" err="1" smtClean="0">
+                <a:latin typeface="Times New Roman" panose="02020603050405020304" pitchFamily="18" charset="0"/>
+                <a:cs typeface="Times New Roman" panose="02020603050405020304" pitchFamily="18" charset="0"/>
+              </a:rPr>
+              <a:t>hiện</a:t>
+            </a:r>
+            <a:r>
+              <a:rPr lang="en-US" sz="2000" dirty="0" smtClean="0">
+                <a:latin typeface="Times New Roman" panose="02020603050405020304" pitchFamily="18" charset="0"/>
+                <a:cs typeface="Times New Roman" panose="02020603050405020304" pitchFamily="18" charset="0"/>
+              </a:rPr>
+              <a:t> nay.</a:t>
+            </a:r>
+            <a:endParaRPr lang="en-US" sz="2000" dirty="0" smtClean="0">
+              <a:latin typeface="Times New Roman" panose="02020603050405020304" pitchFamily="18" charset="0"/>
+              <a:cs typeface="Times New Roman" panose="02020603050405020304" pitchFamily="18" charset="0"/>
+            </a:endParaRPr>
+          </a:p>
+        </p:txBody>
+      </p:sp>
+      <p:sp>
+        <p:nvSpPr>
+          <p:cNvPr id="4" name="Footer Placeholder 3"/>
+          <p:cNvSpPr>
+            <a:spLocks noGrp="1"/>
+          </p:cNvSpPr>
+          <p:nvPr>
+            <p:ph type="ftr" sz="quarter" idx="11"/>
+          </p:nvPr>
+        </p:nvSpPr>
+        <p:spPr/>
+        <p:txBody>
+          <a:bodyPr/>
+          <a:lstStyle/>
+          <a:p>
+            <a:r>
+              <a:rPr lang="en-US" dirty="0" err="1" smtClean="0"/>
+              <a:t>Nhóm</a:t>
+            </a:r>
+            <a:r>
+              <a:rPr lang="en-US" dirty="0" smtClean="0"/>
+              <a:t> 39 - </a:t>
+            </a:r>
+            <a:r>
+              <a:rPr lang="en-US" dirty="0" err="1" smtClean="0"/>
+              <a:t>Tìm</a:t>
+            </a:r>
+            <a:r>
+              <a:rPr lang="en-US" dirty="0" smtClean="0"/>
+              <a:t> </a:t>
+            </a:r>
+            <a:r>
+              <a:rPr lang="en-US" dirty="0" err="1" smtClean="0"/>
+              <a:t>Hiểu</a:t>
+            </a:r>
+            <a:r>
+              <a:rPr lang="en-US" dirty="0" smtClean="0"/>
+              <a:t> </a:t>
+            </a:r>
+            <a:r>
+              <a:rPr lang="en-US" dirty="0" err="1" smtClean="0"/>
+              <a:t>Công</a:t>
+            </a:r>
+            <a:r>
+              <a:rPr lang="en-US" dirty="0" smtClean="0"/>
+              <a:t> </a:t>
+            </a:r>
+            <a:r>
+              <a:rPr lang="en-US" dirty="0" err="1" smtClean="0"/>
+              <a:t>Nghệ</a:t>
+            </a:r>
+            <a:r>
+              <a:rPr lang="en-US" dirty="0" smtClean="0"/>
+              <a:t> WPF </a:t>
+            </a:r>
+            <a:r>
+              <a:rPr lang="en-US" dirty="0" err="1" smtClean="0"/>
+              <a:t>Và</a:t>
+            </a:r>
+            <a:r>
+              <a:rPr lang="en-US" dirty="0" smtClean="0"/>
+              <a:t> </a:t>
+            </a:r>
+            <a:r>
+              <a:rPr lang="en-US" dirty="0" err="1" smtClean="0"/>
+              <a:t>Viết</a:t>
+            </a:r>
+            <a:r>
+              <a:rPr lang="en-US" dirty="0" smtClean="0"/>
+              <a:t> </a:t>
+            </a:r>
+            <a:r>
+              <a:rPr lang="en-US" dirty="0" err="1" smtClean="0"/>
+              <a:t>Ứng</a:t>
+            </a:r>
+            <a:r>
+              <a:rPr lang="en-US" dirty="0" smtClean="0"/>
+              <a:t> </a:t>
+            </a:r>
+            <a:r>
+              <a:rPr lang="en-US" dirty="0" err="1" smtClean="0"/>
+              <a:t>Dụng</a:t>
+            </a:r>
+            <a:r>
+              <a:rPr lang="en-US" dirty="0" smtClean="0"/>
+              <a:t> </a:t>
+            </a:r>
+            <a:r>
+              <a:rPr lang="en-US" dirty="0" err="1" smtClean="0"/>
+              <a:t>Học</a:t>
+            </a:r>
+            <a:r>
+              <a:rPr lang="en-US" dirty="0" smtClean="0"/>
+              <a:t> </a:t>
+            </a:r>
+            <a:r>
+              <a:rPr lang="en-US" dirty="0" err="1" smtClean="0"/>
+              <a:t>Tiếng</a:t>
+            </a:r>
+            <a:r>
+              <a:rPr lang="en-US" dirty="0" smtClean="0"/>
+              <a:t> </a:t>
+            </a:r>
+            <a:r>
+              <a:rPr lang="en-US" dirty="0" err="1" smtClean="0"/>
+              <a:t>Anh</a:t>
+            </a:r>
+            <a:r>
+              <a:rPr lang="en-US" dirty="0" smtClean="0"/>
+              <a:t> Cho </a:t>
+            </a:r>
+            <a:r>
+              <a:rPr lang="en-US" dirty="0" err="1" smtClean="0"/>
+              <a:t>Trẻ</a:t>
+            </a:r>
+            <a:r>
+              <a:rPr lang="en-US" dirty="0" smtClean="0"/>
+              <a:t> </a:t>
+            </a:r>
+            <a:r>
+              <a:rPr lang="en-US" dirty="0" err="1" smtClean="0"/>
+              <a:t>Em</a:t>
+            </a:r>
+            <a:endParaRPr lang="en-US" dirty="0"/>
+          </a:p>
+        </p:txBody>
+      </p:sp>
+      <p:sp>
+        <p:nvSpPr>
+          <p:cNvPr id="5" name="Slide Number Placeholder 4"/>
+          <p:cNvSpPr>
+            <a:spLocks noGrp="1"/>
+          </p:cNvSpPr>
+          <p:nvPr>
+            <p:ph type="sldNum" sz="quarter" idx="12"/>
+          </p:nvPr>
+        </p:nvSpPr>
+        <p:spPr/>
+        <p:txBody>
+          <a:bodyPr/>
+          <a:lstStyle/>
+          <a:p>
+            <a:fld id="{A47909FA-8428-4BA7-99A7-864F51E2F064}" type="slidenum">
+              <a:rPr lang="en-US" smtClean="0"/>
+              <a:t>3</a:t>
+            </a:fld>
+            <a:endParaRPr lang="en-US"/>
+          </a:p>
+        </p:txBody>
+      </p:sp>
+    </p:spTree>
+    <p:extLst>
+      <p:ext uri="{BB962C8B-B14F-4D97-AF65-F5344CB8AC3E}">
+        <p14:creationId xmlns:p14="http://schemas.microsoft.com/office/powerpoint/2010/main" val="1003240359"/>
+      </p:ext>
+    </p:extLst>
+  </p:cSld>
+  <p:clrMapOvr>
+    <a:masterClrMapping/>
+  </p:clrMapOvr>
+  <p:timing>
+    <p:tnLst>
+      <p:par>
+        <p:cTn id="1" dur="indefinite" restart="never" nodeType="tmRoot"/>
+      </p:par>
+    </p:tnLst>
+  </p:timing>
+</p:sld>
+</file>
+
+<file path=ppt/slides/slide4.xml><?xml version="1.0" encoding="utf-8"?>
+<p:sld xmlns:a="http://schemas.openxmlformats.org/drawingml/2006/main" xmlns:r="http://schemas.openxmlformats.org/officeDocument/2006/relationships" xmlns:p="http://schemas.openxmlformats.org/presentationml/2006/main">
+  <p:cSld>
+    <p:spTree>
+      <p:nvGrpSpPr>
+        <p:cNvPr id="1" name=""/>
+        <p:cNvGrpSpPr/>
+        <p:nvPr/>
+      </p:nvGrpSpPr>
+      <p:grpSpPr>
+        <a:xfrm>
+          <a:off x="0" y="0"/>
+          <a:ext cx="0" cy="0"/>
+          <a:chOff x="0" y="0"/>
+          <a:chExt cx="0" cy="0"/>
+        </a:xfrm>
+      </p:grpSpPr>
+      <p:sp>
+        <p:nvSpPr>
+          <p:cNvPr id="2" name="Title 1"/>
+          <p:cNvSpPr>
+            <a:spLocks noGrp="1"/>
+          </p:cNvSpPr>
+          <p:nvPr>
+            <p:ph type="title"/>
+          </p:nvPr>
+        </p:nvSpPr>
+        <p:spPr/>
+        <p:txBody>
+          <a:bodyPr>
+            <a:normAutofit/>
+          </a:bodyPr>
+          <a:lstStyle/>
+          <a:p>
+            <a:r>
+              <a:rPr lang="en-US" sz="4800" b="1" dirty="0" smtClean="0">
+                <a:latin typeface="Times New Roman" panose="02020603050405020304" pitchFamily="18" charset="0"/>
+                <a:cs typeface="Times New Roman" panose="02020603050405020304" pitchFamily="18" charset="0"/>
+              </a:rPr>
+              <a:t>II. CƠ </a:t>
+            </a:r>
+            <a:r>
+              <a:rPr lang="en-US" sz="4800" b="1" dirty="0" smtClean="0">
+                <a:latin typeface="Times New Roman" panose="02020603050405020304" pitchFamily="18" charset="0"/>
+                <a:cs typeface="Times New Roman" panose="02020603050405020304" pitchFamily="18" charset="0"/>
+              </a:rPr>
+              <a:t>SỞ LÝ THUYẾT</a:t>
+            </a:r>
+            <a:endParaRPr lang="en-US" sz="4800" b="1" dirty="0">
+              <a:latin typeface="Times New Roman" panose="02020603050405020304" pitchFamily="18" charset="0"/>
+              <a:cs typeface="Times New Roman" panose="02020603050405020304" pitchFamily="18" charset="0"/>
+            </a:endParaRPr>
+          </a:p>
+        </p:txBody>
+      </p:sp>
+      <p:sp>
+        <p:nvSpPr>
+          <p:cNvPr id="3" name="Content Placeholder 2"/>
+          <p:cNvSpPr>
+            <a:spLocks noGrp="1"/>
+          </p:cNvSpPr>
+          <p:nvPr>
+            <p:ph idx="1"/>
+          </p:nvPr>
+        </p:nvSpPr>
+        <p:spPr/>
+        <p:txBody>
+          <a:bodyPr>
+            <a:normAutofit/>
+          </a:bodyPr>
+          <a:lstStyle/>
+          <a:p>
+            <a:r>
+              <a:rPr lang="en-US" sz="2000" dirty="0" err="1" smtClean="0">
+                <a:latin typeface="Times New Roman" panose="02020603050405020304" pitchFamily="18" charset="0"/>
+                <a:cs typeface="Times New Roman" panose="02020603050405020304" pitchFamily="18" charset="0"/>
+              </a:rPr>
+              <a:t>Tìm</a:t>
+            </a:r>
+            <a:r>
+              <a:rPr lang="en-US" sz="2000" dirty="0" smtClean="0">
+                <a:latin typeface="Times New Roman" panose="02020603050405020304" pitchFamily="18" charset="0"/>
+                <a:cs typeface="Times New Roman" panose="02020603050405020304" pitchFamily="18" charset="0"/>
+              </a:rPr>
+              <a:t> </a:t>
+            </a:r>
+            <a:r>
+              <a:rPr lang="en-US" sz="2000" dirty="0" err="1" smtClean="0">
+                <a:latin typeface="Times New Roman" panose="02020603050405020304" pitchFamily="18" charset="0"/>
+                <a:cs typeface="Times New Roman" panose="02020603050405020304" pitchFamily="18" charset="0"/>
+              </a:rPr>
+              <a:t>hiểu</a:t>
+            </a:r>
+            <a:r>
+              <a:rPr lang="en-US" sz="2000" dirty="0" smtClean="0">
+                <a:latin typeface="Times New Roman" panose="02020603050405020304" pitchFamily="18" charset="0"/>
+                <a:cs typeface="Times New Roman" panose="02020603050405020304" pitchFamily="18" charset="0"/>
+              </a:rPr>
+              <a:t> </a:t>
+            </a:r>
+            <a:r>
+              <a:rPr lang="en-US" sz="2000" dirty="0" err="1" smtClean="0">
+                <a:latin typeface="Times New Roman" panose="02020603050405020304" pitchFamily="18" charset="0"/>
+                <a:cs typeface="Times New Roman" panose="02020603050405020304" pitchFamily="18" charset="0"/>
+              </a:rPr>
+              <a:t>về</a:t>
+            </a:r>
+            <a:r>
+              <a:rPr lang="en-US" sz="2000" dirty="0" smtClean="0">
+                <a:latin typeface="Times New Roman" panose="02020603050405020304" pitchFamily="18" charset="0"/>
+                <a:cs typeface="Times New Roman" panose="02020603050405020304" pitchFamily="18" charset="0"/>
+              </a:rPr>
+              <a:t> </a:t>
+            </a:r>
+            <a:r>
+              <a:rPr lang="en-US" sz="2000" dirty="0" smtClean="0">
+                <a:latin typeface="Times New Roman" panose="02020603050405020304" pitchFamily="18" charset="0"/>
+                <a:cs typeface="Times New Roman" panose="02020603050405020304" pitchFamily="18" charset="0"/>
+              </a:rPr>
+              <a:t>WPF</a:t>
+            </a:r>
+          </a:p>
+          <a:p>
+            <a:r>
+              <a:rPr lang="en-US" sz="2000" dirty="0" err="1" smtClean="0">
+                <a:latin typeface="Times New Roman" panose="02020603050405020304" pitchFamily="18" charset="0"/>
+                <a:cs typeface="Times New Roman" panose="02020603050405020304" pitchFamily="18" charset="0"/>
+              </a:rPr>
+              <a:t>MaterialDesign</a:t>
+            </a:r>
+            <a:endParaRPr lang="en-US" sz="2000" dirty="0" smtClean="0">
+              <a:latin typeface="Times New Roman" panose="02020603050405020304" pitchFamily="18" charset="0"/>
+              <a:cs typeface="Times New Roman" panose="02020603050405020304" pitchFamily="18" charset="0"/>
+            </a:endParaRPr>
+          </a:p>
+          <a:p>
+            <a:r>
+              <a:rPr lang="en-US" sz="2000" dirty="0" err="1" smtClean="0">
+                <a:latin typeface="Times New Roman" panose="02020603050405020304" pitchFamily="18" charset="0"/>
+                <a:cs typeface="Times New Roman" panose="02020603050405020304" pitchFamily="18" charset="0"/>
+              </a:rPr>
+              <a:t>Khảo</a:t>
+            </a:r>
+            <a:r>
+              <a:rPr lang="en-US" sz="2000" dirty="0" smtClean="0">
+                <a:latin typeface="Times New Roman" panose="02020603050405020304" pitchFamily="18" charset="0"/>
+                <a:cs typeface="Times New Roman" panose="02020603050405020304" pitchFamily="18" charset="0"/>
+              </a:rPr>
+              <a:t> </a:t>
+            </a:r>
+            <a:r>
+              <a:rPr lang="en-US" sz="2000" dirty="0" err="1" smtClean="0">
+                <a:latin typeface="Times New Roman" panose="02020603050405020304" pitchFamily="18" charset="0"/>
+                <a:cs typeface="Times New Roman" panose="02020603050405020304" pitchFamily="18" charset="0"/>
+              </a:rPr>
+              <a:t>sát</a:t>
+            </a:r>
+            <a:r>
+              <a:rPr lang="en-US" sz="2000" dirty="0" smtClean="0">
+                <a:latin typeface="Times New Roman" panose="02020603050405020304" pitchFamily="18" charset="0"/>
+                <a:cs typeface="Times New Roman" panose="02020603050405020304" pitchFamily="18" charset="0"/>
+              </a:rPr>
+              <a:t> </a:t>
+            </a:r>
+            <a:r>
+              <a:rPr lang="en-US" sz="2000" dirty="0" err="1" smtClean="0">
+                <a:latin typeface="Times New Roman" panose="02020603050405020304" pitchFamily="18" charset="0"/>
+                <a:cs typeface="Times New Roman" panose="02020603050405020304" pitchFamily="18" charset="0"/>
+              </a:rPr>
+              <a:t>các</a:t>
+            </a:r>
+            <a:r>
+              <a:rPr lang="en-US" sz="2000" dirty="0" smtClean="0">
+                <a:latin typeface="Times New Roman" panose="02020603050405020304" pitchFamily="18" charset="0"/>
+                <a:cs typeface="Times New Roman" panose="02020603050405020304" pitchFamily="18" charset="0"/>
+              </a:rPr>
+              <a:t> </a:t>
+            </a:r>
+            <a:r>
+              <a:rPr lang="en-US" sz="2000" dirty="0" err="1" smtClean="0">
+                <a:latin typeface="Times New Roman" panose="02020603050405020304" pitchFamily="18" charset="0"/>
+                <a:cs typeface="Times New Roman" panose="02020603050405020304" pitchFamily="18" charset="0"/>
+              </a:rPr>
+              <a:t>ứng</a:t>
+            </a:r>
+            <a:r>
+              <a:rPr lang="en-US" sz="2000" dirty="0" smtClean="0">
+                <a:latin typeface="Times New Roman" panose="02020603050405020304" pitchFamily="18" charset="0"/>
+                <a:cs typeface="Times New Roman" panose="02020603050405020304" pitchFamily="18" charset="0"/>
+              </a:rPr>
+              <a:t> </a:t>
+            </a:r>
+            <a:r>
+              <a:rPr lang="en-US" sz="2000" dirty="0" err="1" smtClean="0">
+                <a:latin typeface="Times New Roman" panose="02020603050405020304" pitchFamily="18" charset="0"/>
+                <a:cs typeface="Times New Roman" panose="02020603050405020304" pitchFamily="18" charset="0"/>
+              </a:rPr>
+              <a:t>dụng</a:t>
+            </a:r>
+            <a:r>
+              <a:rPr lang="en-US" sz="2000" dirty="0" smtClean="0">
+                <a:latin typeface="Times New Roman" panose="02020603050405020304" pitchFamily="18" charset="0"/>
+                <a:cs typeface="Times New Roman" panose="02020603050405020304" pitchFamily="18" charset="0"/>
+              </a:rPr>
+              <a:t> </a:t>
+            </a:r>
+            <a:r>
+              <a:rPr lang="en-US" sz="2000" dirty="0" err="1" smtClean="0">
+                <a:latin typeface="Times New Roman" panose="02020603050405020304" pitchFamily="18" charset="0"/>
+                <a:cs typeface="Times New Roman" panose="02020603050405020304" pitchFamily="18" charset="0"/>
+              </a:rPr>
+              <a:t>học</a:t>
+            </a:r>
+            <a:r>
+              <a:rPr lang="en-US" sz="2000" dirty="0" smtClean="0">
+                <a:latin typeface="Times New Roman" panose="02020603050405020304" pitchFamily="18" charset="0"/>
+                <a:cs typeface="Times New Roman" panose="02020603050405020304" pitchFamily="18" charset="0"/>
+              </a:rPr>
+              <a:t> </a:t>
+            </a:r>
+            <a:r>
+              <a:rPr lang="en-US" sz="2000" dirty="0" err="1" smtClean="0">
+                <a:latin typeface="Times New Roman" panose="02020603050405020304" pitchFamily="18" charset="0"/>
+                <a:cs typeface="Times New Roman" panose="02020603050405020304" pitchFamily="18" charset="0"/>
+              </a:rPr>
+              <a:t>tiếng</a:t>
+            </a:r>
+            <a:r>
+              <a:rPr lang="en-US" sz="2000" dirty="0" smtClean="0">
+                <a:latin typeface="Times New Roman" panose="02020603050405020304" pitchFamily="18" charset="0"/>
+                <a:cs typeface="Times New Roman" panose="02020603050405020304" pitchFamily="18" charset="0"/>
+              </a:rPr>
+              <a:t> </a:t>
+            </a:r>
+            <a:r>
+              <a:rPr lang="en-US" sz="2000" dirty="0" err="1" smtClean="0">
+                <a:latin typeface="Times New Roman" panose="02020603050405020304" pitchFamily="18" charset="0"/>
+                <a:cs typeface="Times New Roman" panose="02020603050405020304" pitchFamily="18" charset="0"/>
+              </a:rPr>
+              <a:t>anh</a:t>
+            </a:r>
+            <a:r>
+              <a:rPr lang="en-US" sz="2000" dirty="0" smtClean="0">
+                <a:latin typeface="Times New Roman" panose="02020603050405020304" pitchFamily="18" charset="0"/>
+                <a:cs typeface="Times New Roman" panose="02020603050405020304" pitchFamily="18" charset="0"/>
+              </a:rPr>
+              <a:t> </a:t>
+            </a:r>
+            <a:r>
+              <a:rPr lang="en-US" sz="2000" dirty="0" err="1" smtClean="0">
+                <a:latin typeface="Times New Roman" panose="02020603050405020304" pitchFamily="18" charset="0"/>
+                <a:cs typeface="Times New Roman" panose="02020603050405020304" pitchFamily="18" charset="0"/>
+              </a:rPr>
+              <a:t>cho</a:t>
+            </a:r>
+            <a:r>
+              <a:rPr lang="en-US" sz="2000" dirty="0" smtClean="0">
+                <a:latin typeface="Times New Roman" panose="02020603050405020304" pitchFamily="18" charset="0"/>
+                <a:cs typeface="Times New Roman" panose="02020603050405020304" pitchFamily="18" charset="0"/>
+              </a:rPr>
+              <a:t> </a:t>
+            </a:r>
+            <a:r>
+              <a:rPr lang="en-US" sz="2000" dirty="0" err="1" smtClean="0">
+                <a:latin typeface="Times New Roman" panose="02020603050405020304" pitchFamily="18" charset="0"/>
+                <a:cs typeface="Times New Roman" panose="02020603050405020304" pitchFamily="18" charset="0"/>
+              </a:rPr>
+              <a:t>trẻ</a:t>
+            </a:r>
+            <a:r>
+              <a:rPr lang="en-US" sz="2000" dirty="0" smtClean="0">
+                <a:latin typeface="Times New Roman" panose="02020603050405020304" pitchFamily="18" charset="0"/>
+                <a:cs typeface="Times New Roman" panose="02020603050405020304" pitchFamily="18" charset="0"/>
+              </a:rPr>
+              <a:t> </a:t>
+            </a:r>
+            <a:r>
+              <a:rPr lang="en-US" sz="2000" dirty="0" err="1" smtClean="0">
+                <a:latin typeface="Times New Roman" panose="02020603050405020304" pitchFamily="18" charset="0"/>
+                <a:cs typeface="Times New Roman" panose="02020603050405020304" pitchFamily="18" charset="0"/>
+              </a:rPr>
+              <a:t>em</a:t>
+            </a:r>
+            <a:endParaRPr lang="en-US" sz="2000" dirty="0">
+              <a:latin typeface="Times New Roman" panose="02020603050405020304" pitchFamily="18" charset="0"/>
+              <a:cs typeface="Times New Roman" panose="02020603050405020304" pitchFamily="18" charset="0"/>
+            </a:endParaRPr>
+          </a:p>
+        </p:txBody>
+      </p:sp>
+      <p:sp>
+        <p:nvSpPr>
+          <p:cNvPr id="4" name="Footer Placeholder 3"/>
+          <p:cNvSpPr>
+            <a:spLocks noGrp="1"/>
+          </p:cNvSpPr>
+          <p:nvPr>
+            <p:ph type="ftr" sz="quarter" idx="11"/>
+          </p:nvPr>
+        </p:nvSpPr>
+        <p:spPr/>
+        <p:txBody>
+          <a:bodyPr/>
+          <a:lstStyle/>
+          <a:p>
+            <a:r>
+              <a:rPr lang="en-US" smtClean="0"/>
+              <a:t>Nhóm 39 - Tìm Hiểu Công Nghệ WPF Và Viết Ứng Dụng Học Tiếng Anh Cho Trẻ Em</a:t>
+            </a:r>
+            <a:endParaRPr lang="en-US"/>
+          </a:p>
+        </p:txBody>
+      </p:sp>
+      <p:sp>
+        <p:nvSpPr>
+          <p:cNvPr id="5" name="Slide Number Placeholder 4"/>
+          <p:cNvSpPr>
+            <a:spLocks noGrp="1"/>
+          </p:cNvSpPr>
+          <p:nvPr>
+            <p:ph type="sldNum" sz="quarter" idx="12"/>
+          </p:nvPr>
+        </p:nvSpPr>
+        <p:spPr/>
+        <p:txBody>
+          <a:bodyPr/>
+          <a:lstStyle/>
+          <a:p>
+            <a:fld id="{A47909FA-8428-4BA7-99A7-864F51E2F064}" type="slidenum">
+              <a:rPr lang="en-US" smtClean="0"/>
+              <a:t>4</a:t>
+            </a:fld>
+            <a:endParaRPr lang="en-US"/>
+          </a:p>
+        </p:txBody>
+      </p:sp>
+    </p:spTree>
+    <p:extLst>
+      <p:ext uri="{BB962C8B-B14F-4D97-AF65-F5344CB8AC3E}">
+        <p14:creationId xmlns:p14="http://schemas.microsoft.com/office/powerpoint/2010/main" val="1215594002"/>
+      </p:ext>
+    </p:extLst>
+  </p:cSld>
+  <p:clrMapOvr>
+    <a:masterClrMapping/>
+  </p:clrMapOvr>
+  <p:timing>
+    <p:tnLst>
+      <p:par>
+        <p:cTn id="1" dur="indefinite" restart="never" nodeType="tmRoot"/>
+      </p:par>
+    </p:tnLst>
+  </p:timing>
+</p:sld>
+</file>
+
+<file path=ppt/slides/slide5.xml><?xml version="1.0" encoding="utf-8"?>
+<p:sld xmlns:a="http://schemas.openxmlformats.org/drawingml/2006/main" xmlns:r="http://schemas.openxmlformats.org/officeDocument/2006/relationships" xmlns:p="http://schemas.openxmlformats.org/presentationml/2006/main">
+  <p:cSld>
+    <p:spTree>
+      <p:nvGrpSpPr>
+        <p:cNvPr id="1" name=""/>
+        <p:cNvGrpSpPr/>
+        <p:nvPr/>
+      </p:nvGrpSpPr>
+      <p:grpSpPr>
+        <a:xfrm>
+          <a:off x="0" y="0"/>
+          <a:ext cx="0" cy="0"/>
+          <a:chOff x="0" y="0"/>
+          <a:chExt cx="0" cy="0"/>
+        </a:xfrm>
+      </p:grpSpPr>
+      <p:sp>
+        <p:nvSpPr>
+          <p:cNvPr id="2" name="Title 1"/>
+          <p:cNvSpPr>
+            <a:spLocks noGrp="1"/>
+          </p:cNvSpPr>
+          <p:nvPr>
+            <p:ph type="title"/>
+          </p:nvPr>
+        </p:nvSpPr>
+        <p:spPr>
+          <a:xfrm>
+            <a:off x="335664" y="241077"/>
+            <a:ext cx="8596668" cy="1320800"/>
+          </a:xfrm>
+        </p:spPr>
+        <p:txBody>
+          <a:bodyPr>
+            <a:normAutofit/>
+          </a:bodyPr>
+          <a:lstStyle/>
+          <a:p>
+            <a:r>
+              <a:rPr lang="en-US" sz="4400" b="1" dirty="0" smtClean="0">
+                <a:latin typeface="Times New Roman" panose="02020603050405020304" pitchFamily="18" charset="0"/>
+                <a:cs typeface="Times New Roman" panose="02020603050405020304" pitchFamily="18" charset="0"/>
+              </a:rPr>
+              <a:t>III</a:t>
+            </a:r>
+            <a:r>
+              <a:rPr lang="en-US" sz="4400" b="1" dirty="0" smtClean="0">
+                <a:latin typeface="Times New Roman" panose="02020603050405020304" pitchFamily="18" charset="0"/>
+                <a:cs typeface="Times New Roman" panose="02020603050405020304" pitchFamily="18" charset="0"/>
+              </a:rPr>
+              <a:t>. NỘI </a:t>
+            </a:r>
+            <a:r>
+              <a:rPr lang="en-US" sz="4400" b="1" dirty="0" smtClean="0">
+                <a:latin typeface="Times New Roman" panose="02020603050405020304" pitchFamily="18" charset="0"/>
+                <a:cs typeface="Times New Roman" panose="02020603050405020304" pitchFamily="18" charset="0"/>
+              </a:rPr>
+              <a:t>DUNG THỰC HIỆN</a:t>
+            </a:r>
+            <a:endParaRPr lang="en-US" sz="4400" b="1" dirty="0">
+              <a:latin typeface="Times New Roman" panose="02020603050405020304" pitchFamily="18" charset="0"/>
+              <a:cs typeface="Times New Roman" panose="02020603050405020304" pitchFamily="18" charset="0"/>
+            </a:endParaRPr>
+          </a:p>
+        </p:txBody>
+      </p:sp>
+      <p:sp>
+        <p:nvSpPr>
+          <p:cNvPr id="3" name="Content Placeholder 2"/>
+          <p:cNvSpPr>
+            <a:spLocks noGrp="1"/>
+          </p:cNvSpPr>
+          <p:nvPr>
+            <p:ph idx="1"/>
+          </p:nvPr>
+        </p:nvSpPr>
+        <p:spPr>
+          <a:xfrm>
+            <a:off x="4092840" y="5511799"/>
+            <a:ext cx="2129366" cy="417511"/>
+          </a:xfrm>
+        </p:spPr>
+        <p:txBody>
+          <a:bodyPr/>
+          <a:lstStyle/>
+          <a:p>
+            <a:pPr marL="0" indent="0">
+              <a:buNone/>
+            </a:pPr>
+            <a:r>
+              <a:rPr lang="en-US" dirty="0" smtClean="0">
+                <a:latin typeface="Times New Roman" panose="02020603050405020304" pitchFamily="18" charset="0"/>
+                <a:cs typeface="Times New Roman" panose="02020603050405020304" pitchFamily="18" charset="0"/>
+              </a:rPr>
+              <a:t>Use case </a:t>
+            </a:r>
+            <a:r>
+              <a:rPr lang="en-US" dirty="0" err="1" smtClean="0">
+                <a:latin typeface="Times New Roman" panose="02020603050405020304" pitchFamily="18" charset="0"/>
+                <a:cs typeface="Times New Roman" panose="02020603050405020304" pitchFamily="18" charset="0"/>
+              </a:rPr>
+              <a:t>Tổng</a:t>
+            </a:r>
+            <a:r>
+              <a:rPr lang="en-US" dirty="0" smtClean="0">
+                <a:latin typeface="Times New Roman" panose="02020603050405020304" pitchFamily="18" charset="0"/>
+                <a:cs typeface="Times New Roman" panose="02020603050405020304" pitchFamily="18" charset="0"/>
+              </a:rPr>
+              <a:t> </a:t>
+            </a:r>
+            <a:r>
+              <a:rPr lang="en-US" dirty="0" err="1" smtClean="0">
+                <a:latin typeface="Times New Roman" panose="02020603050405020304" pitchFamily="18" charset="0"/>
+                <a:cs typeface="Times New Roman" panose="02020603050405020304" pitchFamily="18" charset="0"/>
+              </a:rPr>
+              <a:t>Quát</a:t>
+            </a:r>
+            <a:endParaRPr lang="en-US" dirty="0">
+              <a:latin typeface="Times New Roman" panose="02020603050405020304" pitchFamily="18" charset="0"/>
+              <a:cs typeface="Times New Roman" panose="02020603050405020304" pitchFamily="18" charset="0"/>
+            </a:endParaRPr>
+          </a:p>
+        </p:txBody>
+      </p:sp>
+      <p:pic>
+        <p:nvPicPr>
+          <p:cNvPr id="5" name="Picture 4"/>
+          <p:cNvPicPr/>
+          <p:nvPr/>
+        </p:nvPicPr>
+        <p:blipFill>
+          <a:blip r:embed="rId2">
+            <a:extLst>
+              <a:ext uri="{28A0092B-C50C-407E-A947-70E740481C1C}">
+                <a14:useLocalDpi xmlns:a14="http://schemas.microsoft.com/office/drawing/2010/main" val="0"/>
+              </a:ext>
+            </a:extLst>
+          </a:blip>
+          <a:srcRect/>
+          <a:stretch>
+            <a:fillRect/>
+          </a:stretch>
+        </p:blipFill>
+        <p:spPr bwMode="auto">
+          <a:xfrm>
+            <a:off x="2322230" y="1021102"/>
+            <a:ext cx="5970869" cy="4490697"/>
+          </a:xfrm>
+          <a:prstGeom prst="rect">
+            <a:avLst/>
+          </a:prstGeom>
+          <a:noFill/>
+          <a:ln>
+            <a:noFill/>
+          </a:ln>
+        </p:spPr>
+      </p:pic>
+      <p:sp>
+        <p:nvSpPr>
+          <p:cNvPr id="4" name="Footer Placeholder 3"/>
+          <p:cNvSpPr>
+            <a:spLocks noGrp="1"/>
+          </p:cNvSpPr>
+          <p:nvPr>
+            <p:ph type="ftr" sz="quarter" idx="11"/>
+          </p:nvPr>
+        </p:nvSpPr>
+        <p:spPr/>
+        <p:txBody>
+          <a:bodyPr/>
+          <a:lstStyle/>
+          <a:p>
+            <a:r>
+              <a:rPr lang="en-US" dirty="0" err="1" smtClean="0"/>
+              <a:t>Nhóm</a:t>
+            </a:r>
+            <a:r>
+              <a:rPr lang="en-US" dirty="0" smtClean="0"/>
+              <a:t> 39 - </a:t>
+            </a:r>
+            <a:r>
+              <a:rPr lang="en-US" dirty="0" err="1" smtClean="0"/>
+              <a:t>Tìm</a:t>
+            </a:r>
+            <a:r>
+              <a:rPr lang="en-US" dirty="0" smtClean="0"/>
+              <a:t> </a:t>
+            </a:r>
+            <a:r>
+              <a:rPr lang="en-US" dirty="0" err="1" smtClean="0"/>
+              <a:t>Hiểu</a:t>
+            </a:r>
+            <a:r>
+              <a:rPr lang="en-US" dirty="0" smtClean="0"/>
+              <a:t> </a:t>
+            </a:r>
+            <a:r>
+              <a:rPr lang="en-US" dirty="0" err="1" smtClean="0"/>
+              <a:t>Công</a:t>
+            </a:r>
+            <a:r>
+              <a:rPr lang="en-US" dirty="0" smtClean="0"/>
+              <a:t> </a:t>
+            </a:r>
+            <a:r>
+              <a:rPr lang="en-US" dirty="0" err="1" smtClean="0"/>
+              <a:t>Nghệ</a:t>
+            </a:r>
+            <a:r>
+              <a:rPr lang="en-US" dirty="0" smtClean="0"/>
+              <a:t> WPF </a:t>
+            </a:r>
+            <a:r>
+              <a:rPr lang="en-US" dirty="0" err="1" smtClean="0"/>
+              <a:t>Và</a:t>
+            </a:r>
+            <a:r>
+              <a:rPr lang="en-US" dirty="0" smtClean="0"/>
+              <a:t> </a:t>
+            </a:r>
+            <a:r>
+              <a:rPr lang="en-US" dirty="0" err="1" smtClean="0"/>
+              <a:t>Viết</a:t>
+            </a:r>
+            <a:r>
+              <a:rPr lang="en-US" dirty="0" smtClean="0"/>
+              <a:t> </a:t>
+            </a:r>
+            <a:r>
+              <a:rPr lang="en-US" dirty="0" err="1" smtClean="0"/>
+              <a:t>Ứng</a:t>
+            </a:r>
+            <a:r>
+              <a:rPr lang="en-US" dirty="0" smtClean="0"/>
+              <a:t> </a:t>
+            </a:r>
+            <a:r>
+              <a:rPr lang="en-US" dirty="0" err="1" smtClean="0"/>
+              <a:t>Dụng</a:t>
+            </a:r>
+            <a:r>
+              <a:rPr lang="en-US" dirty="0" smtClean="0"/>
+              <a:t> </a:t>
+            </a:r>
+            <a:r>
+              <a:rPr lang="en-US" dirty="0" err="1" smtClean="0"/>
+              <a:t>Học</a:t>
+            </a:r>
+            <a:r>
+              <a:rPr lang="en-US" dirty="0" smtClean="0"/>
+              <a:t> </a:t>
+            </a:r>
+            <a:r>
+              <a:rPr lang="en-US" dirty="0" err="1" smtClean="0"/>
+              <a:t>Tiếng</a:t>
+            </a:r>
+            <a:r>
+              <a:rPr lang="en-US" dirty="0" smtClean="0"/>
+              <a:t> </a:t>
+            </a:r>
+            <a:r>
+              <a:rPr lang="en-US" dirty="0" err="1" smtClean="0"/>
+              <a:t>Anh</a:t>
+            </a:r>
+            <a:r>
+              <a:rPr lang="en-US" dirty="0" smtClean="0"/>
+              <a:t> Cho </a:t>
+            </a:r>
+            <a:r>
+              <a:rPr lang="en-US" dirty="0" err="1" smtClean="0"/>
+              <a:t>Trẻ</a:t>
+            </a:r>
+            <a:r>
+              <a:rPr lang="en-US" dirty="0" smtClean="0"/>
+              <a:t> </a:t>
+            </a:r>
+            <a:r>
+              <a:rPr lang="en-US" dirty="0" err="1" smtClean="0"/>
+              <a:t>Em</a:t>
+            </a:r>
+            <a:endParaRPr lang="en-US" dirty="0"/>
+          </a:p>
+        </p:txBody>
+      </p:sp>
+      <p:sp>
+        <p:nvSpPr>
+          <p:cNvPr id="6" name="Slide Number Placeholder 5"/>
+          <p:cNvSpPr>
+            <a:spLocks noGrp="1"/>
+          </p:cNvSpPr>
+          <p:nvPr>
+            <p:ph type="sldNum" sz="quarter" idx="12"/>
+          </p:nvPr>
+        </p:nvSpPr>
+        <p:spPr/>
+        <p:txBody>
+          <a:bodyPr/>
+          <a:lstStyle/>
+          <a:p>
+            <a:fld id="{A47909FA-8428-4BA7-99A7-864F51E2F064}" type="slidenum">
+              <a:rPr lang="en-US" smtClean="0"/>
+              <a:t>5</a:t>
+            </a:fld>
+            <a:endParaRPr lang="en-US"/>
+          </a:p>
+        </p:txBody>
+      </p:sp>
+    </p:spTree>
+    <p:extLst>
+      <p:ext uri="{BB962C8B-B14F-4D97-AF65-F5344CB8AC3E}">
+        <p14:creationId xmlns:p14="http://schemas.microsoft.com/office/powerpoint/2010/main" val="2166422886"/>
+      </p:ext>
+    </p:extLst>
+  </p:cSld>
+  <p:clrMapOvr>
+    <a:masterClrMapping/>
+  </p:clrMapOvr>
+  <p:timing>
+    <p:tnLst>
+      <p:par>
+        <p:cTn id="1" dur="indefinite" restart="never" nodeType="tmRoot"/>
+      </p:par>
+    </p:tnLst>
+  </p:timing>
+</p:sld>
+</file>
+
+<file path=ppt/slides/slide6.xml><?xml version="1.0" encoding="utf-8"?>
+<p:sld xmlns:a="http://schemas.openxmlformats.org/drawingml/2006/main" xmlns:r="http://schemas.openxmlformats.org/officeDocument/2006/relationships" xmlns:p="http://schemas.openxmlformats.org/presentationml/2006/main">
+  <p:cSld>
+    <p:spTree>
+      <p:nvGrpSpPr>
+        <p:cNvPr id="1" name=""/>
+        <p:cNvGrpSpPr/>
+        <p:nvPr/>
+      </p:nvGrpSpPr>
+      <p:grpSpPr>
+        <a:xfrm>
+          <a:off x="0" y="0"/>
+          <a:ext cx="0" cy="0"/>
+          <a:chOff x="0" y="0"/>
+          <a:chExt cx="0" cy="0"/>
+        </a:xfrm>
+      </p:grpSpPr>
+      <p:sp>
+        <p:nvSpPr>
+          <p:cNvPr id="8" name="Title 1"/>
+          <p:cNvSpPr>
+            <a:spLocks noGrp="1"/>
+          </p:cNvSpPr>
+          <p:nvPr>
+            <p:ph type="title"/>
+          </p:nvPr>
+        </p:nvSpPr>
+        <p:spPr>
+          <a:xfrm>
+            <a:off x="348364" y="188917"/>
+            <a:ext cx="8596668" cy="1320800"/>
+          </a:xfrm>
+        </p:spPr>
+        <p:txBody>
+          <a:bodyPr>
+            <a:normAutofit/>
+          </a:bodyPr>
+          <a:lstStyle/>
+          <a:p>
+            <a:r>
+              <a:rPr lang="en-US" sz="4400" b="1" dirty="0" smtClean="0">
+                <a:latin typeface="Times New Roman" panose="02020603050405020304" pitchFamily="18" charset="0"/>
+                <a:cs typeface="Times New Roman" panose="02020603050405020304" pitchFamily="18" charset="0"/>
+              </a:rPr>
+              <a:t>III. NỘI </a:t>
+            </a:r>
+            <a:r>
+              <a:rPr lang="en-US" sz="4400" b="1" dirty="0" smtClean="0">
+                <a:latin typeface="Times New Roman" panose="02020603050405020304" pitchFamily="18" charset="0"/>
+                <a:cs typeface="Times New Roman" panose="02020603050405020304" pitchFamily="18" charset="0"/>
+              </a:rPr>
+              <a:t>DUNG THỰC HIỆN</a:t>
+            </a:r>
+            <a:endParaRPr lang="en-US" sz="4400" b="1" dirty="0">
+              <a:latin typeface="Times New Roman" panose="02020603050405020304" pitchFamily="18" charset="0"/>
+              <a:cs typeface="Times New Roman" panose="02020603050405020304" pitchFamily="18" charset="0"/>
+            </a:endParaRPr>
+          </a:p>
+        </p:txBody>
+      </p:sp>
+      <p:sp>
+        <p:nvSpPr>
+          <p:cNvPr id="3" name="Content Placeholder 2"/>
+          <p:cNvSpPr>
+            <a:spLocks noGrp="1"/>
+          </p:cNvSpPr>
+          <p:nvPr>
+            <p:ph idx="1"/>
+          </p:nvPr>
+        </p:nvSpPr>
+        <p:spPr>
+          <a:xfrm>
+            <a:off x="4787285" y="5658779"/>
+            <a:ext cx="1702415" cy="382583"/>
+          </a:xfrm>
+        </p:spPr>
+        <p:txBody>
+          <a:bodyPr/>
+          <a:lstStyle/>
+          <a:p>
+            <a:pPr marL="0" indent="0">
+              <a:buNone/>
+            </a:pPr>
+            <a:r>
+              <a:rPr lang="en-US" dirty="0" smtClean="0">
+                <a:latin typeface="Times New Roman" panose="02020603050405020304" pitchFamily="18" charset="0"/>
+                <a:cs typeface="Times New Roman" panose="02020603050405020304" pitchFamily="18" charset="0"/>
+              </a:rPr>
+              <a:t>Class Diagram</a:t>
+            </a:r>
+          </a:p>
+          <a:p>
+            <a:pPr marL="0" indent="0">
+              <a:buNone/>
+            </a:pPr>
+            <a:endParaRPr lang="en-US" dirty="0">
+              <a:latin typeface="Times New Roman" panose="02020603050405020304" pitchFamily="18" charset="0"/>
+              <a:cs typeface="Times New Roman" panose="02020603050405020304" pitchFamily="18" charset="0"/>
+            </a:endParaRPr>
+          </a:p>
+        </p:txBody>
+      </p:sp>
+      <p:pic>
+        <p:nvPicPr>
+          <p:cNvPr id="6" name="Picture 5"/>
+          <p:cNvPicPr/>
+          <p:nvPr/>
+        </p:nvPicPr>
+        <p:blipFill>
+          <a:blip r:embed="rId2">
+            <a:extLst>
+              <a:ext uri="{28A0092B-C50C-407E-A947-70E740481C1C}">
+                <a14:useLocalDpi xmlns:a14="http://schemas.microsoft.com/office/drawing/2010/main" val="0"/>
+              </a:ext>
+            </a:extLst>
+          </a:blip>
+          <a:srcRect/>
+          <a:stretch>
+            <a:fillRect/>
+          </a:stretch>
+        </p:blipFill>
+        <p:spPr bwMode="auto">
+          <a:xfrm>
+            <a:off x="3027428" y="1010229"/>
+            <a:ext cx="5563235" cy="4630420"/>
+          </a:xfrm>
+          <a:prstGeom prst="rect">
+            <a:avLst/>
+          </a:prstGeom>
+          <a:noFill/>
+          <a:ln>
+            <a:noFill/>
+          </a:ln>
+        </p:spPr>
+      </p:pic>
+      <p:sp>
+        <p:nvSpPr>
+          <p:cNvPr id="2" name="Footer Placeholder 1"/>
+          <p:cNvSpPr>
+            <a:spLocks noGrp="1"/>
+          </p:cNvSpPr>
+          <p:nvPr>
+            <p:ph type="ftr" sz="quarter" idx="11"/>
+          </p:nvPr>
+        </p:nvSpPr>
+        <p:spPr/>
+        <p:txBody>
+          <a:bodyPr/>
+          <a:lstStyle/>
+          <a:p>
+            <a:r>
+              <a:rPr lang="en-US" dirty="0" err="1" smtClean="0"/>
+              <a:t>Nhóm</a:t>
+            </a:r>
+            <a:r>
+              <a:rPr lang="en-US" dirty="0" smtClean="0"/>
+              <a:t> 39 - </a:t>
+            </a:r>
+            <a:r>
+              <a:rPr lang="en-US" dirty="0" err="1" smtClean="0"/>
+              <a:t>Tìm</a:t>
+            </a:r>
+            <a:r>
+              <a:rPr lang="en-US" dirty="0" smtClean="0"/>
+              <a:t> </a:t>
+            </a:r>
+            <a:r>
+              <a:rPr lang="en-US" dirty="0" err="1" smtClean="0"/>
+              <a:t>Hiểu</a:t>
+            </a:r>
+            <a:r>
+              <a:rPr lang="en-US" dirty="0" smtClean="0"/>
+              <a:t> </a:t>
+            </a:r>
+            <a:r>
+              <a:rPr lang="en-US" dirty="0" err="1" smtClean="0"/>
+              <a:t>Công</a:t>
+            </a:r>
+            <a:r>
+              <a:rPr lang="en-US" dirty="0" smtClean="0"/>
+              <a:t> </a:t>
+            </a:r>
+            <a:r>
+              <a:rPr lang="en-US" dirty="0" err="1" smtClean="0"/>
+              <a:t>Nghệ</a:t>
+            </a:r>
+            <a:r>
+              <a:rPr lang="en-US" dirty="0" smtClean="0"/>
+              <a:t> WPF </a:t>
+            </a:r>
+            <a:r>
+              <a:rPr lang="en-US" dirty="0" err="1" smtClean="0"/>
+              <a:t>Và</a:t>
+            </a:r>
+            <a:r>
+              <a:rPr lang="en-US" dirty="0" smtClean="0"/>
+              <a:t> </a:t>
+            </a:r>
+            <a:r>
+              <a:rPr lang="en-US" dirty="0" err="1" smtClean="0"/>
+              <a:t>Viết</a:t>
+            </a:r>
+            <a:r>
+              <a:rPr lang="en-US" dirty="0" smtClean="0"/>
+              <a:t> </a:t>
+            </a:r>
+            <a:r>
+              <a:rPr lang="en-US" dirty="0" err="1" smtClean="0"/>
+              <a:t>Ứng</a:t>
+            </a:r>
+            <a:r>
+              <a:rPr lang="en-US" dirty="0" smtClean="0"/>
+              <a:t> </a:t>
+            </a:r>
+            <a:r>
+              <a:rPr lang="en-US" dirty="0" err="1" smtClean="0"/>
+              <a:t>Dụng</a:t>
+            </a:r>
+            <a:r>
+              <a:rPr lang="en-US" dirty="0" smtClean="0"/>
+              <a:t> </a:t>
+            </a:r>
+            <a:r>
+              <a:rPr lang="en-US" dirty="0" err="1" smtClean="0"/>
+              <a:t>Học</a:t>
+            </a:r>
+            <a:r>
+              <a:rPr lang="en-US" dirty="0" smtClean="0"/>
+              <a:t> </a:t>
+            </a:r>
+            <a:r>
+              <a:rPr lang="en-US" dirty="0" err="1" smtClean="0"/>
+              <a:t>Tiếng</a:t>
+            </a:r>
+            <a:r>
+              <a:rPr lang="en-US" dirty="0" smtClean="0"/>
+              <a:t> </a:t>
+            </a:r>
+            <a:r>
+              <a:rPr lang="en-US" dirty="0" err="1" smtClean="0"/>
+              <a:t>Anh</a:t>
+            </a:r>
+            <a:r>
+              <a:rPr lang="en-US" dirty="0" smtClean="0"/>
+              <a:t> Cho </a:t>
+            </a:r>
+            <a:r>
+              <a:rPr lang="en-US" dirty="0" err="1" smtClean="0"/>
+              <a:t>Trẻ</a:t>
+            </a:r>
+            <a:r>
+              <a:rPr lang="en-US" dirty="0" smtClean="0"/>
+              <a:t> </a:t>
+            </a:r>
+            <a:r>
+              <a:rPr lang="en-US" dirty="0" err="1" smtClean="0"/>
+              <a:t>Em</a:t>
+            </a:r>
+            <a:endParaRPr lang="en-US" dirty="0"/>
+          </a:p>
+        </p:txBody>
+      </p:sp>
+      <p:sp>
+        <p:nvSpPr>
+          <p:cNvPr id="4" name="Slide Number Placeholder 3"/>
+          <p:cNvSpPr>
+            <a:spLocks noGrp="1"/>
+          </p:cNvSpPr>
+          <p:nvPr>
+            <p:ph type="sldNum" sz="quarter" idx="12"/>
+          </p:nvPr>
+        </p:nvSpPr>
+        <p:spPr/>
+        <p:txBody>
+          <a:bodyPr/>
+          <a:lstStyle/>
+          <a:p>
+            <a:fld id="{A47909FA-8428-4BA7-99A7-864F51E2F064}" type="slidenum">
+              <a:rPr lang="en-US" smtClean="0"/>
+              <a:t>6</a:t>
+            </a:fld>
+            <a:endParaRPr lang="en-US"/>
+          </a:p>
+        </p:txBody>
+      </p:sp>
+    </p:spTree>
+    <p:extLst>
+      <p:ext uri="{BB962C8B-B14F-4D97-AF65-F5344CB8AC3E}">
+        <p14:creationId xmlns:p14="http://schemas.microsoft.com/office/powerpoint/2010/main" val="1946266566"/>
+      </p:ext>
+    </p:extLst>
+  </p:cSld>
+  <p:clrMapOvr>
+    <a:masterClrMapping/>
+  </p:clrMapOvr>
+  <p:timing>
+    <p:tnLst>
+      <p:par>
+        <p:cTn id="1" dur="indefinite" restart="never" nodeType="tmRoot"/>
+      </p:par>
+    </p:tnLst>
+  </p:timing>
+</p:sld>
+</file>
+
+<file path=ppt/slides/slide7.xml><?xml version="1.0" encoding="utf-8"?>
+<p:sld xmlns:a="http://schemas.openxmlformats.org/drawingml/2006/main" xmlns:r="http://schemas.openxmlformats.org/officeDocument/2006/relationships" xmlns:p="http://schemas.openxmlformats.org/presentationml/2006/main">
+  <p:cSld>
+    <p:spTree>
+      <p:nvGrpSpPr>
+        <p:cNvPr id="1" name=""/>
+        <p:cNvGrpSpPr/>
+        <p:nvPr/>
+      </p:nvGrpSpPr>
+      <p:grpSpPr>
+        <a:xfrm>
+          <a:off x="0" y="0"/>
+          <a:ext cx="0" cy="0"/>
+          <a:chOff x="0" y="0"/>
+          <a:chExt cx="0" cy="0"/>
+        </a:xfrm>
+      </p:grpSpPr>
+      <p:sp>
+        <p:nvSpPr>
+          <p:cNvPr id="8" name="Title 1"/>
+          <p:cNvSpPr>
+            <a:spLocks noGrp="1"/>
+          </p:cNvSpPr>
+          <p:nvPr>
+            <p:ph type="title"/>
+          </p:nvPr>
+        </p:nvSpPr>
+        <p:spPr>
+          <a:xfrm>
+            <a:off x="677334" y="305117"/>
+            <a:ext cx="8596668" cy="1320800"/>
+          </a:xfrm>
+        </p:spPr>
+        <p:txBody>
+          <a:bodyPr>
+            <a:normAutofit/>
+          </a:bodyPr>
+          <a:lstStyle/>
+          <a:p>
+            <a:r>
+              <a:rPr lang="en-US" sz="4400" b="1" dirty="0" smtClean="0">
+                <a:latin typeface="Times New Roman" panose="02020603050405020304" pitchFamily="18" charset="0"/>
+                <a:cs typeface="Times New Roman" panose="02020603050405020304" pitchFamily="18" charset="0"/>
+              </a:rPr>
+              <a:t>III. NỘI </a:t>
+            </a:r>
+            <a:r>
+              <a:rPr lang="en-US" sz="4400" b="1" dirty="0" smtClean="0">
+                <a:latin typeface="Times New Roman" panose="02020603050405020304" pitchFamily="18" charset="0"/>
+                <a:cs typeface="Times New Roman" panose="02020603050405020304" pitchFamily="18" charset="0"/>
+              </a:rPr>
+              <a:t>DUNG THỰC HIỆN</a:t>
+            </a:r>
+            <a:endParaRPr lang="en-US" sz="4400" b="1" dirty="0">
+              <a:latin typeface="Times New Roman" panose="02020603050405020304" pitchFamily="18" charset="0"/>
+              <a:cs typeface="Times New Roman" panose="02020603050405020304" pitchFamily="18" charset="0"/>
+            </a:endParaRPr>
+          </a:p>
+        </p:txBody>
+      </p:sp>
+      <p:sp>
+        <p:nvSpPr>
+          <p:cNvPr id="4" name="Content Placeholder 2"/>
+          <p:cNvSpPr>
+            <a:spLocks noGrp="1"/>
+          </p:cNvSpPr>
+          <p:nvPr>
+            <p:ph idx="1"/>
+          </p:nvPr>
+        </p:nvSpPr>
+        <p:spPr>
+          <a:xfrm>
+            <a:off x="3923685" y="5439239"/>
+            <a:ext cx="3226416" cy="496883"/>
+          </a:xfrm>
+        </p:spPr>
+        <p:txBody>
+          <a:bodyPr>
+            <a:normAutofit/>
+          </a:bodyPr>
+          <a:lstStyle/>
+          <a:p>
+            <a:pPr marL="0" indent="0">
+              <a:buNone/>
+            </a:pPr>
+            <a:r>
+              <a:rPr lang="en-US" dirty="0" err="1" smtClean="0">
+                <a:latin typeface="Times New Roman" panose="02020603050405020304" pitchFamily="18" charset="0"/>
+                <a:cs typeface="Times New Roman" panose="02020603050405020304" pitchFamily="18" charset="0"/>
+              </a:rPr>
+              <a:t>Ứng</a:t>
+            </a:r>
+            <a:r>
+              <a:rPr lang="en-US" dirty="0" smtClean="0">
+                <a:latin typeface="Times New Roman" panose="02020603050405020304" pitchFamily="18" charset="0"/>
+                <a:cs typeface="Times New Roman" panose="02020603050405020304" pitchFamily="18" charset="0"/>
+              </a:rPr>
+              <a:t> </a:t>
+            </a:r>
+            <a:r>
+              <a:rPr lang="en-US" dirty="0" err="1" smtClean="0">
+                <a:latin typeface="Times New Roman" panose="02020603050405020304" pitchFamily="18" charset="0"/>
+                <a:cs typeface="Times New Roman" panose="02020603050405020304" pitchFamily="18" charset="0"/>
+              </a:rPr>
+              <a:t>dụng</a:t>
+            </a:r>
+            <a:r>
+              <a:rPr lang="en-US" dirty="0" smtClean="0">
+                <a:latin typeface="Times New Roman" panose="02020603050405020304" pitchFamily="18" charset="0"/>
+                <a:cs typeface="Times New Roman" panose="02020603050405020304" pitchFamily="18" charset="0"/>
+              </a:rPr>
+              <a:t> </a:t>
+            </a:r>
+            <a:r>
+              <a:rPr lang="en-US" dirty="0" err="1" smtClean="0">
+                <a:latin typeface="Times New Roman" panose="02020603050405020304" pitchFamily="18" charset="0"/>
+                <a:cs typeface="Times New Roman" panose="02020603050405020304" pitchFamily="18" charset="0"/>
+              </a:rPr>
+              <a:t>học</a:t>
+            </a:r>
+            <a:r>
+              <a:rPr lang="en-US" dirty="0" smtClean="0">
+                <a:latin typeface="Times New Roman" panose="02020603050405020304" pitchFamily="18" charset="0"/>
+                <a:cs typeface="Times New Roman" panose="02020603050405020304" pitchFamily="18" charset="0"/>
+              </a:rPr>
+              <a:t> </a:t>
+            </a:r>
+            <a:r>
+              <a:rPr lang="en-US" dirty="0" err="1" smtClean="0">
+                <a:latin typeface="Times New Roman" panose="02020603050405020304" pitchFamily="18" charset="0"/>
+                <a:cs typeface="Times New Roman" panose="02020603050405020304" pitchFamily="18" charset="0"/>
+              </a:rPr>
+              <a:t>tiếng</a:t>
+            </a:r>
+            <a:r>
+              <a:rPr lang="en-US" dirty="0" smtClean="0">
+                <a:latin typeface="Times New Roman" panose="02020603050405020304" pitchFamily="18" charset="0"/>
+                <a:cs typeface="Times New Roman" panose="02020603050405020304" pitchFamily="18" charset="0"/>
+              </a:rPr>
+              <a:t> </a:t>
+            </a:r>
+            <a:r>
+              <a:rPr lang="en-US" dirty="0" err="1" smtClean="0">
+                <a:latin typeface="Times New Roman" panose="02020603050405020304" pitchFamily="18" charset="0"/>
+                <a:cs typeface="Times New Roman" panose="02020603050405020304" pitchFamily="18" charset="0"/>
+              </a:rPr>
+              <a:t>anh</a:t>
+            </a:r>
+            <a:r>
+              <a:rPr lang="en-US" dirty="0" smtClean="0">
+                <a:latin typeface="Times New Roman" panose="02020603050405020304" pitchFamily="18" charset="0"/>
+                <a:cs typeface="Times New Roman" panose="02020603050405020304" pitchFamily="18" charset="0"/>
+              </a:rPr>
+              <a:t> Big Fun</a:t>
+            </a:r>
+            <a:endParaRPr lang="en-US" dirty="0">
+              <a:latin typeface="Times New Roman" panose="02020603050405020304" pitchFamily="18" charset="0"/>
+              <a:cs typeface="Times New Roman" panose="02020603050405020304" pitchFamily="18" charset="0"/>
+            </a:endParaRPr>
+          </a:p>
+        </p:txBody>
+      </p:sp>
+      <p:pic>
+        <p:nvPicPr>
+          <p:cNvPr id="5" name="Picture 4"/>
+          <p:cNvPicPr/>
+          <p:nvPr/>
+        </p:nvPicPr>
+        <p:blipFill>
+          <a:blip r:embed="rId2"/>
+          <a:stretch>
+            <a:fillRect/>
+          </a:stretch>
+        </p:blipFill>
+        <p:spPr>
+          <a:xfrm>
+            <a:off x="1845702" y="1117917"/>
+            <a:ext cx="7196697" cy="4216083"/>
+          </a:xfrm>
+          <a:prstGeom prst="rect">
+            <a:avLst/>
+          </a:prstGeom>
+        </p:spPr>
+      </p:pic>
+      <p:sp>
+        <p:nvSpPr>
+          <p:cNvPr id="2" name="Footer Placeholder 1"/>
+          <p:cNvSpPr>
+            <a:spLocks noGrp="1"/>
+          </p:cNvSpPr>
+          <p:nvPr>
+            <p:ph type="ftr" sz="quarter" idx="11"/>
+          </p:nvPr>
+        </p:nvSpPr>
+        <p:spPr/>
+        <p:txBody>
+          <a:bodyPr/>
+          <a:lstStyle/>
+          <a:p>
+            <a:r>
+              <a:rPr lang="en-US" smtClean="0"/>
+              <a:t>Nhóm 39 - Tìm Hiểu Công Nghệ WPF Và Viết Ứng Dụng Học Tiếng Anh Cho Trẻ Em</a:t>
+            </a:r>
+            <a:endParaRPr lang="en-US"/>
+          </a:p>
+        </p:txBody>
+      </p:sp>
+      <p:sp>
+        <p:nvSpPr>
+          <p:cNvPr id="3" name="Slide Number Placeholder 2"/>
+          <p:cNvSpPr>
+            <a:spLocks noGrp="1"/>
+          </p:cNvSpPr>
+          <p:nvPr>
+            <p:ph type="sldNum" sz="quarter" idx="12"/>
+          </p:nvPr>
+        </p:nvSpPr>
+        <p:spPr/>
+        <p:txBody>
+          <a:bodyPr/>
+          <a:lstStyle/>
+          <a:p>
+            <a:fld id="{A47909FA-8428-4BA7-99A7-864F51E2F064}" type="slidenum">
+              <a:rPr lang="en-US" smtClean="0"/>
+              <a:t>7</a:t>
+            </a:fld>
+            <a:endParaRPr lang="en-US"/>
+          </a:p>
+        </p:txBody>
+      </p:sp>
+    </p:spTree>
+    <p:extLst>
+      <p:ext uri="{BB962C8B-B14F-4D97-AF65-F5344CB8AC3E}">
+        <p14:creationId xmlns:p14="http://schemas.microsoft.com/office/powerpoint/2010/main" val="3691813317"/>
+      </p:ext>
+    </p:extLst>
+  </p:cSld>
+  <p:clrMapOvr>
+    <a:masterClrMapping/>
+  </p:clrMapOvr>
+  <p:timing>
+    <p:tnLst>
+      <p:par>
+        <p:cTn id="1" dur="indefinite" restart="never" nodeType="tmRoot"/>
+      </p:par>
+    </p:tnLst>
+  </p:timing>
+</p:sld>
+</file>
+
+<file path=ppt/slides/slide8.xml><?xml version="1.0" encoding="utf-8"?>
+<p:sld xmlns:a="http://schemas.openxmlformats.org/drawingml/2006/main" xmlns:r="http://schemas.openxmlformats.org/officeDocument/2006/relationships" xmlns:p="http://schemas.openxmlformats.org/presentationml/2006/main">
+  <p:cSld>
+    <p:spTree>
+      <p:nvGrpSpPr>
+        <p:cNvPr id="1" name=""/>
+        <p:cNvGrpSpPr/>
+        <p:nvPr/>
+      </p:nvGrpSpPr>
+      <p:grpSpPr>
+        <a:xfrm>
+          <a:off x="0" y="0"/>
+          <a:ext cx="0" cy="0"/>
+          <a:chOff x="0" y="0"/>
+          <a:chExt cx="0" cy="0"/>
+        </a:xfrm>
+      </p:grpSpPr>
+      <p:sp>
+        <p:nvSpPr>
+          <p:cNvPr id="7" name="Title 1"/>
+          <p:cNvSpPr>
+            <a:spLocks noGrp="1"/>
+          </p:cNvSpPr>
+          <p:nvPr>
+            <p:ph type="title"/>
+          </p:nvPr>
+        </p:nvSpPr>
+        <p:spPr>
+          <a:xfrm>
+            <a:off x="499534" y="230500"/>
+            <a:ext cx="8596668" cy="1320800"/>
+          </a:xfrm>
+        </p:spPr>
+        <p:txBody>
+          <a:bodyPr>
+            <a:normAutofit/>
+          </a:bodyPr>
+          <a:lstStyle/>
+          <a:p>
+            <a:r>
+              <a:rPr lang="en-US" sz="4400" b="1" dirty="0" smtClean="0">
+                <a:latin typeface="Times New Roman" panose="02020603050405020304" pitchFamily="18" charset="0"/>
+                <a:cs typeface="Times New Roman" panose="02020603050405020304" pitchFamily="18" charset="0"/>
+              </a:rPr>
+              <a:t>III. NỘI </a:t>
+            </a:r>
+            <a:r>
+              <a:rPr lang="en-US" sz="4400" b="1" dirty="0" smtClean="0">
+                <a:latin typeface="Times New Roman" panose="02020603050405020304" pitchFamily="18" charset="0"/>
+                <a:cs typeface="Times New Roman" panose="02020603050405020304" pitchFamily="18" charset="0"/>
+              </a:rPr>
+              <a:t>DUNG THỰC HIỆN</a:t>
+            </a:r>
+            <a:endParaRPr lang="en-US" sz="4400" b="1" dirty="0">
+              <a:latin typeface="Times New Roman" panose="02020603050405020304" pitchFamily="18" charset="0"/>
+              <a:cs typeface="Times New Roman" panose="02020603050405020304" pitchFamily="18" charset="0"/>
+            </a:endParaRPr>
+          </a:p>
+        </p:txBody>
+      </p:sp>
+      <p:sp>
+        <p:nvSpPr>
+          <p:cNvPr id="4" name="Content Placeholder 2"/>
+          <p:cNvSpPr>
+            <a:spLocks noGrp="1"/>
+          </p:cNvSpPr>
+          <p:nvPr>
+            <p:ph idx="1"/>
+          </p:nvPr>
+        </p:nvSpPr>
+        <p:spPr>
+          <a:xfrm>
+            <a:off x="4302397" y="5388439"/>
+            <a:ext cx="2515215" cy="433383"/>
+          </a:xfrm>
+        </p:spPr>
+        <p:txBody>
+          <a:bodyPr>
+            <a:normAutofit/>
+          </a:bodyPr>
+          <a:lstStyle/>
+          <a:p>
+            <a:pPr marL="0" indent="0">
+              <a:buNone/>
+            </a:pPr>
+            <a:r>
+              <a:rPr lang="en-US" dirty="0" smtClean="0">
+                <a:latin typeface="Times New Roman" panose="02020603050405020304" pitchFamily="18" charset="0"/>
+                <a:cs typeface="Times New Roman" panose="02020603050405020304" pitchFamily="18" charset="0"/>
+              </a:rPr>
+              <a:t>Activity Concentration</a:t>
+            </a:r>
+            <a:endParaRPr lang="en-US" dirty="0">
+              <a:latin typeface="Times New Roman" panose="02020603050405020304" pitchFamily="18" charset="0"/>
+              <a:cs typeface="Times New Roman" panose="02020603050405020304" pitchFamily="18" charset="0"/>
+            </a:endParaRPr>
+          </a:p>
+        </p:txBody>
+      </p:sp>
+      <p:pic>
+        <p:nvPicPr>
+          <p:cNvPr id="6" name="Picture 5"/>
+          <p:cNvPicPr/>
+          <p:nvPr/>
+        </p:nvPicPr>
+        <p:blipFill>
+          <a:blip r:embed="rId2"/>
+          <a:stretch>
+            <a:fillRect/>
+          </a:stretch>
+        </p:blipFill>
+        <p:spPr>
+          <a:xfrm>
+            <a:off x="2187679" y="1194117"/>
+            <a:ext cx="6744653" cy="3974783"/>
+          </a:xfrm>
+          <a:prstGeom prst="rect">
+            <a:avLst/>
+          </a:prstGeom>
+        </p:spPr>
+      </p:pic>
+      <p:sp>
+        <p:nvSpPr>
+          <p:cNvPr id="2" name="Footer Placeholder 1"/>
+          <p:cNvSpPr>
+            <a:spLocks noGrp="1"/>
+          </p:cNvSpPr>
+          <p:nvPr>
+            <p:ph type="ftr" sz="quarter" idx="11"/>
+          </p:nvPr>
+        </p:nvSpPr>
+        <p:spPr/>
+        <p:txBody>
+          <a:bodyPr/>
+          <a:lstStyle/>
+          <a:p>
+            <a:r>
+              <a:rPr lang="en-US" smtClean="0"/>
+              <a:t>Nhóm 39 - Tìm Hiểu Công Nghệ WPF Và Viết Ứng Dụng Học Tiếng Anh Cho Trẻ Em</a:t>
+            </a:r>
+            <a:endParaRPr lang="en-US"/>
+          </a:p>
+        </p:txBody>
+      </p:sp>
+      <p:sp>
+        <p:nvSpPr>
+          <p:cNvPr id="3" name="Slide Number Placeholder 2"/>
+          <p:cNvSpPr>
+            <a:spLocks noGrp="1"/>
+          </p:cNvSpPr>
+          <p:nvPr>
+            <p:ph type="sldNum" sz="quarter" idx="12"/>
+          </p:nvPr>
+        </p:nvSpPr>
+        <p:spPr/>
+        <p:txBody>
+          <a:bodyPr/>
+          <a:lstStyle/>
+          <a:p>
+            <a:fld id="{A47909FA-8428-4BA7-99A7-864F51E2F064}" type="slidenum">
+              <a:rPr lang="en-US" smtClean="0"/>
+              <a:t>8</a:t>
+            </a:fld>
+            <a:endParaRPr lang="en-US"/>
+          </a:p>
+        </p:txBody>
+      </p:sp>
+    </p:spTree>
+    <p:extLst>
+      <p:ext uri="{BB962C8B-B14F-4D97-AF65-F5344CB8AC3E}">
+        <p14:creationId xmlns:p14="http://schemas.microsoft.com/office/powerpoint/2010/main" val="3618661503"/>
+      </p:ext>
+    </p:extLst>
+  </p:cSld>
+  <p:clrMapOvr>
+    <a:masterClrMapping/>
+  </p:clrMapOvr>
+  <p:timing>
+    <p:tnLst>
+      <p:par>
+        <p:cTn id="1" dur="indefinite" restart="never" nodeType="tmRoot"/>
+      </p:par>
+    </p:tnLst>
+  </p:timing>
+</p:sld>
+</file>
+
+<file path=ppt/slides/slide9.xml><?xml version="1.0" encoding="utf-8"?>
+<p:sld xmlns:a="http://schemas.openxmlformats.org/drawingml/2006/main" xmlns:r="http://schemas.openxmlformats.org/officeDocument/2006/relationships" xmlns:p="http://schemas.openxmlformats.org/presentationml/2006/main">
+  <p:cSld>
+    <p:spTree>
+      <p:nvGrpSpPr>
+        <p:cNvPr id="1" name=""/>
+        <p:cNvGrpSpPr/>
+        <p:nvPr/>
+      </p:nvGrpSpPr>
+      <p:grpSpPr>
+        <a:xfrm>
+          <a:off x="0" y="0"/>
+          <a:ext cx="0" cy="0"/>
+          <a:chOff x="0" y="0"/>
+          <a:chExt cx="0" cy="0"/>
+        </a:xfrm>
+      </p:grpSpPr>
+      <p:sp>
+        <p:nvSpPr>
+          <p:cNvPr id="8" name="Title 1"/>
+          <p:cNvSpPr>
+            <a:spLocks noGrp="1"/>
+          </p:cNvSpPr>
+          <p:nvPr>
+            <p:ph type="title"/>
+          </p:nvPr>
+        </p:nvSpPr>
+        <p:spPr>
+          <a:xfrm>
+            <a:off x="486834" y="332100"/>
+            <a:ext cx="8596668" cy="1320800"/>
+          </a:xfrm>
+        </p:spPr>
+        <p:txBody>
+          <a:bodyPr>
+            <a:normAutofit/>
+          </a:bodyPr>
+          <a:lstStyle/>
+          <a:p>
+            <a:r>
+              <a:rPr lang="en-US" sz="4400" b="1" dirty="0" smtClean="0">
+                <a:latin typeface="Times New Roman" panose="02020603050405020304" pitchFamily="18" charset="0"/>
+                <a:cs typeface="Times New Roman" panose="02020603050405020304" pitchFamily="18" charset="0"/>
+              </a:rPr>
+              <a:t>III. NỘI </a:t>
+            </a:r>
+            <a:r>
+              <a:rPr lang="en-US" sz="4400" b="1" dirty="0" smtClean="0">
+                <a:latin typeface="Times New Roman" panose="02020603050405020304" pitchFamily="18" charset="0"/>
+                <a:cs typeface="Times New Roman" panose="02020603050405020304" pitchFamily="18" charset="0"/>
+              </a:rPr>
+              <a:t>DUNG THỰC HIỆN</a:t>
+            </a:r>
+            <a:endParaRPr lang="en-US" sz="4400" b="1" dirty="0">
+              <a:latin typeface="Times New Roman" panose="02020603050405020304" pitchFamily="18" charset="0"/>
+              <a:cs typeface="Times New Roman" panose="02020603050405020304" pitchFamily="18" charset="0"/>
+            </a:endParaRPr>
+          </a:p>
+        </p:txBody>
+      </p:sp>
+      <p:sp>
+        <p:nvSpPr>
+          <p:cNvPr id="4" name="Content Placeholder 2"/>
+          <p:cNvSpPr>
+            <a:spLocks noGrp="1"/>
+          </p:cNvSpPr>
+          <p:nvPr>
+            <p:ph idx="1"/>
+          </p:nvPr>
+        </p:nvSpPr>
+        <p:spPr>
+          <a:xfrm>
+            <a:off x="4586917" y="5426539"/>
+            <a:ext cx="2515215" cy="433383"/>
+          </a:xfrm>
+        </p:spPr>
+        <p:txBody>
+          <a:bodyPr>
+            <a:normAutofit/>
+          </a:bodyPr>
+          <a:lstStyle/>
+          <a:p>
+            <a:pPr marL="0" indent="0">
+              <a:buNone/>
+            </a:pPr>
+            <a:r>
+              <a:rPr lang="en-US" dirty="0" smtClean="0">
+                <a:latin typeface="Times New Roman" panose="02020603050405020304" pitchFamily="18" charset="0"/>
+                <a:cs typeface="Times New Roman" panose="02020603050405020304" pitchFamily="18" charset="0"/>
+              </a:rPr>
+              <a:t>Activity Matching</a:t>
+            </a:r>
+            <a:endParaRPr lang="en-US" dirty="0">
+              <a:latin typeface="Times New Roman" panose="02020603050405020304" pitchFamily="18" charset="0"/>
+              <a:cs typeface="Times New Roman" panose="02020603050405020304" pitchFamily="18" charset="0"/>
+            </a:endParaRPr>
+          </a:p>
+        </p:txBody>
+      </p:sp>
+      <p:pic>
+        <p:nvPicPr>
+          <p:cNvPr id="7" name="Picture 6"/>
+          <p:cNvPicPr/>
+          <p:nvPr/>
+        </p:nvPicPr>
+        <p:blipFill>
+          <a:blip r:embed="rId2"/>
+          <a:stretch>
+            <a:fillRect/>
+          </a:stretch>
+        </p:blipFill>
+        <p:spPr>
+          <a:xfrm>
+            <a:off x="2415049" y="1105217"/>
+            <a:ext cx="6858953" cy="4139883"/>
+          </a:xfrm>
+          <a:prstGeom prst="rect">
+            <a:avLst/>
+          </a:prstGeom>
+        </p:spPr>
+      </p:pic>
+      <p:sp>
+        <p:nvSpPr>
+          <p:cNvPr id="2" name="Footer Placeholder 1"/>
+          <p:cNvSpPr>
+            <a:spLocks noGrp="1"/>
+          </p:cNvSpPr>
+          <p:nvPr>
+            <p:ph type="ftr" sz="quarter" idx="11"/>
+          </p:nvPr>
+        </p:nvSpPr>
+        <p:spPr/>
+        <p:txBody>
+          <a:bodyPr/>
+          <a:lstStyle/>
+          <a:p>
+            <a:r>
+              <a:rPr lang="en-US" smtClean="0"/>
+              <a:t>Nhóm 39 - Tìm Hiểu Công Nghệ WPF Và Viết Ứng Dụng Học Tiếng Anh Cho Trẻ Em</a:t>
+            </a:r>
+            <a:endParaRPr lang="en-US"/>
+          </a:p>
+        </p:txBody>
+      </p:sp>
+      <p:sp>
+        <p:nvSpPr>
+          <p:cNvPr id="3" name="Slide Number Placeholder 2"/>
+          <p:cNvSpPr>
+            <a:spLocks noGrp="1"/>
+          </p:cNvSpPr>
+          <p:nvPr>
+            <p:ph type="sldNum" sz="quarter" idx="12"/>
+          </p:nvPr>
+        </p:nvSpPr>
+        <p:spPr/>
+        <p:txBody>
+          <a:bodyPr/>
+          <a:lstStyle/>
+          <a:p>
+            <a:fld id="{A47909FA-8428-4BA7-99A7-864F51E2F064}" type="slidenum">
+              <a:rPr lang="en-US" smtClean="0"/>
+              <a:t>9</a:t>
+            </a:fld>
+            <a:endParaRPr lang="en-US"/>
+          </a:p>
+        </p:txBody>
+      </p:sp>
+    </p:spTree>
+    <p:extLst>
+      <p:ext uri="{BB962C8B-B14F-4D97-AF65-F5344CB8AC3E}">
+        <p14:creationId xmlns:p14="http://schemas.microsoft.com/office/powerpoint/2010/main" val="769137489"/>
+      </p:ext>
+    </p:extLst>
+  </p:cSld>
+  <p:clrMapOvr>
+    <a:masterClrMapping/>
+  </p:clrMapOvr>
+  <p:timing>
+    <p:tnLst>
+      <p:par>
+        <p:cTn id="1" dur="indefinite" restart="never" nodeType="tmRoot"/>
+      </p:par>
+    </p:tnLst>
+  </p:timing>
 </p:sld>
 </file>
 
@@ -6519,4 +13638,265 @@
     </a:ext>
   </a:extLst>
 </a:theme>
+</file>
+
+<file path=ppt/theme/theme2.xml><?xml version="1.0" encoding="utf-8"?>
+<a:theme xmlns:a="http://schemas.openxmlformats.org/drawingml/2006/main" name="Office Theme">
+  <a:themeElements>
+    <a:clrScheme name="Office">
+      <a:dk1>
+        <a:sysClr val="windowText" lastClr="000000"/>
+      </a:dk1>
+      <a:lt1>
+        <a:sysClr val="window" lastClr="FFFFFF"/>
+      </a:lt1>
+      <a:dk2>
+        <a:srgbClr val="44546A"/>
+      </a:dk2>
+      <a:lt2>
+        <a:srgbClr val="E7E6E6"/>
+      </a:lt2>
+      <a:accent1>
+        <a:srgbClr val="5B9BD5"/>
+      </a:accent1>
+      <a:accent2>
+        <a:srgbClr val="ED7D31"/>
+      </a:accent2>
+      <a:accent3>
+        <a:srgbClr val="A5A5A5"/>
+      </a:accent3>
+      <a:accent4>
+        <a:srgbClr val="FFC000"/>
+      </a:accent4>
+      <a:accent5>
+        <a:srgbClr val="4472C4"/>
+      </a:accent5>
+      <a:accent6>
+        <a:srgbClr val="70AD47"/>
+      </a:accent6>
+      <a:hlink>
+        <a:srgbClr val="0563C1"/>
+      </a:hlink>
+      <a:folHlink>
+        <a:srgbClr val="954F72"/>
+      </a:folHlink>
+    </a:clrScheme>
+    <a:fontScheme name="Office">
+      <a:majorFont>
+        <a:latin typeface="Calibri Light" panose="020F0302020204030204"/>
+        <a:ea typeface=""/>
+        <a:cs typeface=""/>
+        <a:font script="Jpan" typeface="游ゴシック Light"/>
+        <a:font script="Hang" typeface="맑은 고딕"/>
+        <a:font script="Hans" typeface="等线 Light"/>
+        <a:font script="Hant" typeface="新細明體"/>
+        <a:font script="Arab" typeface="Times New Roman"/>
+        <a:font script="Hebr" typeface="Times New Roman"/>
+        <a:font script="Thai" typeface="Angsana New"/>
+        <a:font script="Ethi" typeface="Nyala"/>
+        <a:font script="Beng" typeface="Vrinda"/>
+        <a:font script="Gujr" typeface="Shruti"/>
+        <a:font script="Khmr" typeface="MoolBoran"/>
+        <a:font script="Knda" typeface="Tunga"/>
+        <a:font script="Guru" typeface="Raavi"/>
+        <a:font script="Cans" typeface="Euphemia"/>
+        <a:font script="Cher" typeface="Plantagenet Cherokee"/>
+        <a:font script="Yiii" typeface="Microsoft Yi Baiti"/>
+        <a:font script="Tibt" typeface="Microsoft Himalaya"/>
+        <a:font script="Thaa" typeface="MV Boli"/>
+        <a:font script="Deva" typeface="Mangal"/>
+        <a:font script="Telu" typeface="Gautami"/>
+        <a:font script="Taml" typeface="Latha"/>
+        <a:font script="Syrc" typeface="Estrangelo Edessa"/>
+        <a:font script="Orya" typeface="Kalinga"/>
+        <a:font script="Mlym" typeface="Kartika"/>
+        <a:font script="Laoo" typeface="DokChampa"/>
+        <a:font script="Sinh" typeface="Iskoola Pota"/>
+        <a:font script="Mong" typeface="Mongolian Baiti"/>
+        <a:font script="Viet" typeface="Times New Roman"/>
+        <a:font script="Uigh" typeface="Microsoft Uighur"/>
+        <a:font script="Geor" typeface="Sylfaen"/>
+      </a:majorFont>
+      <a:minorFont>
+        <a:latin typeface="Calibri" panose="020F0502020204030204"/>
+        <a:ea typeface=""/>
+        <a:cs typeface=""/>
+        <a:font script="Jpan" typeface="游ゴシック"/>
+        <a:font script="Hang" typeface="맑은 고딕"/>
+        <a:font script="Hans" typeface="等线"/>
+        <a:font script="Hant" typeface="新細明體"/>
+        <a:font script="Arab" typeface="Arial"/>
+        <a:font script="Hebr" typeface="Arial"/>
+        <a:font script="Thai" typeface="Cordia New"/>
+        <a:font script="Ethi" typeface="Nyala"/>
+        <a:font script="Beng" typeface="Vrinda"/>
+        <a:font script="Gujr" typeface="Shruti"/>
+        <a:font script="Khmr" typeface="DaunPenh"/>
+        <a:font script="Knda" typeface="Tunga"/>
+        <a:font script="Guru" typeface="Raavi"/>
+        <a:font script="Cans" typeface="Euphemia"/>
+        <a:font script="Cher" typeface="Plantagenet Cherokee"/>
+        <a:font script="Yiii" typeface="Microsoft Yi Baiti"/>
+        <a:font script="Tibt" typeface="Microsoft Himalaya"/>
+        <a:font script="Thaa" typeface="MV Boli"/>
+        <a:font script="Deva" typeface="Mangal"/>
+        <a:font script="Telu" typeface="Gautami"/>
+        <a:font script="Taml" typeface="Latha"/>
+        <a:font script="Syrc" typeface="Estrangelo Edessa"/>
+        <a:font script="Orya" typeface="Kalinga"/>
+        <a:font script="Mlym" typeface="Kartika"/>
+        <a:font script="Laoo" typeface="DokChampa"/>
+        <a:font script="Sinh" typeface="Iskoola Pota"/>
+        <a:font script="Mong" typeface="Mongolian Baiti"/>
+        <a:font script="Viet" typeface="Arial"/>
+        <a:font script="Uigh" typeface="Microsoft Uighur"/>
+        <a:font script="Geor" typeface="Sylfaen"/>
+      </a:minorFont>
+    </a:fontScheme>
+    <a:fmtScheme name="Office">
+      <a:fillStyleLst>
+        <a:solidFill>
+          <a:schemeClr val="phClr"/>
+        </a:solidFill>
+        <a:gradFill rotWithShape="1">
+          <a:gsLst>
+            <a:gs pos="0">
+              <a:schemeClr val="phClr">
+                <a:lumMod val="110000"/>
+                <a:satMod val="105000"/>
+                <a:tint val="67000"/>
+              </a:schemeClr>
+            </a:gs>
+            <a:gs pos="50000">
+              <a:schemeClr val="phClr">
+                <a:lumMod val="105000"/>
+                <a:satMod val="103000"/>
+                <a:tint val="73000"/>
+              </a:schemeClr>
+            </a:gs>
+            <a:gs pos="100000">
+              <a:schemeClr val="phClr">
+                <a:lumMod val="105000"/>
+                <a:satMod val="109000"/>
+                <a:tint val="81000"/>
+              </a:schemeClr>
+            </a:gs>
+          </a:gsLst>
+          <a:lin ang="5400000" scaled="0"/>
+        </a:gradFill>
+        <a:gradFill rotWithShape="1">
+          <a:gsLst>
+            <a:gs pos="0">
+              <a:schemeClr val="phClr">
+                <a:satMod val="103000"/>
+                <a:lumMod val="102000"/>
+                <a:tint val="94000"/>
+              </a:schemeClr>
+            </a:gs>
+            <a:gs pos="50000">
+              <a:schemeClr val="phClr">
+                <a:satMod val="110000"/>
+                <a:lumMod val="100000"/>
+                <a:shade val="100000"/>
+              </a:schemeClr>
+            </a:gs>
+            <a:gs pos="100000">
+              <a:schemeClr val="phClr">
+                <a:lumMod val="99000"/>
+                <a:satMod val="120000"/>
+                <a:shade val="78000"/>
+              </a:schemeClr>
+            </a:gs>
+          </a:gsLst>
+          <a:lin ang="5400000" scaled="0"/>
+        </a:gradFill>
+      </a:fillStyleLst>
+      <a:lnStyleLst>
+        <a:ln w="6350" cap="flat" cmpd="sng" algn="ctr">
+          <a:solidFill>
+            <a:schemeClr val="phClr"/>
+          </a:solidFill>
+          <a:prstDash val="solid"/>
+          <a:miter lim="800000"/>
+        </a:ln>
+        <a:ln w="12700" cap="flat" cmpd="sng" algn="ctr">
+          <a:solidFill>
+            <a:schemeClr val="phClr"/>
+          </a:solidFill>
+          <a:prstDash val="solid"/>
+          <a:miter lim="800000"/>
+        </a:ln>
+        <a:ln w="19050" cap="flat" cmpd="sng" algn="ctr">
+          <a:solidFill>
+            <a:schemeClr val="phClr"/>
+          </a:solidFill>
+          <a:prstDash val="solid"/>
+          <a:miter lim="800000"/>
+        </a:ln>
+      </a:lnStyleLst>
+      <a:effectStyleLst>
+        <a:effectStyle>
+          <a:effectLst/>
+        </a:effectStyle>
+        <a:effectStyle>
+          <a:effectLst/>
+        </a:effectStyle>
+        <a:effectStyle>
+          <a:effectLst>
+            <a:outerShdw blurRad="57150" dist="19050" dir="5400000" algn="ctr" rotWithShape="0">
+              <a:srgbClr val="000000">
+                <a:alpha val="63000"/>
+              </a:srgbClr>
+            </a:outerShdw>
+          </a:effectLst>
+        </a:effectStyle>
+      </a:effectStyleLst>
+      <a:bgFillStyleLst>
+        <a:solidFill>
+          <a:schemeClr val="phClr"/>
+        </a:solidFill>
+        <a:solidFill>
+          <a:schemeClr val="phClr">
+            <a:tint val="95000"/>
+            <a:satMod val="170000"/>
+          </a:schemeClr>
+        </a:solidFill>
+        <a:gradFill rotWithShape="1">
+          <a:gsLst>
+            <a:gs pos="0">
+              <a:schemeClr val="phClr">
+                <a:tint val="93000"/>
+                <a:satMod val="150000"/>
+                <a:shade val="98000"/>
+                <a:lumMod val="102000"/>
+              </a:schemeClr>
+            </a:gs>
+            <a:gs pos="50000">
+              <a:schemeClr val="phClr">
+                <a:tint val="98000"/>
+                <a:satMod val="130000"/>
+                <a:shade val="90000"/>
+                <a:lumMod val="103000"/>
+              </a:schemeClr>
+            </a:gs>
+            <a:gs pos="100000">
+              <a:schemeClr val="phClr">
+                <a:shade val="63000"/>
+                <a:satMod val="120000"/>
+              </a:schemeClr>
+            </a:gs>
+          </a:gsLst>
+          <a:lin ang="5400000" scaled="0"/>
+        </a:gradFill>
+      </a:bgFillStyleLst>
+    </a:fmtScheme>
+  </a:themeElements>
+  <a:objectDefaults/>
+  <a:extraClrSchemeLst/>
+  <a:extLst>
+    <a:ext uri="{05A4C25C-085E-4340-85A3-A5531E510DB2}">
+      <thm15:themeFamily xmlns:thm15="http://schemas.microsoft.com/office/thememl/2012/main" name="Office Theme" id="{62F939B6-93AF-4DB8-9C6B-D6C7DFDC589F}" vid="{4A3C46E8-61CC-4603-A589-7422A47A8E4A}"/>
+    </a:ext>
+  </a:extLst>
+</a:theme>
 </file>